--- a/submission2/Paper Review Slides by Priom Deb.pptx
+++ b/submission2/Paper Review Slides by Priom Deb.pptx
@@ -5,26 +5,25 @@
     <p:sldMasterId id="2147483658" r:id="rId4"/>
   </p:sldMasterIdLst>
   <p:notesMasterIdLst>
-    <p:notesMasterId r:id="rId19"/>
+    <p:notesMasterId r:id="rId18"/>
   </p:notesMasterIdLst>
   <p:handoutMasterIdLst>
-    <p:handoutMasterId r:id="rId20"/>
+    <p:handoutMasterId r:id="rId19"/>
   </p:handoutMasterIdLst>
   <p:sldIdLst>
     <p:sldId id="350" r:id="rId5"/>
-    <p:sldId id="364" r:id="rId6"/>
-    <p:sldId id="365" r:id="rId7"/>
-    <p:sldId id="366" r:id="rId8"/>
-    <p:sldId id="367" r:id="rId9"/>
-    <p:sldId id="368" r:id="rId10"/>
-    <p:sldId id="369" r:id="rId11"/>
-    <p:sldId id="370" r:id="rId12"/>
-    <p:sldId id="371" r:id="rId13"/>
-    <p:sldId id="372" r:id="rId14"/>
-    <p:sldId id="373" r:id="rId15"/>
-    <p:sldId id="374" r:id="rId16"/>
-    <p:sldId id="375" r:id="rId17"/>
-    <p:sldId id="343" r:id="rId18"/>
+    <p:sldId id="365" r:id="rId6"/>
+    <p:sldId id="366" r:id="rId7"/>
+    <p:sldId id="367" r:id="rId8"/>
+    <p:sldId id="368" r:id="rId9"/>
+    <p:sldId id="369" r:id="rId10"/>
+    <p:sldId id="370" r:id="rId11"/>
+    <p:sldId id="371" r:id="rId12"/>
+    <p:sldId id="372" r:id="rId13"/>
+    <p:sldId id="373" r:id="rId14"/>
+    <p:sldId id="374" r:id="rId15"/>
+    <p:sldId id="375" r:id="rId16"/>
+    <p:sldId id="343" r:id="rId17"/>
   </p:sldIdLst>
   <p:sldSz cx="12192000" cy="6858000"/>
   <p:notesSz cx="6858000" cy="9144000"/>
@@ -369,7 +368,7 @@
           <a:p>
             <a:fld id="{6EE7A52F-9D89-7442-A8E9-48D1527B5F6B}" type="datetimeFigureOut">
               <a:rPr lang="en-US" smtClean="0"/>
-              <a:t>12/3/2023</a:t>
+              <a:t>12/4/2023</a:t>
             </a:fld>
             <a:endParaRPr lang="en-US" dirty="0"/>
           </a:p>
@@ -701,7 +700,7 @@
           <a:p>
             <a:fld id="{A89C7E07-3C67-C64C-8DA0-0404F6303970}" type="slidenum">
               <a:rPr lang="en-US" smtClean="0"/>
-              <a:t>14</a:t>
+              <a:t>13</a:t>
             </a:fld>
             <a:endParaRPr lang="en-US" dirty="0"/>
           </a:p>
@@ -12383,7 +12382,7 @@
             <a:fld id="{6FCA8E82-58CD-E045-8B98-B7A85B79B752}" type="datetime4">
               <a:rPr lang="en-US" smtClean="0"/>
               <a:pPr/>
-              <a:t>December 3, 2023</a:t>
+              <a:t>December 4, 2023</a:t>
             </a:fld>
             <a:endParaRPr lang="en-US" dirty="0">
               <a:latin typeface="+mn-lt"/>
@@ -13107,6 +13106,359 @@
           <p:cNvPr id="2" name="Title 1">
             <a:extLst>
               <a:ext uri="{FF2B5EF4-FFF2-40B4-BE49-F238E27FC236}">
+                <a16:creationId xmlns:a16="http://schemas.microsoft.com/office/drawing/2014/main" id="{1680B63E-371D-37C5-EDBC-71DE501DF161}"/>
+              </a:ext>
+            </a:extLst>
+          </p:cNvPr>
+          <p:cNvSpPr>
+            <a:spLocks noGrp="1"/>
+          </p:cNvSpPr>
+          <p:nvPr>
+            <p:ph type="title"/>
+          </p:nvPr>
+        </p:nvSpPr>
+        <p:spPr/>
+        <p:txBody>
+          <a:bodyPr>
+            <a:normAutofit fontScale="90000"/>
+          </a:bodyPr>
+          <a:lstStyle/>
+          <a:p>
+            <a:r>
+              <a:rPr lang="en-US" dirty="0"/>
+              <a:t>Benchmark Results</a:t>
+            </a:r>
+          </a:p>
+        </p:txBody>
+      </p:sp>
+      <p:sp>
+        <p:nvSpPr>
+          <p:cNvPr id="3" name="Text Placeholder 2">
+            <a:extLst>
+              <a:ext uri="{FF2B5EF4-FFF2-40B4-BE49-F238E27FC236}">
+                <a16:creationId xmlns:a16="http://schemas.microsoft.com/office/drawing/2014/main" id="{02C38C95-80E3-2574-E888-32CC3A1FE235}"/>
+              </a:ext>
+            </a:extLst>
+          </p:cNvPr>
+          <p:cNvSpPr>
+            <a:spLocks noGrp="1"/>
+          </p:cNvSpPr>
+          <p:nvPr>
+            <p:ph type="body" idx="1"/>
+          </p:nvPr>
+        </p:nvSpPr>
+        <p:spPr/>
+        <p:txBody>
+          <a:bodyPr>
+            <a:normAutofit fontScale="92500" lnSpcReduction="20000"/>
+          </a:bodyPr>
+          <a:lstStyle/>
+          <a:p>
+            <a:r>
+              <a:rPr lang="en-US" dirty="0"/>
+              <a:t>Benchmarks on Clean Audio Data</a:t>
+            </a:r>
+          </a:p>
+        </p:txBody>
+      </p:sp>
+      <p:sp>
+        <p:nvSpPr>
+          <p:cNvPr id="4" name="Content Placeholder 3">
+            <a:extLst>
+              <a:ext uri="{FF2B5EF4-FFF2-40B4-BE49-F238E27FC236}">
+                <a16:creationId xmlns:a16="http://schemas.microsoft.com/office/drawing/2014/main" id="{A1E15EB9-4E5C-2201-09AA-2FAC007682E1}"/>
+              </a:ext>
+            </a:extLst>
+          </p:cNvPr>
+          <p:cNvSpPr>
+            <a:spLocks noGrp="1"/>
+          </p:cNvSpPr>
+          <p:nvPr>
+            <p:ph sz="half" idx="2"/>
+          </p:nvPr>
+        </p:nvSpPr>
+        <p:spPr>
+          <a:xfrm>
+            <a:off x="952500" y="2799145"/>
+            <a:ext cx="3395213" cy="2318629"/>
+          </a:xfrm>
+        </p:spPr>
+        <p:txBody>
+          <a:bodyPr>
+            <a:normAutofit fontScale="77500" lnSpcReduction="20000"/>
+          </a:bodyPr>
+          <a:lstStyle/>
+          <a:p>
+            <a:r>
+              <a:rPr lang="en-US" dirty="0"/>
+              <a:t>Gaps between centralized and FL settings range from 0.31% to 11.7% across all datasets.</a:t>
+            </a:r>
+          </a:p>
+          <a:p>
+            <a:r>
+              <a:rPr lang="en-US" dirty="0"/>
+              <a:t>IEMOCAP exhibits lower accuracy in speech emotion recognition compared to CREMA-D, possibly due to actor improvisation in IEMOCAP and scripted data in CREMA-D.</a:t>
+            </a:r>
+          </a:p>
+          <a:p>
+            <a:r>
+              <a:rPr lang="en-US" dirty="0"/>
+              <a:t>Increasing client sample ratio does not necessarily yield performance gains.</a:t>
+            </a:r>
+          </a:p>
+          <a:p>
+            <a:r>
+              <a:rPr lang="en-US" dirty="0"/>
+              <a:t>Both FL optimizers demonstrate competitive performance.</a:t>
+            </a:r>
+          </a:p>
+          <a:p>
+            <a:r>
+              <a:rPr lang="en-US" dirty="0"/>
+              <a:t>Higher data heterogeneity negatively impacts training performance.</a:t>
+            </a:r>
+          </a:p>
+        </p:txBody>
+      </p:sp>
+      <p:sp>
+        <p:nvSpPr>
+          <p:cNvPr id="5" name="Text Placeholder 4">
+            <a:extLst>
+              <a:ext uri="{FF2B5EF4-FFF2-40B4-BE49-F238E27FC236}">
+                <a16:creationId xmlns:a16="http://schemas.microsoft.com/office/drawing/2014/main" id="{170E1D29-5C84-457C-ABD9-F84D7AA328D7}"/>
+              </a:ext>
+            </a:extLst>
+          </p:cNvPr>
+          <p:cNvSpPr>
+            <a:spLocks noGrp="1"/>
+          </p:cNvSpPr>
+          <p:nvPr>
+            <p:ph type="body" idx="10"/>
+          </p:nvPr>
+        </p:nvSpPr>
+        <p:spPr/>
+        <p:txBody>
+          <a:bodyPr>
+            <a:normAutofit fontScale="92500" lnSpcReduction="20000"/>
+          </a:bodyPr>
+          <a:lstStyle/>
+          <a:p>
+            <a:r>
+              <a:rPr lang="en-US" dirty="0"/>
+              <a:t>Benchmarks on Noisy Audio Data</a:t>
+            </a:r>
+          </a:p>
+        </p:txBody>
+      </p:sp>
+      <p:sp>
+        <p:nvSpPr>
+          <p:cNvPr id="6" name="Content Placeholder 5">
+            <a:extLst>
+              <a:ext uri="{FF2B5EF4-FFF2-40B4-BE49-F238E27FC236}">
+                <a16:creationId xmlns:a16="http://schemas.microsoft.com/office/drawing/2014/main" id="{FCE2BC40-963D-B96A-5F2E-95ADB8B7A22F}"/>
+              </a:ext>
+            </a:extLst>
+          </p:cNvPr>
+          <p:cNvSpPr>
+            <a:spLocks noGrp="1"/>
+          </p:cNvSpPr>
+          <p:nvPr>
+            <p:ph sz="half" idx="11"/>
+          </p:nvPr>
+        </p:nvSpPr>
+        <p:spPr>
+          <a:xfrm>
+            <a:off x="4569371" y="2799145"/>
+            <a:ext cx="3395213" cy="3179792"/>
+          </a:xfrm>
+        </p:spPr>
+        <p:txBody>
+          <a:bodyPr>
+            <a:noAutofit/>
+          </a:bodyPr>
+          <a:lstStyle/>
+          <a:p>
+            <a:r>
+              <a:rPr lang="en-US" sz="1200" dirty="0"/>
+              <a:t>Additive white Gaussian noise (AWGN) degrades model accuracy/F1 score and increases required training rounds.</a:t>
+            </a:r>
+          </a:p>
+          <a:p>
+            <a:r>
+              <a:rPr lang="en-US" sz="1200" dirty="0"/>
+              <a:t>Notable degradation observed in Urban Sound, highlighting vulnerability to background noise.</a:t>
+            </a:r>
+          </a:p>
+          <a:p>
+            <a:r>
+              <a:rPr lang="en-US" sz="1200" dirty="0"/>
+              <a:t>Increment in Signal-to-Noise Ratio (SNR) correlates with improvements in accuracy/F1 score and round-to-accuracy.</a:t>
+            </a:r>
+          </a:p>
+          <a:p>
+            <a:r>
+              <a:rPr lang="en-US" sz="1200" dirty="0"/>
+              <a:t>Noise cancellation is crucial before feeding audio data into FL algorithms.</a:t>
+            </a:r>
+          </a:p>
+          <a:p>
+            <a:r>
+              <a:rPr lang="en-US" sz="1200" dirty="0"/>
+              <a:t>Even with 30dB SNR, slight decrease in model performance observed, emphasizing the need for robust FL strategies.</a:t>
+            </a:r>
+          </a:p>
+        </p:txBody>
+      </p:sp>
+      <p:sp>
+        <p:nvSpPr>
+          <p:cNvPr id="7" name="Text Placeholder 6">
+            <a:extLst>
+              <a:ext uri="{FF2B5EF4-FFF2-40B4-BE49-F238E27FC236}">
+                <a16:creationId xmlns:a16="http://schemas.microsoft.com/office/drawing/2014/main" id="{D01DA83B-5FD4-583E-1BEF-67E9E077B75E}"/>
+              </a:ext>
+            </a:extLst>
+          </p:cNvPr>
+          <p:cNvSpPr>
+            <a:spLocks noGrp="1"/>
+          </p:cNvSpPr>
+          <p:nvPr>
+            <p:ph type="body" idx="12"/>
+          </p:nvPr>
+        </p:nvSpPr>
+        <p:spPr/>
+        <p:txBody>
+          <a:bodyPr>
+            <a:normAutofit fontScale="92500" lnSpcReduction="20000"/>
+          </a:bodyPr>
+          <a:lstStyle/>
+          <a:p>
+            <a:r>
+              <a:rPr lang="en-US" dirty="0"/>
+              <a:t>Benchmarks on Audio Data with Label Errors</a:t>
+            </a:r>
+          </a:p>
+        </p:txBody>
+      </p:sp>
+      <p:sp>
+        <p:nvSpPr>
+          <p:cNvPr id="8" name="Content Placeholder 7">
+            <a:extLst>
+              <a:ext uri="{FF2B5EF4-FFF2-40B4-BE49-F238E27FC236}">
+                <a16:creationId xmlns:a16="http://schemas.microsoft.com/office/drawing/2014/main" id="{4021C536-C238-BDB1-AD94-65321CAEDF88}"/>
+              </a:ext>
+            </a:extLst>
+          </p:cNvPr>
+          <p:cNvSpPr>
+            <a:spLocks noGrp="1"/>
+          </p:cNvSpPr>
+          <p:nvPr>
+            <p:ph sz="half" idx="13"/>
+          </p:nvPr>
+        </p:nvSpPr>
+        <p:spPr>
+          <a:xfrm>
+            <a:off x="8187017" y="2799145"/>
+            <a:ext cx="3395214" cy="2747640"/>
+          </a:xfrm>
+        </p:spPr>
+        <p:txBody>
+          <a:bodyPr>
+            <a:normAutofit fontScale="77500" lnSpcReduction="20000"/>
+          </a:bodyPr>
+          <a:lstStyle/>
+          <a:p>
+            <a:r>
+              <a:rPr lang="en-US" dirty="0"/>
+              <a:t>Model performance remains relatively high with error ratio below 0.3, but learning process takes longer compared to clean and noisy data.</a:t>
+            </a:r>
+          </a:p>
+          <a:p>
+            <a:r>
+              <a:rPr lang="en-US" dirty="0"/>
+              <a:t>Substantial performance drop observed when error ratio reaches 0.5.</a:t>
+            </a:r>
+          </a:p>
+          <a:p>
+            <a:r>
+              <a:rPr lang="en-US" dirty="0"/>
+              <a:t>Results suggest that above a specific threshold of correctly labeled data, the model can still be trained robustly but with slower convergence and a slight decrease in performance.</a:t>
+            </a:r>
+          </a:p>
+          <a:p>
+            <a:r>
+              <a:rPr lang="en-US" dirty="0"/>
+              <a:t>Different datasets exhibit varied performance drops at an error ratio of 0.5, indicating task characteristics influence susceptibility to label noises.</a:t>
+            </a:r>
+          </a:p>
+        </p:txBody>
+      </p:sp>
+      <p:sp>
+        <p:nvSpPr>
+          <p:cNvPr id="10" name="Slide Number Placeholder 9">
+            <a:extLst>
+              <a:ext uri="{FF2B5EF4-FFF2-40B4-BE49-F238E27FC236}">
+                <a16:creationId xmlns:a16="http://schemas.microsoft.com/office/drawing/2014/main" id="{5470218A-898F-180B-D5EF-867D4D6892BA}"/>
+              </a:ext>
+            </a:extLst>
+          </p:cNvPr>
+          <p:cNvSpPr>
+            <a:spLocks noGrp="1"/>
+          </p:cNvSpPr>
+          <p:nvPr>
+            <p:ph type="sldNum" sz="quarter" idx="16"/>
+          </p:nvPr>
+        </p:nvSpPr>
+        <p:spPr/>
+        <p:txBody>
+          <a:bodyPr/>
+          <a:lstStyle/>
+          <a:p>
+            <a:fld id="{294A09A9-5501-47C1-A89A-A340965A2BE2}" type="slidenum">
+              <a:rPr lang="en-US" smtClean="0"/>
+              <a:pPr/>
+              <a:t>10</a:t>
+            </a:fld>
+            <a:endParaRPr lang="en-US" dirty="0">
+              <a:latin typeface="+mn-lt"/>
+            </a:endParaRPr>
+          </a:p>
+        </p:txBody>
+      </p:sp>
+    </p:spTree>
+    <p:extLst>
+      <p:ext uri="{BB962C8B-B14F-4D97-AF65-F5344CB8AC3E}">
+        <p14:creationId xmlns:p14="http://schemas.microsoft.com/office/powerpoint/2010/main" val="3190345242"/>
+      </p:ext>
+    </p:extLst>
+  </p:cSld>
+  <p:clrMapOvr>
+    <a:masterClrMapping/>
+  </p:clrMapOvr>
+</p:sld>
+</file>
+
+<file path=ppt/slides/slide11.xml><?xml version="1.0" encoding="utf-8"?>
+<p:sld xmlns:a="http://schemas.openxmlformats.org/drawingml/2006/main" xmlns:r="http://schemas.openxmlformats.org/officeDocument/2006/relationships" xmlns:p="http://schemas.openxmlformats.org/presentationml/2006/main">
+  <p:cSld>
+    <p:spTree>
+      <p:nvGrpSpPr>
+        <p:cNvPr id="1" name=""/>
+        <p:cNvGrpSpPr/>
+        <p:nvPr/>
+      </p:nvGrpSpPr>
+      <p:grpSpPr>
+        <a:xfrm>
+          <a:off x="0" y="0"/>
+          <a:ext cx="0" cy="0"/>
+          <a:chOff x="0" y="0"/>
+          <a:chExt cx="0" cy="0"/>
+        </a:xfrm>
+      </p:grpSpPr>
+      <p:sp>
+        <p:nvSpPr>
+          <p:cNvPr id="2" name="Title 1">
+            <a:extLst>
+              <a:ext uri="{FF2B5EF4-FFF2-40B4-BE49-F238E27FC236}">
                 <a16:creationId xmlns:a16="http://schemas.microsoft.com/office/drawing/2014/main" id="{8C122DF8-59D4-D94D-8ED9-F2F319899DBF}"/>
               </a:ext>
             </a:extLst>
@@ -13132,7 +13484,7 @@
           <a:p>
             <a:r>
               <a:rPr lang="en-US" dirty="0"/>
-              <a:t>Experiments Overview</a:t>
+              <a:t>Conclusion</a:t>
             </a:r>
           </a:p>
         </p:txBody>
@@ -13166,7 +13518,7 @@
             <a:fld id="{294A09A9-5501-47C1-A89A-A340965A2BE2}" type="slidenum">
               <a:rPr lang="en-US" smtClean="0"/>
               <a:pPr/>
-              <a:t>10</a:t>
+              <a:t>11</a:t>
             </a:fld>
             <a:endParaRPr lang="en-US" dirty="0"/>
           </a:p>
@@ -13364,31 +13716,47 @@
           <a:p>
             <a:r>
               <a:rPr lang="en-US" dirty="0"/>
-              <a:t>Model architecture with two convolution layers, one GRU layer, average pooling, and two dense layers.</a:t>
-            </a:r>
-          </a:p>
-          <a:p>
+              <a:t>Introduction of </a:t>
+            </a:r>
+            <a:r>
+              <a:rPr lang="en-US" dirty="0" err="1"/>
+              <a:t>FedAudio</a:t>
+            </a:r>
             <a:r>
               <a:rPr lang="en-US" dirty="0"/>
-              <a:t>Hyperparameter settings detailed in Appendix A.</a:t>
+              <a:t> as a benchmark for audio tasks in federated learning.</a:t>
             </a:r>
           </a:p>
           <a:p>
             <a:r>
               <a:rPr lang="en-US" dirty="0"/>
-              <a:t>Experiments conducted through CPU/GPU simulation on a specific server.</a:t>
+              <a:t>Inclusion of four datasets with non-IID distribution, data noises, and label errors for real-world scenario emulation.</a:t>
             </a:r>
           </a:p>
           <a:p>
             <a:r>
               <a:rPr lang="en-US" dirty="0"/>
-              <a:t>Benchmark results reported for clean audio data, noisy audio data, and audio data with label errors.</a:t>
+              <a:t>Library features supporting FL algorithms and optimizers.</a:t>
             </a:r>
           </a:p>
           <a:p>
             <a:r>
               <a:rPr lang="en-US" dirty="0"/>
-              <a:t>Detailed discussion on the impact of client sample ratio, FL optimizers, and data heterogeneity.</a:t>
+              <a:t>Summary of experiments and benchmark results.</a:t>
+            </a:r>
+          </a:p>
+          <a:p>
+            <a:r>
+              <a:rPr lang="en-US" dirty="0"/>
+              <a:t>Hope for </a:t>
+            </a:r>
+            <a:r>
+              <a:rPr lang="en-US" dirty="0" err="1"/>
+              <a:t>FedAudio</a:t>
+            </a:r>
+            <a:r>
+              <a:rPr lang="en-US" dirty="0"/>
+              <a:t> to inspire new FL research in the acoustic and speech research community.</a:t>
             </a:r>
           </a:p>
         </p:txBody>
@@ -13396,360 +13764,7 @@
     </p:spTree>
     <p:extLst>
       <p:ext uri="{BB962C8B-B14F-4D97-AF65-F5344CB8AC3E}">
-        <p14:creationId xmlns:p14="http://schemas.microsoft.com/office/powerpoint/2010/main" val="3007184357"/>
-      </p:ext>
-    </p:extLst>
-  </p:cSld>
-  <p:clrMapOvr>
-    <a:masterClrMapping/>
-  </p:clrMapOvr>
-</p:sld>
-</file>
-
-<file path=ppt/slides/slide11.xml><?xml version="1.0" encoding="utf-8"?>
-<p:sld xmlns:a="http://schemas.openxmlformats.org/drawingml/2006/main" xmlns:r="http://schemas.openxmlformats.org/officeDocument/2006/relationships" xmlns:p="http://schemas.openxmlformats.org/presentationml/2006/main">
-  <p:cSld>
-    <p:spTree>
-      <p:nvGrpSpPr>
-        <p:cNvPr id="1" name=""/>
-        <p:cNvGrpSpPr/>
-        <p:nvPr/>
-      </p:nvGrpSpPr>
-      <p:grpSpPr>
-        <a:xfrm>
-          <a:off x="0" y="0"/>
-          <a:ext cx="0" cy="0"/>
-          <a:chOff x="0" y="0"/>
-          <a:chExt cx="0" cy="0"/>
-        </a:xfrm>
-      </p:grpSpPr>
-      <p:sp>
-        <p:nvSpPr>
-          <p:cNvPr id="2" name="Title 1">
-            <a:extLst>
-              <a:ext uri="{FF2B5EF4-FFF2-40B4-BE49-F238E27FC236}">
-                <a16:creationId xmlns:a16="http://schemas.microsoft.com/office/drawing/2014/main" id="{1680B63E-371D-37C5-EDBC-71DE501DF161}"/>
-              </a:ext>
-            </a:extLst>
-          </p:cNvPr>
-          <p:cNvSpPr>
-            <a:spLocks noGrp="1"/>
-          </p:cNvSpPr>
-          <p:nvPr>
-            <p:ph type="title"/>
-          </p:nvPr>
-        </p:nvSpPr>
-        <p:spPr/>
-        <p:txBody>
-          <a:bodyPr>
-            <a:normAutofit fontScale="90000"/>
-          </a:bodyPr>
-          <a:lstStyle/>
-          <a:p>
-            <a:r>
-              <a:rPr lang="en-US" dirty="0"/>
-              <a:t>Benchmark Results</a:t>
-            </a:r>
-          </a:p>
-        </p:txBody>
-      </p:sp>
-      <p:sp>
-        <p:nvSpPr>
-          <p:cNvPr id="3" name="Text Placeholder 2">
-            <a:extLst>
-              <a:ext uri="{FF2B5EF4-FFF2-40B4-BE49-F238E27FC236}">
-                <a16:creationId xmlns:a16="http://schemas.microsoft.com/office/drawing/2014/main" id="{02C38C95-80E3-2574-E888-32CC3A1FE235}"/>
-              </a:ext>
-            </a:extLst>
-          </p:cNvPr>
-          <p:cNvSpPr>
-            <a:spLocks noGrp="1"/>
-          </p:cNvSpPr>
-          <p:nvPr>
-            <p:ph type="body" idx="1"/>
-          </p:nvPr>
-        </p:nvSpPr>
-        <p:spPr/>
-        <p:txBody>
-          <a:bodyPr>
-            <a:normAutofit fontScale="92500" lnSpcReduction="20000"/>
-          </a:bodyPr>
-          <a:lstStyle/>
-          <a:p>
-            <a:r>
-              <a:rPr lang="en-US" dirty="0"/>
-              <a:t>Benchmarks on Clean Audio Data</a:t>
-            </a:r>
-          </a:p>
-        </p:txBody>
-      </p:sp>
-      <p:sp>
-        <p:nvSpPr>
-          <p:cNvPr id="4" name="Content Placeholder 3">
-            <a:extLst>
-              <a:ext uri="{FF2B5EF4-FFF2-40B4-BE49-F238E27FC236}">
-                <a16:creationId xmlns:a16="http://schemas.microsoft.com/office/drawing/2014/main" id="{A1E15EB9-4E5C-2201-09AA-2FAC007682E1}"/>
-              </a:ext>
-            </a:extLst>
-          </p:cNvPr>
-          <p:cNvSpPr>
-            <a:spLocks noGrp="1"/>
-          </p:cNvSpPr>
-          <p:nvPr>
-            <p:ph sz="half" idx="2"/>
-          </p:nvPr>
-        </p:nvSpPr>
-        <p:spPr>
-          <a:xfrm>
-            <a:off x="952500" y="2799145"/>
-            <a:ext cx="3395213" cy="2318629"/>
-          </a:xfrm>
-        </p:spPr>
-        <p:txBody>
-          <a:bodyPr>
-            <a:normAutofit fontScale="77500" lnSpcReduction="20000"/>
-          </a:bodyPr>
-          <a:lstStyle/>
-          <a:p>
-            <a:r>
-              <a:rPr lang="en-US" dirty="0"/>
-              <a:t>Gaps between centralized and FL settings range from 0.31% to 11.7% across all datasets.</a:t>
-            </a:r>
-          </a:p>
-          <a:p>
-            <a:r>
-              <a:rPr lang="en-US" dirty="0"/>
-              <a:t>IEMOCAP exhibits lower accuracy in speech emotion recognition compared to CREMA-D, possibly due to actor improvisation in IEMOCAP and scripted data in CREMA-D.</a:t>
-            </a:r>
-          </a:p>
-          <a:p>
-            <a:r>
-              <a:rPr lang="en-US" dirty="0"/>
-              <a:t>Increasing client sample ratio does not necessarily yield performance gains.</a:t>
-            </a:r>
-          </a:p>
-          <a:p>
-            <a:r>
-              <a:rPr lang="en-US" dirty="0"/>
-              <a:t>Both FL optimizers demonstrate competitive performance.</a:t>
-            </a:r>
-          </a:p>
-          <a:p>
-            <a:r>
-              <a:rPr lang="en-US" dirty="0"/>
-              <a:t>Higher data heterogeneity negatively impacts training performance.</a:t>
-            </a:r>
-          </a:p>
-        </p:txBody>
-      </p:sp>
-      <p:sp>
-        <p:nvSpPr>
-          <p:cNvPr id="5" name="Text Placeholder 4">
-            <a:extLst>
-              <a:ext uri="{FF2B5EF4-FFF2-40B4-BE49-F238E27FC236}">
-                <a16:creationId xmlns:a16="http://schemas.microsoft.com/office/drawing/2014/main" id="{170E1D29-5C84-457C-ABD9-F84D7AA328D7}"/>
-              </a:ext>
-            </a:extLst>
-          </p:cNvPr>
-          <p:cNvSpPr>
-            <a:spLocks noGrp="1"/>
-          </p:cNvSpPr>
-          <p:nvPr>
-            <p:ph type="body" idx="10"/>
-          </p:nvPr>
-        </p:nvSpPr>
-        <p:spPr/>
-        <p:txBody>
-          <a:bodyPr>
-            <a:normAutofit fontScale="92500" lnSpcReduction="20000"/>
-          </a:bodyPr>
-          <a:lstStyle/>
-          <a:p>
-            <a:r>
-              <a:rPr lang="en-US" dirty="0"/>
-              <a:t>Benchmarks on Noisy Audio Data</a:t>
-            </a:r>
-          </a:p>
-        </p:txBody>
-      </p:sp>
-      <p:sp>
-        <p:nvSpPr>
-          <p:cNvPr id="6" name="Content Placeholder 5">
-            <a:extLst>
-              <a:ext uri="{FF2B5EF4-FFF2-40B4-BE49-F238E27FC236}">
-                <a16:creationId xmlns:a16="http://schemas.microsoft.com/office/drawing/2014/main" id="{FCE2BC40-963D-B96A-5F2E-95ADB8B7A22F}"/>
-              </a:ext>
-            </a:extLst>
-          </p:cNvPr>
-          <p:cNvSpPr>
-            <a:spLocks noGrp="1"/>
-          </p:cNvSpPr>
-          <p:nvPr>
-            <p:ph sz="half" idx="11"/>
-          </p:nvPr>
-        </p:nvSpPr>
-        <p:spPr>
-          <a:xfrm>
-            <a:off x="4569371" y="2799145"/>
-            <a:ext cx="3395213" cy="3179792"/>
-          </a:xfrm>
-        </p:spPr>
-        <p:txBody>
-          <a:bodyPr>
-            <a:noAutofit/>
-          </a:bodyPr>
-          <a:lstStyle/>
-          <a:p>
-            <a:r>
-              <a:rPr lang="en-US" sz="1200" dirty="0"/>
-              <a:t>Additive white Gaussian noise (AWGN) degrades model accuracy/F1 score and increases required training rounds.</a:t>
-            </a:r>
-          </a:p>
-          <a:p>
-            <a:r>
-              <a:rPr lang="en-US" sz="1200" dirty="0"/>
-              <a:t>Notable degradation observed in Urban Sound, highlighting vulnerability to background noise.</a:t>
-            </a:r>
-          </a:p>
-          <a:p>
-            <a:r>
-              <a:rPr lang="en-US" sz="1200" dirty="0"/>
-              <a:t>Increment in Signal-to-Noise Ratio (SNR) correlates with improvements in accuracy/F1 score and round-to-accuracy.</a:t>
-            </a:r>
-          </a:p>
-          <a:p>
-            <a:r>
-              <a:rPr lang="en-US" sz="1200" dirty="0"/>
-              <a:t>Noise cancellation is crucial before feeding audio data into FL algorithms.</a:t>
-            </a:r>
-          </a:p>
-          <a:p>
-            <a:r>
-              <a:rPr lang="en-US" sz="1200" dirty="0"/>
-              <a:t>Even with 30dB SNR, slight decrease in model performance observed, emphasizing the need for robust FL strategies.</a:t>
-            </a:r>
-          </a:p>
-        </p:txBody>
-      </p:sp>
-      <p:sp>
-        <p:nvSpPr>
-          <p:cNvPr id="7" name="Text Placeholder 6">
-            <a:extLst>
-              <a:ext uri="{FF2B5EF4-FFF2-40B4-BE49-F238E27FC236}">
-                <a16:creationId xmlns:a16="http://schemas.microsoft.com/office/drawing/2014/main" id="{D01DA83B-5FD4-583E-1BEF-67E9E077B75E}"/>
-              </a:ext>
-            </a:extLst>
-          </p:cNvPr>
-          <p:cNvSpPr>
-            <a:spLocks noGrp="1"/>
-          </p:cNvSpPr>
-          <p:nvPr>
-            <p:ph type="body" idx="12"/>
-          </p:nvPr>
-        </p:nvSpPr>
-        <p:spPr/>
-        <p:txBody>
-          <a:bodyPr>
-            <a:normAutofit fontScale="92500" lnSpcReduction="20000"/>
-          </a:bodyPr>
-          <a:lstStyle/>
-          <a:p>
-            <a:r>
-              <a:rPr lang="en-US" dirty="0"/>
-              <a:t>Benchmarks on Audio Data with Label Errors</a:t>
-            </a:r>
-          </a:p>
-        </p:txBody>
-      </p:sp>
-      <p:sp>
-        <p:nvSpPr>
-          <p:cNvPr id="8" name="Content Placeholder 7">
-            <a:extLst>
-              <a:ext uri="{FF2B5EF4-FFF2-40B4-BE49-F238E27FC236}">
-                <a16:creationId xmlns:a16="http://schemas.microsoft.com/office/drawing/2014/main" id="{4021C536-C238-BDB1-AD94-65321CAEDF88}"/>
-              </a:ext>
-            </a:extLst>
-          </p:cNvPr>
-          <p:cNvSpPr>
-            <a:spLocks noGrp="1"/>
-          </p:cNvSpPr>
-          <p:nvPr>
-            <p:ph sz="half" idx="13"/>
-          </p:nvPr>
-        </p:nvSpPr>
-        <p:spPr>
-          <a:xfrm>
-            <a:off x="8187017" y="2799145"/>
-            <a:ext cx="3395214" cy="2747640"/>
-          </a:xfrm>
-        </p:spPr>
-        <p:txBody>
-          <a:bodyPr>
-            <a:normAutofit fontScale="77500" lnSpcReduction="20000"/>
-          </a:bodyPr>
-          <a:lstStyle/>
-          <a:p>
-            <a:r>
-              <a:rPr lang="en-US" dirty="0"/>
-              <a:t>Model performance remains relatively high with error ratio below 0.3, but learning process takes longer compared to clean and noisy data.</a:t>
-            </a:r>
-          </a:p>
-          <a:p>
-            <a:r>
-              <a:rPr lang="en-US" dirty="0"/>
-              <a:t>Substantial performance drop observed when error ratio reaches 0.5.</a:t>
-            </a:r>
-          </a:p>
-          <a:p>
-            <a:r>
-              <a:rPr lang="en-US" dirty="0"/>
-              <a:t>Results suggest that above a specific threshold of correctly labeled data, the model can still be trained robustly but with slower convergence and a slight decrease in performance.</a:t>
-            </a:r>
-          </a:p>
-          <a:p>
-            <a:r>
-              <a:rPr lang="en-US" dirty="0"/>
-              <a:t>Different datasets exhibit varied performance drops at an error ratio of 0.5, indicating task characteristics influence susceptibility to label noises.</a:t>
-            </a:r>
-          </a:p>
-        </p:txBody>
-      </p:sp>
-      <p:sp>
-        <p:nvSpPr>
-          <p:cNvPr id="10" name="Slide Number Placeholder 9">
-            <a:extLst>
-              <a:ext uri="{FF2B5EF4-FFF2-40B4-BE49-F238E27FC236}">
-                <a16:creationId xmlns:a16="http://schemas.microsoft.com/office/drawing/2014/main" id="{5470218A-898F-180B-D5EF-867D4D6892BA}"/>
-              </a:ext>
-            </a:extLst>
-          </p:cNvPr>
-          <p:cNvSpPr>
-            <a:spLocks noGrp="1"/>
-          </p:cNvSpPr>
-          <p:nvPr>
-            <p:ph type="sldNum" sz="quarter" idx="16"/>
-          </p:nvPr>
-        </p:nvSpPr>
-        <p:spPr/>
-        <p:txBody>
-          <a:bodyPr/>
-          <a:lstStyle/>
-          <a:p>
-            <a:fld id="{294A09A9-5501-47C1-A89A-A340965A2BE2}" type="slidenum">
-              <a:rPr lang="en-US" smtClean="0"/>
-              <a:pPr/>
-              <a:t>11</a:t>
-            </a:fld>
-            <a:endParaRPr lang="en-US" dirty="0">
-              <a:latin typeface="+mn-lt"/>
-            </a:endParaRPr>
-          </a:p>
-        </p:txBody>
-      </p:sp>
-    </p:spTree>
-    <p:extLst>
-      <p:ext uri="{BB962C8B-B14F-4D97-AF65-F5344CB8AC3E}">
-        <p14:creationId xmlns:p14="http://schemas.microsoft.com/office/powerpoint/2010/main" val="3190345242"/>
+        <p14:creationId xmlns:p14="http://schemas.microsoft.com/office/powerpoint/2010/main" val="3974487460"/>
       </p:ext>
     </p:extLst>
   </p:cSld>
@@ -13781,6 +13796,1415 @@
           <p:cNvPr id="2" name="Title 1">
             <a:extLst>
               <a:ext uri="{FF2B5EF4-FFF2-40B4-BE49-F238E27FC236}">
+                <a16:creationId xmlns:a16="http://schemas.microsoft.com/office/drawing/2014/main" id="{1680B63E-371D-37C5-EDBC-71DE501DF161}"/>
+              </a:ext>
+            </a:extLst>
+          </p:cNvPr>
+          <p:cNvSpPr>
+            <a:spLocks noGrp="1"/>
+          </p:cNvSpPr>
+          <p:nvPr>
+            <p:ph type="title"/>
+          </p:nvPr>
+        </p:nvSpPr>
+        <p:spPr/>
+        <p:txBody>
+          <a:bodyPr>
+            <a:normAutofit/>
+          </a:bodyPr>
+          <a:lstStyle/>
+          <a:p>
+            <a:r>
+              <a:rPr lang="en-US" dirty="0"/>
+              <a:t>Review</a:t>
+            </a:r>
+          </a:p>
+        </p:txBody>
+      </p:sp>
+      <p:sp>
+        <p:nvSpPr>
+          <p:cNvPr id="3" name="Text Placeholder 2">
+            <a:extLst>
+              <a:ext uri="{FF2B5EF4-FFF2-40B4-BE49-F238E27FC236}">
+                <a16:creationId xmlns:a16="http://schemas.microsoft.com/office/drawing/2014/main" id="{02C38C95-80E3-2574-E888-32CC3A1FE235}"/>
+              </a:ext>
+            </a:extLst>
+          </p:cNvPr>
+          <p:cNvSpPr>
+            <a:spLocks noGrp="1"/>
+          </p:cNvSpPr>
+          <p:nvPr>
+            <p:ph type="body" idx="1"/>
+          </p:nvPr>
+        </p:nvSpPr>
+        <p:spPr/>
+        <p:txBody>
+          <a:bodyPr>
+            <a:normAutofit/>
+          </a:bodyPr>
+          <a:lstStyle/>
+          <a:p>
+            <a:r>
+              <a:rPr lang="en-US" dirty="0"/>
+              <a:t>Limitations</a:t>
+            </a:r>
+          </a:p>
+        </p:txBody>
+      </p:sp>
+      <p:sp>
+        <p:nvSpPr>
+          <p:cNvPr id="4" name="Content Placeholder 3">
+            <a:extLst>
+              <a:ext uri="{FF2B5EF4-FFF2-40B4-BE49-F238E27FC236}">
+                <a16:creationId xmlns:a16="http://schemas.microsoft.com/office/drawing/2014/main" id="{A1E15EB9-4E5C-2201-09AA-2FAC007682E1}"/>
+              </a:ext>
+            </a:extLst>
+          </p:cNvPr>
+          <p:cNvSpPr>
+            <a:spLocks noGrp="1"/>
+          </p:cNvSpPr>
+          <p:nvPr>
+            <p:ph sz="half" idx="2"/>
+          </p:nvPr>
+        </p:nvSpPr>
+        <p:spPr>
+          <a:xfrm>
+            <a:off x="952500" y="2799145"/>
+            <a:ext cx="3395213" cy="2318629"/>
+          </a:xfrm>
+        </p:spPr>
+        <p:txBody>
+          <a:bodyPr>
+            <a:normAutofit/>
+          </a:bodyPr>
+          <a:lstStyle/>
+          <a:p>
+            <a:r>
+              <a:rPr lang="en-US" dirty="0"/>
+              <a:t>Task-Specific Challenges.</a:t>
+            </a:r>
+          </a:p>
+          <a:p>
+            <a:r>
+              <a:rPr lang="en-US" dirty="0"/>
+              <a:t>Dataset Representativeness.</a:t>
+            </a:r>
+          </a:p>
+          <a:p>
+            <a:r>
+              <a:rPr lang="en-US" dirty="0"/>
+              <a:t>Sensitivity to FL Parameters.</a:t>
+            </a:r>
+          </a:p>
+        </p:txBody>
+      </p:sp>
+      <p:sp>
+        <p:nvSpPr>
+          <p:cNvPr id="5" name="Text Placeholder 4">
+            <a:extLst>
+              <a:ext uri="{FF2B5EF4-FFF2-40B4-BE49-F238E27FC236}">
+                <a16:creationId xmlns:a16="http://schemas.microsoft.com/office/drawing/2014/main" id="{170E1D29-5C84-457C-ABD9-F84D7AA328D7}"/>
+              </a:ext>
+            </a:extLst>
+          </p:cNvPr>
+          <p:cNvSpPr>
+            <a:spLocks noGrp="1"/>
+          </p:cNvSpPr>
+          <p:nvPr>
+            <p:ph type="body" idx="10"/>
+          </p:nvPr>
+        </p:nvSpPr>
+        <p:spPr/>
+        <p:txBody>
+          <a:bodyPr>
+            <a:normAutofit/>
+          </a:bodyPr>
+          <a:lstStyle/>
+          <a:p>
+            <a:r>
+              <a:rPr lang="en-US" dirty="0"/>
+              <a:t>Contributions</a:t>
+            </a:r>
+          </a:p>
+        </p:txBody>
+      </p:sp>
+      <p:sp>
+        <p:nvSpPr>
+          <p:cNvPr id="6" name="Content Placeholder 5">
+            <a:extLst>
+              <a:ext uri="{FF2B5EF4-FFF2-40B4-BE49-F238E27FC236}">
+                <a16:creationId xmlns:a16="http://schemas.microsoft.com/office/drawing/2014/main" id="{FCE2BC40-963D-B96A-5F2E-95ADB8B7A22F}"/>
+              </a:ext>
+            </a:extLst>
+          </p:cNvPr>
+          <p:cNvSpPr>
+            <a:spLocks noGrp="1"/>
+          </p:cNvSpPr>
+          <p:nvPr>
+            <p:ph sz="half" idx="11"/>
+          </p:nvPr>
+        </p:nvSpPr>
+        <p:spPr>
+          <a:xfrm>
+            <a:off x="4569371" y="2799144"/>
+            <a:ext cx="3395213" cy="2318629"/>
+          </a:xfrm>
+        </p:spPr>
+        <p:txBody>
+          <a:bodyPr>
+            <a:noAutofit/>
+          </a:bodyPr>
+          <a:lstStyle/>
+          <a:p>
+            <a:r>
+              <a:rPr lang="en-US" dirty="0"/>
+              <a:t>Real-World Emulation.</a:t>
+            </a:r>
+          </a:p>
+          <a:p>
+            <a:r>
+              <a:rPr lang="en-US" dirty="0"/>
+              <a:t>Unique Dataset Characteristics.</a:t>
+            </a:r>
+          </a:p>
+          <a:p>
+            <a:r>
+              <a:rPr lang="en-US" dirty="0"/>
+              <a:t>Open-Source Library.</a:t>
+            </a:r>
+          </a:p>
+        </p:txBody>
+      </p:sp>
+      <p:sp>
+        <p:nvSpPr>
+          <p:cNvPr id="7" name="Text Placeholder 6">
+            <a:extLst>
+              <a:ext uri="{FF2B5EF4-FFF2-40B4-BE49-F238E27FC236}">
+                <a16:creationId xmlns:a16="http://schemas.microsoft.com/office/drawing/2014/main" id="{D01DA83B-5FD4-583E-1BEF-67E9E077B75E}"/>
+              </a:ext>
+            </a:extLst>
+          </p:cNvPr>
+          <p:cNvSpPr>
+            <a:spLocks noGrp="1"/>
+          </p:cNvSpPr>
+          <p:nvPr>
+            <p:ph type="body" idx="12"/>
+          </p:nvPr>
+        </p:nvSpPr>
+        <p:spPr/>
+        <p:txBody>
+          <a:bodyPr>
+            <a:normAutofit/>
+          </a:bodyPr>
+          <a:lstStyle/>
+          <a:p>
+            <a:r>
+              <a:rPr lang="en-US" dirty="0"/>
+              <a:t>Synthesis</a:t>
+            </a:r>
+          </a:p>
+        </p:txBody>
+      </p:sp>
+      <p:sp>
+        <p:nvSpPr>
+          <p:cNvPr id="8" name="Content Placeholder 7">
+            <a:extLst>
+              <a:ext uri="{FF2B5EF4-FFF2-40B4-BE49-F238E27FC236}">
+                <a16:creationId xmlns:a16="http://schemas.microsoft.com/office/drawing/2014/main" id="{4021C536-C238-BDB1-AD94-65321CAEDF88}"/>
+              </a:ext>
+            </a:extLst>
+          </p:cNvPr>
+          <p:cNvSpPr>
+            <a:spLocks noGrp="1"/>
+          </p:cNvSpPr>
+          <p:nvPr>
+            <p:ph sz="half" idx="13"/>
+          </p:nvPr>
+        </p:nvSpPr>
+        <p:spPr>
+          <a:xfrm>
+            <a:off x="8187017" y="2799145"/>
+            <a:ext cx="3395214" cy="2318628"/>
+          </a:xfrm>
+        </p:spPr>
+        <p:txBody>
+          <a:bodyPr>
+            <a:normAutofit/>
+          </a:bodyPr>
+          <a:lstStyle/>
+          <a:p>
+            <a:r>
+              <a:rPr lang="en-US" dirty="0"/>
+              <a:t>Bridging Privacy and Acoustic Research.</a:t>
+            </a:r>
+          </a:p>
+          <a:p>
+            <a:r>
+              <a:rPr lang="en-US" dirty="0"/>
+              <a:t>Inspiring Further FL Research.</a:t>
+            </a:r>
+          </a:p>
+          <a:p>
+            <a:r>
+              <a:rPr lang="en-US" dirty="0"/>
+              <a:t>Potential Applications.</a:t>
+            </a:r>
+          </a:p>
+        </p:txBody>
+      </p:sp>
+      <p:sp>
+        <p:nvSpPr>
+          <p:cNvPr id="10" name="Slide Number Placeholder 9">
+            <a:extLst>
+              <a:ext uri="{FF2B5EF4-FFF2-40B4-BE49-F238E27FC236}">
+                <a16:creationId xmlns:a16="http://schemas.microsoft.com/office/drawing/2014/main" id="{5470218A-898F-180B-D5EF-867D4D6892BA}"/>
+              </a:ext>
+            </a:extLst>
+          </p:cNvPr>
+          <p:cNvSpPr>
+            <a:spLocks noGrp="1"/>
+          </p:cNvSpPr>
+          <p:nvPr>
+            <p:ph type="sldNum" sz="quarter" idx="16"/>
+          </p:nvPr>
+        </p:nvSpPr>
+        <p:spPr/>
+        <p:txBody>
+          <a:bodyPr/>
+          <a:lstStyle/>
+          <a:p>
+            <a:fld id="{294A09A9-5501-47C1-A89A-A340965A2BE2}" type="slidenum">
+              <a:rPr lang="en-US" smtClean="0"/>
+              <a:pPr/>
+              <a:t>12</a:t>
+            </a:fld>
+            <a:endParaRPr lang="en-US" dirty="0">
+              <a:latin typeface="+mn-lt"/>
+            </a:endParaRPr>
+          </a:p>
+        </p:txBody>
+      </p:sp>
+    </p:spTree>
+    <p:extLst>
+      <p:ext uri="{BB962C8B-B14F-4D97-AF65-F5344CB8AC3E}">
+        <p14:creationId xmlns:p14="http://schemas.microsoft.com/office/powerpoint/2010/main" val="3360222047"/>
+      </p:ext>
+    </p:extLst>
+  </p:cSld>
+  <p:clrMapOvr>
+    <a:masterClrMapping/>
+  </p:clrMapOvr>
+</p:sld>
+</file>
+
+<file path=ppt/slides/slide13.xml><?xml version="1.0" encoding="utf-8"?>
+<p:sld xmlns:a="http://schemas.openxmlformats.org/drawingml/2006/main" xmlns:r="http://schemas.openxmlformats.org/officeDocument/2006/relationships" xmlns:p="http://schemas.openxmlformats.org/presentationml/2006/main">
+  <p:cSld>
+    <p:spTree>
+      <p:nvGrpSpPr>
+        <p:cNvPr id="1" name=""/>
+        <p:cNvGrpSpPr/>
+        <p:nvPr/>
+      </p:nvGrpSpPr>
+      <p:grpSpPr>
+        <a:xfrm>
+          <a:off x="0" y="0"/>
+          <a:ext cx="0" cy="0"/>
+          <a:chOff x="0" y="0"/>
+          <a:chExt cx="0" cy="0"/>
+        </a:xfrm>
+      </p:grpSpPr>
+      <p:sp>
+        <p:nvSpPr>
+          <p:cNvPr id="2" name="Title 1">
+            <a:extLst>
+              <a:ext uri="{FF2B5EF4-FFF2-40B4-BE49-F238E27FC236}">
+                <a16:creationId xmlns:a16="http://schemas.microsoft.com/office/drawing/2014/main" id="{51DF3D98-3C30-4CFC-8643-C81E829C8C25}"/>
+              </a:ext>
+            </a:extLst>
+          </p:cNvPr>
+          <p:cNvSpPr>
+            <a:spLocks noGrp="1"/>
+          </p:cNvSpPr>
+          <p:nvPr>
+            <p:ph type="title"/>
+          </p:nvPr>
+        </p:nvSpPr>
+        <p:spPr/>
+        <p:txBody>
+          <a:bodyPr/>
+          <a:lstStyle/>
+          <a:p>
+            <a:r>
+              <a:rPr lang="en-US" dirty="0"/>
+              <a:t>Thank you</a:t>
+            </a:r>
+          </a:p>
+        </p:txBody>
+      </p:sp>
+      <p:pic>
+        <p:nvPicPr>
+          <p:cNvPr id="13" name="Picture Placeholder 12">
+            <a:extLst>
+              <a:ext uri="{FF2B5EF4-FFF2-40B4-BE49-F238E27FC236}">
+                <a16:creationId xmlns:a16="http://schemas.microsoft.com/office/drawing/2014/main" id="{EC944911-7CDD-41CC-A7F0-5B0CF85D545C}"/>
+              </a:ext>
+              <a:ext uri="{C183D7F6-B498-43B3-948B-1728B52AA6E4}">
+                <adec:decorative xmlns:adec="http://schemas.microsoft.com/office/drawing/2017/decorative" val="0"/>
+              </a:ext>
+            </a:extLst>
+          </p:cNvPr>
+          <p:cNvPicPr>
+            <a:picLocks noGrp="1" noChangeAspect="1"/>
+          </p:cNvPicPr>
+          <p:nvPr>
+            <p:ph type="pic" sz="quarter" idx="13"/>
+          </p:nvPr>
+        </p:nvPicPr>
+        <p:blipFill>
+          <a:blip r:embed="rId3">
+            <a:extLst>
+              <a:ext uri="{28A0092B-C50C-407E-A947-70E740481C1C}">
+                <a14:useLocalDpi xmlns:a14="http://schemas.microsoft.com/office/drawing/2010/main" val="0"/>
+              </a:ext>
+              <a:ext uri="{837473B0-CC2E-450A-ABE3-18F120FF3D39}">
+                <a1611:picAttrSrcUrl xmlns:a1611="http://schemas.microsoft.com/office/drawing/2016/11/main" r:id="rId4"/>
+              </a:ext>
+            </a:extLst>
+          </a:blip>
+          <a:srcRect/>
+          <a:stretch/>
+        </p:blipFill>
+        <p:spPr/>
+      </p:pic>
+    </p:spTree>
+    <p:extLst>
+      <p:ext uri="{BB962C8B-B14F-4D97-AF65-F5344CB8AC3E}">
+        <p14:creationId xmlns:p14="http://schemas.microsoft.com/office/powerpoint/2010/main" val="2336677316"/>
+      </p:ext>
+    </p:extLst>
+  </p:cSld>
+  <p:clrMapOvr>
+    <a:masterClrMapping/>
+  </p:clrMapOvr>
+</p:sld>
+</file>
+
+<file path=ppt/slides/slide2.xml><?xml version="1.0" encoding="utf-8"?>
+<p:sld xmlns:a="http://schemas.openxmlformats.org/drawingml/2006/main" xmlns:r="http://schemas.openxmlformats.org/officeDocument/2006/relationships" xmlns:p="http://schemas.openxmlformats.org/presentationml/2006/main">
+  <p:cSld>
+    <p:spTree>
+      <p:nvGrpSpPr>
+        <p:cNvPr id="1" name=""/>
+        <p:cNvGrpSpPr/>
+        <p:nvPr/>
+      </p:nvGrpSpPr>
+      <p:grpSpPr>
+        <a:xfrm>
+          <a:off x="0" y="0"/>
+          <a:ext cx="0" cy="0"/>
+          <a:chOff x="0" y="0"/>
+          <a:chExt cx="0" cy="0"/>
+        </a:xfrm>
+      </p:grpSpPr>
+      <p:sp>
+        <p:nvSpPr>
+          <p:cNvPr id="2" name="Title 1">
+            <a:extLst>
+              <a:ext uri="{FF2B5EF4-FFF2-40B4-BE49-F238E27FC236}">
+                <a16:creationId xmlns:a16="http://schemas.microsoft.com/office/drawing/2014/main" id="{8C122DF8-59D4-D94D-8ED9-F2F319899DBF}"/>
+              </a:ext>
+            </a:extLst>
+          </p:cNvPr>
+          <p:cNvSpPr>
+            <a:spLocks noGrp="1"/>
+          </p:cNvSpPr>
+          <p:nvPr>
+            <p:ph type="title"/>
+          </p:nvPr>
+        </p:nvSpPr>
+        <p:spPr/>
+        <p:txBody>
+          <a:bodyPr/>
+          <a:lstStyle/>
+          <a:p>
+            <a:r>
+              <a:rPr lang="en-US" dirty="0"/>
+              <a:t>Introduction</a:t>
+            </a:r>
+          </a:p>
+        </p:txBody>
+      </p:sp>
+      <p:sp>
+        <p:nvSpPr>
+          <p:cNvPr id="5" name="Slide Number Placeholder 4">
+            <a:extLst>
+              <a:ext uri="{FF2B5EF4-FFF2-40B4-BE49-F238E27FC236}">
+                <a16:creationId xmlns:a16="http://schemas.microsoft.com/office/drawing/2014/main" id="{AB744071-0CE2-7746-9315-22EC28A0F462}"/>
+              </a:ext>
+            </a:extLst>
+          </p:cNvPr>
+          <p:cNvSpPr>
+            <a:spLocks noGrp="1"/>
+          </p:cNvSpPr>
+          <p:nvPr>
+            <p:ph type="sldNum" sz="quarter" idx="23"/>
+          </p:nvPr>
+        </p:nvSpPr>
+        <p:spPr>
+          <a:xfrm>
+            <a:off x="971550" y="6332220"/>
+            <a:ext cx="523240" cy="247651"/>
+          </a:xfrm>
+        </p:spPr>
+        <p:txBody>
+          <a:bodyPr/>
+          <a:lstStyle/>
+          <a:p>
+            <a:fld id="{294A09A9-5501-47C1-A89A-A340965A2BE2}" type="slidenum">
+              <a:rPr lang="en-US" smtClean="0"/>
+              <a:pPr/>
+              <a:t>2</a:t>
+            </a:fld>
+            <a:endParaRPr lang="en-US" dirty="0"/>
+          </a:p>
+        </p:txBody>
+      </p:sp>
+      <p:sp>
+        <p:nvSpPr>
+          <p:cNvPr id="26" name="Content Placeholder 4">
+            <a:extLst>
+              <a:ext uri="{FF2B5EF4-FFF2-40B4-BE49-F238E27FC236}">
+                <a16:creationId xmlns:a16="http://schemas.microsoft.com/office/drawing/2014/main" id="{64E8F6B0-1B5B-57F7-0463-A7ACA7B11EE9}"/>
+              </a:ext>
+            </a:extLst>
+          </p:cNvPr>
+          <p:cNvSpPr txBox="1">
+            <a:spLocks/>
+          </p:cNvSpPr>
+          <p:nvPr/>
+        </p:nvSpPr>
+        <p:spPr>
+          <a:xfrm>
+            <a:off x="843253" y="2286113"/>
+            <a:ext cx="10690264" cy="3622981"/>
+          </a:xfrm>
+          <a:prstGeom prst="rect">
+            <a:avLst/>
+          </a:prstGeom>
+        </p:spPr>
+        <p:txBody>
+          <a:bodyPr/>
+          <a:lstStyle>
+            <a:lvl1pPr marL="228600" indent="-228600" algn="l" defTabSz="914400" rtl="0" eaLnBrk="1" latinLnBrk="0" hangingPunct="1">
+              <a:lnSpc>
+                <a:spcPct val="90000"/>
+              </a:lnSpc>
+              <a:spcBef>
+                <a:spcPts val="1000"/>
+              </a:spcBef>
+              <a:buFont typeface="Arial" panose="020B0604020202020204" pitchFamily="34" charset="0"/>
+              <a:buChar char="•"/>
+              <a:defRPr sz="2800" b="0" i="0" kern="1200">
+                <a:solidFill>
+                  <a:schemeClr val="bg1"/>
+                </a:solidFill>
+                <a:latin typeface="+mn-lt"/>
+                <a:ea typeface="+mn-ea"/>
+                <a:cs typeface="+mn-cs"/>
+              </a:defRPr>
+            </a:lvl1pPr>
+            <a:lvl2pPr marL="685800" indent="-228600" algn="l" defTabSz="914400" rtl="0" eaLnBrk="1" latinLnBrk="0" hangingPunct="1">
+              <a:lnSpc>
+                <a:spcPct val="90000"/>
+              </a:lnSpc>
+              <a:spcBef>
+                <a:spcPts val="500"/>
+              </a:spcBef>
+              <a:buFont typeface="Arial" panose="020B0604020202020204" pitchFamily="34" charset="0"/>
+              <a:buChar char="•"/>
+              <a:defRPr sz="2400" b="0" i="0" kern="1200">
+                <a:solidFill>
+                  <a:schemeClr val="bg1"/>
+                </a:solidFill>
+                <a:latin typeface="+mn-lt"/>
+                <a:ea typeface="+mn-ea"/>
+                <a:cs typeface="+mn-cs"/>
+              </a:defRPr>
+            </a:lvl2pPr>
+            <a:lvl3pPr marL="1143000" indent="-228600" algn="l" defTabSz="914400" rtl="0" eaLnBrk="1" latinLnBrk="0" hangingPunct="1">
+              <a:lnSpc>
+                <a:spcPct val="90000"/>
+              </a:lnSpc>
+              <a:spcBef>
+                <a:spcPts val="500"/>
+              </a:spcBef>
+              <a:buFont typeface="Arial" panose="020B0604020202020204" pitchFamily="34" charset="0"/>
+              <a:buChar char="•"/>
+              <a:defRPr sz="2000" b="0" i="0" kern="1200">
+                <a:solidFill>
+                  <a:schemeClr val="bg1"/>
+                </a:solidFill>
+                <a:latin typeface="+mn-lt"/>
+                <a:ea typeface="+mn-ea"/>
+                <a:cs typeface="+mn-cs"/>
+              </a:defRPr>
+            </a:lvl3pPr>
+            <a:lvl4pPr marL="1600200" indent="-228600" algn="l" defTabSz="914400" rtl="0" eaLnBrk="1" latinLnBrk="0" hangingPunct="1">
+              <a:lnSpc>
+                <a:spcPct val="90000"/>
+              </a:lnSpc>
+              <a:spcBef>
+                <a:spcPts val="500"/>
+              </a:spcBef>
+              <a:buFont typeface="Arial" panose="020B0604020202020204" pitchFamily="34" charset="0"/>
+              <a:buChar char="•"/>
+              <a:defRPr sz="1800" b="0" i="0" kern="1200">
+                <a:solidFill>
+                  <a:schemeClr val="bg1"/>
+                </a:solidFill>
+                <a:latin typeface="+mn-lt"/>
+                <a:ea typeface="+mn-ea"/>
+                <a:cs typeface="+mn-cs"/>
+              </a:defRPr>
+            </a:lvl4pPr>
+            <a:lvl5pPr marL="2057400" indent="-228600" algn="l" defTabSz="914400" rtl="0" eaLnBrk="1" latinLnBrk="0" hangingPunct="1">
+              <a:lnSpc>
+                <a:spcPct val="90000"/>
+              </a:lnSpc>
+              <a:spcBef>
+                <a:spcPts val="500"/>
+              </a:spcBef>
+              <a:buFont typeface="Arial" panose="020B0604020202020204" pitchFamily="34" charset="0"/>
+              <a:buChar char="•"/>
+              <a:defRPr sz="1800" b="0" i="0" kern="1200">
+                <a:solidFill>
+                  <a:schemeClr val="bg1"/>
+                </a:solidFill>
+                <a:latin typeface="+mn-lt"/>
+                <a:ea typeface="+mn-ea"/>
+                <a:cs typeface="+mn-cs"/>
+              </a:defRPr>
+            </a:lvl5pPr>
+            <a:lvl6pPr marL="2514600" indent="-228600" algn="l" defTabSz="914400" rtl="0" eaLnBrk="1" latinLnBrk="0" hangingPunct="1">
+              <a:lnSpc>
+                <a:spcPct val="90000"/>
+              </a:lnSpc>
+              <a:spcBef>
+                <a:spcPts val="500"/>
+              </a:spcBef>
+              <a:buFont typeface="Arial" panose="020B0604020202020204" pitchFamily="34" charset="0"/>
+              <a:buChar char="•"/>
+              <a:defRPr sz="1800" kern="1200">
+                <a:solidFill>
+                  <a:schemeClr val="tx1"/>
+                </a:solidFill>
+                <a:latin typeface="+mn-lt"/>
+                <a:ea typeface="+mn-ea"/>
+                <a:cs typeface="+mn-cs"/>
+              </a:defRPr>
+            </a:lvl6pPr>
+            <a:lvl7pPr marL="2971800" indent="-228600" algn="l" defTabSz="914400" rtl="0" eaLnBrk="1" latinLnBrk="0" hangingPunct="1">
+              <a:lnSpc>
+                <a:spcPct val="90000"/>
+              </a:lnSpc>
+              <a:spcBef>
+                <a:spcPts val="500"/>
+              </a:spcBef>
+              <a:buFont typeface="Arial" panose="020B0604020202020204" pitchFamily="34" charset="0"/>
+              <a:buChar char="•"/>
+              <a:defRPr sz="1800" kern="1200">
+                <a:solidFill>
+                  <a:schemeClr val="tx1"/>
+                </a:solidFill>
+                <a:latin typeface="+mn-lt"/>
+                <a:ea typeface="+mn-ea"/>
+                <a:cs typeface="+mn-cs"/>
+              </a:defRPr>
+            </a:lvl7pPr>
+            <a:lvl8pPr marL="3429000" indent="-228600" algn="l" defTabSz="914400" rtl="0" eaLnBrk="1" latinLnBrk="0" hangingPunct="1">
+              <a:lnSpc>
+                <a:spcPct val="90000"/>
+              </a:lnSpc>
+              <a:spcBef>
+                <a:spcPts val="500"/>
+              </a:spcBef>
+              <a:buFont typeface="Arial" panose="020B0604020202020204" pitchFamily="34" charset="0"/>
+              <a:buChar char="•"/>
+              <a:defRPr sz="1800" kern="1200">
+                <a:solidFill>
+                  <a:schemeClr val="tx1"/>
+                </a:solidFill>
+                <a:latin typeface="+mn-lt"/>
+                <a:ea typeface="+mn-ea"/>
+                <a:cs typeface="+mn-cs"/>
+              </a:defRPr>
+            </a:lvl8pPr>
+            <a:lvl9pPr marL="3886200" indent="-228600" algn="l" defTabSz="914400" rtl="0" eaLnBrk="1" latinLnBrk="0" hangingPunct="1">
+              <a:lnSpc>
+                <a:spcPct val="90000"/>
+              </a:lnSpc>
+              <a:spcBef>
+                <a:spcPts val="500"/>
+              </a:spcBef>
+              <a:buFont typeface="Arial" panose="020B0604020202020204" pitchFamily="34" charset="0"/>
+              <a:buChar char="•"/>
+              <a:defRPr sz="1800" kern="1200">
+                <a:solidFill>
+                  <a:schemeClr val="tx1"/>
+                </a:solidFill>
+                <a:latin typeface="+mn-lt"/>
+                <a:ea typeface="+mn-ea"/>
+                <a:cs typeface="+mn-cs"/>
+              </a:defRPr>
+            </a:lvl9pPr>
+          </a:lstStyle>
+          <a:p>
+            <a:r>
+              <a:rPr lang="en-US" dirty="0"/>
+              <a:t>Data privacy challenges in handling personal audio data.</a:t>
+            </a:r>
+          </a:p>
+          <a:p>
+            <a:r>
+              <a:rPr lang="en-US" dirty="0"/>
+              <a:t>Emergence of federated learning as a privacy-preserving solution.</a:t>
+            </a:r>
+          </a:p>
+          <a:p>
+            <a:r>
+              <a:rPr lang="en-US" dirty="0"/>
+              <a:t>Overview of existing FL benchmarks and their coverage.</a:t>
+            </a:r>
+          </a:p>
+          <a:p>
+            <a:r>
+              <a:rPr lang="en-US" dirty="0"/>
+              <a:t>The motivation behind </a:t>
+            </a:r>
+            <a:r>
+              <a:rPr lang="en-US" dirty="0" err="1"/>
+              <a:t>FedAudio</a:t>
+            </a:r>
+            <a:r>
+              <a:rPr lang="en-US" dirty="0"/>
+              <a:t> to address the gap in audio-related tasks.</a:t>
+            </a:r>
+          </a:p>
+          <a:p>
+            <a:r>
+              <a:rPr lang="en-US" dirty="0"/>
+              <a:t>Brief comparison of </a:t>
+            </a:r>
+            <a:r>
+              <a:rPr lang="en-US" dirty="0" err="1"/>
+              <a:t>FedAudio</a:t>
+            </a:r>
+            <a:r>
+              <a:rPr lang="en-US" dirty="0"/>
+              <a:t> with other FL benchmarks.</a:t>
+            </a:r>
+          </a:p>
+        </p:txBody>
+      </p:sp>
+    </p:spTree>
+    <p:extLst>
+      <p:ext uri="{BB962C8B-B14F-4D97-AF65-F5344CB8AC3E}">
+        <p14:creationId xmlns:p14="http://schemas.microsoft.com/office/powerpoint/2010/main" val="1788111566"/>
+      </p:ext>
+    </p:extLst>
+  </p:cSld>
+  <p:clrMapOvr>
+    <a:masterClrMapping/>
+  </p:clrMapOvr>
+</p:sld>
+</file>
+
+<file path=ppt/slides/slide3.xml><?xml version="1.0" encoding="utf-8"?>
+<p:sld xmlns:a="http://schemas.openxmlformats.org/drawingml/2006/main" xmlns:r="http://schemas.openxmlformats.org/officeDocument/2006/relationships" xmlns:p="http://schemas.openxmlformats.org/presentationml/2006/main">
+  <p:cSld>
+    <p:spTree>
+      <p:nvGrpSpPr>
+        <p:cNvPr id="1" name=""/>
+        <p:cNvGrpSpPr/>
+        <p:nvPr/>
+      </p:nvGrpSpPr>
+      <p:grpSpPr>
+        <a:xfrm>
+          <a:off x="0" y="0"/>
+          <a:ext cx="0" cy="0"/>
+          <a:chOff x="0" y="0"/>
+          <a:chExt cx="0" cy="0"/>
+        </a:xfrm>
+      </p:grpSpPr>
+      <p:sp>
+        <p:nvSpPr>
+          <p:cNvPr id="2" name="Title 1">
+            <a:extLst>
+              <a:ext uri="{FF2B5EF4-FFF2-40B4-BE49-F238E27FC236}">
+                <a16:creationId xmlns:a16="http://schemas.microsoft.com/office/drawing/2014/main" id="{8C122DF8-59D4-D94D-8ED9-F2F319899DBF}"/>
+              </a:ext>
+            </a:extLst>
+          </p:cNvPr>
+          <p:cNvSpPr>
+            <a:spLocks noGrp="1"/>
+          </p:cNvSpPr>
+          <p:nvPr>
+            <p:ph type="title"/>
+          </p:nvPr>
+        </p:nvSpPr>
+        <p:spPr/>
+        <p:txBody>
+          <a:bodyPr/>
+          <a:lstStyle/>
+          <a:p>
+            <a:r>
+              <a:rPr lang="en-US" dirty="0" err="1"/>
+              <a:t>FedAudio</a:t>
+            </a:r>
+            <a:r>
+              <a:rPr lang="en-US" dirty="0"/>
+              <a:t> Design</a:t>
+            </a:r>
+          </a:p>
+        </p:txBody>
+      </p:sp>
+      <p:sp>
+        <p:nvSpPr>
+          <p:cNvPr id="5" name="Slide Number Placeholder 4">
+            <a:extLst>
+              <a:ext uri="{FF2B5EF4-FFF2-40B4-BE49-F238E27FC236}">
+                <a16:creationId xmlns:a16="http://schemas.microsoft.com/office/drawing/2014/main" id="{AB744071-0CE2-7746-9315-22EC28A0F462}"/>
+              </a:ext>
+            </a:extLst>
+          </p:cNvPr>
+          <p:cNvSpPr>
+            <a:spLocks noGrp="1"/>
+          </p:cNvSpPr>
+          <p:nvPr>
+            <p:ph type="sldNum" sz="quarter" idx="23"/>
+          </p:nvPr>
+        </p:nvSpPr>
+        <p:spPr>
+          <a:xfrm>
+            <a:off x="971550" y="6332220"/>
+            <a:ext cx="523240" cy="247651"/>
+          </a:xfrm>
+        </p:spPr>
+        <p:txBody>
+          <a:bodyPr/>
+          <a:lstStyle/>
+          <a:p>
+            <a:fld id="{294A09A9-5501-47C1-A89A-A340965A2BE2}" type="slidenum">
+              <a:rPr lang="en-US" smtClean="0"/>
+              <a:pPr/>
+              <a:t>3</a:t>
+            </a:fld>
+            <a:endParaRPr lang="en-US" dirty="0"/>
+          </a:p>
+        </p:txBody>
+      </p:sp>
+      <p:sp>
+        <p:nvSpPr>
+          <p:cNvPr id="26" name="Content Placeholder 4">
+            <a:extLst>
+              <a:ext uri="{FF2B5EF4-FFF2-40B4-BE49-F238E27FC236}">
+                <a16:creationId xmlns:a16="http://schemas.microsoft.com/office/drawing/2014/main" id="{64E8F6B0-1B5B-57F7-0463-A7ACA7B11EE9}"/>
+              </a:ext>
+            </a:extLst>
+          </p:cNvPr>
+          <p:cNvSpPr txBox="1">
+            <a:spLocks/>
+          </p:cNvSpPr>
+          <p:nvPr/>
+        </p:nvSpPr>
+        <p:spPr>
+          <a:xfrm>
+            <a:off x="843253" y="2286113"/>
+            <a:ext cx="10690264" cy="3622981"/>
+          </a:xfrm>
+          <a:prstGeom prst="rect">
+            <a:avLst/>
+          </a:prstGeom>
+        </p:spPr>
+        <p:txBody>
+          <a:bodyPr/>
+          <a:lstStyle>
+            <a:lvl1pPr marL="228600" indent="-228600" algn="l" defTabSz="914400" rtl="0" eaLnBrk="1" latinLnBrk="0" hangingPunct="1">
+              <a:lnSpc>
+                <a:spcPct val="90000"/>
+              </a:lnSpc>
+              <a:spcBef>
+                <a:spcPts val="1000"/>
+              </a:spcBef>
+              <a:buFont typeface="Arial" panose="020B0604020202020204" pitchFamily="34" charset="0"/>
+              <a:buChar char="•"/>
+              <a:defRPr sz="2800" b="0" i="0" kern="1200">
+                <a:solidFill>
+                  <a:schemeClr val="bg1"/>
+                </a:solidFill>
+                <a:latin typeface="+mn-lt"/>
+                <a:ea typeface="+mn-ea"/>
+                <a:cs typeface="+mn-cs"/>
+              </a:defRPr>
+            </a:lvl1pPr>
+            <a:lvl2pPr marL="685800" indent="-228600" algn="l" defTabSz="914400" rtl="0" eaLnBrk="1" latinLnBrk="0" hangingPunct="1">
+              <a:lnSpc>
+                <a:spcPct val="90000"/>
+              </a:lnSpc>
+              <a:spcBef>
+                <a:spcPts val="500"/>
+              </a:spcBef>
+              <a:buFont typeface="Arial" panose="020B0604020202020204" pitchFamily="34" charset="0"/>
+              <a:buChar char="•"/>
+              <a:defRPr sz="2400" b="0" i="0" kern="1200">
+                <a:solidFill>
+                  <a:schemeClr val="bg1"/>
+                </a:solidFill>
+                <a:latin typeface="+mn-lt"/>
+                <a:ea typeface="+mn-ea"/>
+                <a:cs typeface="+mn-cs"/>
+              </a:defRPr>
+            </a:lvl2pPr>
+            <a:lvl3pPr marL="1143000" indent="-228600" algn="l" defTabSz="914400" rtl="0" eaLnBrk="1" latinLnBrk="0" hangingPunct="1">
+              <a:lnSpc>
+                <a:spcPct val="90000"/>
+              </a:lnSpc>
+              <a:spcBef>
+                <a:spcPts val="500"/>
+              </a:spcBef>
+              <a:buFont typeface="Arial" panose="020B0604020202020204" pitchFamily="34" charset="0"/>
+              <a:buChar char="•"/>
+              <a:defRPr sz="2000" b="0" i="0" kern="1200">
+                <a:solidFill>
+                  <a:schemeClr val="bg1"/>
+                </a:solidFill>
+                <a:latin typeface="+mn-lt"/>
+                <a:ea typeface="+mn-ea"/>
+                <a:cs typeface="+mn-cs"/>
+              </a:defRPr>
+            </a:lvl3pPr>
+            <a:lvl4pPr marL="1600200" indent="-228600" algn="l" defTabSz="914400" rtl="0" eaLnBrk="1" latinLnBrk="0" hangingPunct="1">
+              <a:lnSpc>
+                <a:spcPct val="90000"/>
+              </a:lnSpc>
+              <a:spcBef>
+                <a:spcPts val="500"/>
+              </a:spcBef>
+              <a:buFont typeface="Arial" panose="020B0604020202020204" pitchFamily="34" charset="0"/>
+              <a:buChar char="•"/>
+              <a:defRPr sz="1800" b="0" i="0" kern="1200">
+                <a:solidFill>
+                  <a:schemeClr val="bg1"/>
+                </a:solidFill>
+                <a:latin typeface="+mn-lt"/>
+                <a:ea typeface="+mn-ea"/>
+                <a:cs typeface="+mn-cs"/>
+              </a:defRPr>
+            </a:lvl4pPr>
+            <a:lvl5pPr marL="2057400" indent="-228600" algn="l" defTabSz="914400" rtl="0" eaLnBrk="1" latinLnBrk="0" hangingPunct="1">
+              <a:lnSpc>
+                <a:spcPct val="90000"/>
+              </a:lnSpc>
+              <a:spcBef>
+                <a:spcPts val="500"/>
+              </a:spcBef>
+              <a:buFont typeface="Arial" panose="020B0604020202020204" pitchFamily="34" charset="0"/>
+              <a:buChar char="•"/>
+              <a:defRPr sz="1800" b="0" i="0" kern="1200">
+                <a:solidFill>
+                  <a:schemeClr val="bg1"/>
+                </a:solidFill>
+                <a:latin typeface="+mn-lt"/>
+                <a:ea typeface="+mn-ea"/>
+                <a:cs typeface="+mn-cs"/>
+              </a:defRPr>
+            </a:lvl5pPr>
+            <a:lvl6pPr marL="2514600" indent="-228600" algn="l" defTabSz="914400" rtl="0" eaLnBrk="1" latinLnBrk="0" hangingPunct="1">
+              <a:lnSpc>
+                <a:spcPct val="90000"/>
+              </a:lnSpc>
+              <a:spcBef>
+                <a:spcPts val="500"/>
+              </a:spcBef>
+              <a:buFont typeface="Arial" panose="020B0604020202020204" pitchFamily="34" charset="0"/>
+              <a:buChar char="•"/>
+              <a:defRPr sz="1800" kern="1200">
+                <a:solidFill>
+                  <a:schemeClr val="tx1"/>
+                </a:solidFill>
+                <a:latin typeface="+mn-lt"/>
+                <a:ea typeface="+mn-ea"/>
+                <a:cs typeface="+mn-cs"/>
+              </a:defRPr>
+            </a:lvl6pPr>
+            <a:lvl7pPr marL="2971800" indent="-228600" algn="l" defTabSz="914400" rtl="0" eaLnBrk="1" latinLnBrk="0" hangingPunct="1">
+              <a:lnSpc>
+                <a:spcPct val="90000"/>
+              </a:lnSpc>
+              <a:spcBef>
+                <a:spcPts val="500"/>
+              </a:spcBef>
+              <a:buFont typeface="Arial" panose="020B0604020202020204" pitchFamily="34" charset="0"/>
+              <a:buChar char="•"/>
+              <a:defRPr sz="1800" kern="1200">
+                <a:solidFill>
+                  <a:schemeClr val="tx1"/>
+                </a:solidFill>
+                <a:latin typeface="+mn-lt"/>
+                <a:ea typeface="+mn-ea"/>
+                <a:cs typeface="+mn-cs"/>
+              </a:defRPr>
+            </a:lvl7pPr>
+            <a:lvl8pPr marL="3429000" indent="-228600" algn="l" defTabSz="914400" rtl="0" eaLnBrk="1" latinLnBrk="0" hangingPunct="1">
+              <a:lnSpc>
+                <a:spcPct val="90000"/>
+              </a:lnSpc>
+              <a:spcBef>
+                <a:spcPts val="500"/>
+              </a:spcBef>
+              <a:buFont typeface="Arial" panose="020B0604020202020204" pitchFamily="34" charset="0"/>
+              <a:buChar char="•"/>
+              <a:defRPr sz="1800" kern="1200">
+                <a:solidFill>
+                  <a:schemeClr val="tx1"/>
+                </a:solidFill>
+                <a:latin typeface="+mn-lt"/>
+                <a:ea typeface="+mn-ea"/>
+                <a:cs typeface="+mn-cs"/>
+              </a:defRPr>
+            </a:lvl8pPr>
+            <a:lvl9pPr marL="3886200" indent="-228600" algn="l" defTabSz="914400" rtl="0" eaLnBrk="1" latinLnBrk="0" hangingPunct="1">
+              <a:lnSpc>
+                <a:spcPct val="90000"/>
+              </a:lnSpc>
+              <a:spcBef>
+                <a:spcPts val="500"/>
+              </a:spcBef>
+              <a:buFont typeface="Arial" panose="020B0604020202020204" pitchFamily="34" charset="0"/>
+              <a:buChar char="•"/>
+              <a:defRPr sz="1800" kern="1200">
+                <a:solidFill>
+                  <a:schemeClr val="tx1"/>
+                </a:solidFill>
+                <a:latin typeface="+mn-lt"/>
+                <a:ea typeface="+mn-ea"/>
+                <a:cs typeface="+mn-cs"/>
+              </a:defRPr>
+            </a:lvl9pPr>
+          </a:lstStyle>
+          <a:p>
+            <a:r>
+              <a:rPr lang="en-US" dirty="0"/>
+              <a:t>Selection of four audio datasets for keyword spotting, emotion recognition, and sound event classification.</a:t>
+            </a:r>
+          </a:p>
+          <a:p>
+            <a:r>
+              <a:rPr lang="en-US" dirty="0"/>
+              <a:t>Non-IID distribution of datasets based on speaker or actor ID.</a:t>
+            </a:r>
+          </a:p>
+          <a:p>
+            <a:r>
+              <a:rPr lang="en-US" dirty="0"/>
+              <a:t>Introduction of data noises and label errors for real-world scenario emulation.</a:t>
+            </a:r>
+          </a:p>
+          <a:p>
+            <a:r>
+              <a:rPr lang="en-US" dirty="0"/>
+              <a:t>Unique contribution of </a:t>
+            </a:r>
+            <a:r>
+              <a:rPr lang="en-US" dirty="0" err="1"/>
+              <a:t>FedAudio</a:t>
+            </a:r>
+            <a:r>
+              <a:rPr lang="en-US" dirty="0"/>
+              <a:t> compared to existing FL benchmarks.</a:t>
+            </a:r>
+          </a:p>
+          <a:p>
+            <a:r>
+              <a:rPr lang="en-US" dirty="0"/>
+              <a:t>Creation of a </a:t>
+            </a:r>
+            <a:r>
+              <a:rPr lang="en-US" dirty="0" err="1"/>
+              <a:t>PyTorch</a:t>
+            </a:r>
+            <a:r>
+              <a:rPr lang="en-US" dirty="0"/>
+              <a:t> library to facilitate fair algorithm comparison.</a:t>
+            </a:r>
+          </a:p>
+        </p:txBody>
+      </p:sp>
+    </p:spTree>
+    <p:extLst>
+      <p:ext uri="{BB962C8B-B14F-4D97-AF65-F5344CB8AC3E}">
+        <p14:creationId xmlns:p14="http://schemas.microsoft.com/office/powerpoint/2010/main" val="890144056"/>
+      </p:ext>
+    </p:extLst>
+  </p:cSld>
+  <p:clrMapOvr>
+    <a:masterClrMapping/>
+  </p:clrMapOvr>
+</p:sld>
+</file>
+
+<file path=ppt/slides/slide4.xml><?xml version="1.0" encoding="utf-8"?>
+<p:sld xmlns:a="http://schemas.openxmlformats.org/drawingml/2006/main" xmlns:r="http://schemas.openxmlformats.org/officeDocument/2006/relationships" xmlns:p="http://schemas.openxmlformats.org/presentationml/2006/main">
+  <p:cSld>
+    <p:spTree>
+      <p:nvGrpSpPr>
+        <p:cNvPr id="1" name=""/>
+        <p:cNvGrpSpPr/>
+        <p:nvPr/>
+      </p:nvGrpSpPr>
+      <p:grpSpPr>
+        <a:xfrm>
+          <a:off x="0" y="0"/>
+          <a:ext cx="0" cy="0"/>
+          <a:chOff x="0" y="0"/>
+          <a:chExt cx="0" cy="0"/>
+        </a:xfrm>
+      </p:grpSpPr>
+      <p:sp>
+        <p:nvSpPr>
+          <p:cNvPr id="2" name="Title 1">
+            <a:extLst>
+              <a:ext uri="{FF2B5EF4-FFF2-40B4-BE49-F238E27FC236}">
+                <a16:creationId xmlns:a16="http://schemas.microsoft.com/office/drawing/2014/main" id="{8C122DF8-59D4-D94D-8ED9-F2F319899DBF}"/>
+              </a:ext>
+            </a:extLst>
+          </p:cNvPr>
+          <p:cNvSpPr>
+            <a:spLocks noGrp="1"/>
+          </p:cNvSpPr>
+          <p:nvPr>
+            <p:ph type="title"/>
+          </p:nvPr>
+        </p:nvSpPr>
+        <p:spPr>
+          <a:xfrm>
+            <a:off x="964023" y="879063"/>
+            <a:ext cx="9120256" cy="610863"/>
+          </a:xfrm>
+        </p:spPr>
+        <p:txBody>
+          <a:bodyPr>
+            <a:normAutofit fontScale="90000"/>
+          </a:bodyPr>
+          <a:lstStyle/>
+          <a:p>
+            <a:r>
+              <a:rPr lang="en-US" dirty="0"/>
+              <a:t>Motivation and Design Considerations</a:t>
+            </a:r>
+          </a:p>
+        </p:txBody>
+      </p:sp>
+      <p:sp>
+        <p:nvSpPr>
+          <p:cNvPr id="5" name="Slide Number Placeholder 4">
+            <a:extLst>
+              <a:ext uri="{FF2B5EF4-FFF2-40B4-BE49-F238E27FC236}">
+                <a16:creationId xmlns:a16="http://schemas.microsoft.com/office/drawing/2014/main" id="{AB744071-0CE2-7746-9315-22EC28A0F462}"/>
+              </a:ext>
+            </a:extLst>
+          </p:cNvPr>
+          <p:cNvSpPr>
+            <a:spLocks noGrp="1"/>
+          </p:cNvSpPr>
+          <p:nvPr>
+            <p:ph type="sldNum" sz="quarter" idx="23"/>
+          </p:nvPr>
+        </p:nvSpPr>
+        <p:spPr>
+          <a:xfrm>
+            <a:off x="971550" y="6332220"/>
+            <a:ext cx="523240" cy="247651"/>
+          </a:xfrm>
+        </p:spPr>
+        <p:txBody>
+          <a:bodyPr/>
+          <a:lstStyle/>
+          <a:p>
+            <a:fld id="{294A09A9-5501-47C1-A89A-A340965A2BE2}" type="slidenum">
+              <a:rPr lang="en-US" smtClean="0"/>
+              <a:pPr/>
+              <a:t>4</a:t>
+            </a:fld>
+            <a:endParaRPr lang="en-US" dirty="0"/>
+          </a:p>
+        </p:txBody>
+      </p:sp>
+      <p:sp>
+        <p:nvSpPr>
+          <p:cNvPr id="26" name="Content Placeholder 4">
+            <a:extLst>
+              <a:ext uri="{FF2B5EF4-FFF2-40B4-BE49-F238E27FC236}">
+                <a16:creationId xmlns:a16="http://schemas.microsoft.com/office/drawing/2014/main" id="{64E8F6B0-1B5B-57F7-0463-A7ACA7B11EE9}"/>
+              </a:ext>
+            </a:extLst>
+          </p:cNvPr>
+          <p:cNvSpPr txBox="1">
+            <a:spLocks/>
+          </p:cNvSpPr>
+          <p:nvPr/>
+        </p:nvSpPr>
+        <p:spPr>
+          <a:xfrm>
+            <a:off x="843253" y="2286113"/>
+            <a:ext cx="10690264" cy="3622981"/>
+          </a:xfrm>
+          <a:prstGeom prst="rect">
+            <a:avLst/>
+          </a:prstGeom>
+        </p:spPr>
+        <p:txBody>
+          <a:bodyPr/>
+          <a:lstStyle>
+            <a:lvl1pPr marL="228600" indent="-228600" algn="l" defTabSz="914400" rtl="0" eaLnBrk="1" latinLnBrk="0" hangingPunct="1">
+              <a:lnSpc>
+                <a:spcPct val="90000"/>
+              </a:lnSpc>
+              <a:spcBef>
+                <a:spcPts val="1000"/>
+              </a:spcBef>
+              <a:buFont typeface="Arial" panose="020B0604020202020204" pitchFamily="34" charset="0"/>
+              <a:buChar char="•"/>
+              <a:defRPr sz="2800" b="0" i="0" kern="1200">
+                <a:solidFill>
+                  <a:schemeClr val="bg1"/>
+                </a:solidFill>
+                <a:latin typeface="+mn-lt"/>
+                <a:ea typeface="+mn-ea"/>
+                <a:cs typeface="+mn-cs"/>
+              </a:defRPr>
+            </a:lvl1pPr>
+            <a:lvl2pPr marL="685800" indent="-228600" algn="l" defTabSz="914400" rtl="0" eaLnBrk="1" latinLnBrk="0" hangingPunct="1">
+              <a:lnSpc>
+                <a:spcPct val="90000"/>
+              </a:lnSpc>
+              <a:spcBef>
+                <a:spcPts val="500"/>
+              </a:spcBef>
+              <a:buFont typeface="Arial" panose="020B0604020202020204" pitchFamily="34" charset="0"/>
+              <a:buChar char="•"/>
+              <a:defRPr sz="2400" b="0" i="0" kern="1200">
+                <a:solidFill>
+                  <a:schemeClr val="bg1"/>
+                </a:solidFill>
+                <a:latin typeface="+mn-lt"/>
+                <a:ea typeface="+mn-ea"/>
+                <a:cs typeface="+mn-cs"/>
+              </a:defRPr>
+            </a:lvl2pPr>
+            <a:lvl3pPr marL="1143000" indent="-228600" algn="l" defTabSz="914400" rtl="0" eaLnBrk="1" latinLnBrk="0" hangingPunct="1">
+              <a:lnSpc>
+                <a:spcPct val="90000"/>
+              </a:lnSpc>
+              <a:spcBef>
+                <a:spcPts val="500"/>
+              </a:spcBef>
+              <a:buFont typeface="Arial" panose="020B0604020202020204" pitchFamily="34" charset="0"/>
+              <a:buChar char="•"/>
+              <a:defRPr sz="2000" b="0" i="0" kern="1200">
+                <a:solidFill>
+                  <a:schemeClr val="bg1"/>
+                </a:solidFill>
+                <a:latin typeface="+mn-lt"/>
+                <a:ea typeface="+mn-ea"/>
+                <a:cs typeface="+mn-cs"/>
+              </a:defRPr>
+            </a:lvl3pPr>
+            <a:lvl4pPr marL="1600200" indent="-228600" algn="l" defTabSz="914400" rtl="0" eaLnBrk="1" latinLnBrk="0" hangingPunct="1">
+              <a:lnSpc>
+                <a:spcPct val="90000"/>
+              </a:lnSpc>
+              <a:spcBef>
+                <a:spcPts val="500"/>
+              </a:spcBef>
+              <a:buFont typeface="Arial" panose="020B0604020202020204" pitchFamily="34" charset="0"/>
+              <a:buChar char="•"/>
+              <a:defRPr sz="1800" b="0" i="0" kern="1200">
+                <a:solidFill>
+                  <a:schemeClr val="bg1"/>
+                </a:solidFill>
+                <a:latin typeface="+mn-lt"/>
+                <a:ea typeface="+mn-ea"/>
+                <a:cs typeface="+mn-cs"/>
+              </a:defRPr>
+            </a:lvl4pPr>
+            <a:lvl5pPr marL="2057400" indent="-228600" algn="l" defTabSz="914400" rtl="0" eaLnBrk="1" latinLnBrk="0" hangingPunct="1">
+              <a:lnSpc>
+                <a:spcPct val="90000"/>
+              </a:lnSpc>
+              <a:spcBef>
+                <a:spcPts val="500"/>
+              </a:spcBef>
+              <a:buFont typeface="Arial" panose="020B0604020202020204" pitchFamily="34" charset="0"/>
+              <a:buChar char="•"/>
+              <a:defRPr sz="1800" b="0" i="0" kern="1200">
+                <a:solidFill>
+                  <a:schemeClr val="bg1"/>
+                </a:solidFill>
+                <a:latin typeface="+mn-lt"/>
+                <a:ea typeface="+mn-ea"/>
+                <a:cs typeface="+mn-cs"/>
+              </a:defRPr>
+            </a:lvl5pPr>
+            <a:lvl6pPr marL="2514600" indent="-228600" algn="l" defTabSz="914400" rtl="0" eaLnBrk="1" latinLnBrk="0" hangingPunct="1">
+              <a:lnSpc>
+                <a:spcPct val="90000"/>
+              </a:lnSpc>
+              <a:spcBef>
+                <a:spcPts val="500"/>
+              </a:spcBef>
+              <a:buFont typeface="Arial" panose="020B0604020202020204" pitchFamily="34" charset="0"/>
+              <a:buChar char="•"/>
+              <a:defRPr sz="1800" kern="1200">
+                <a:solidFill>
+                  <a:schemeClr val="tx1"/>
+                </a:solidFill>
+                <a:latin typeface="+mn-lt"/>
+                <a:ea typeface="+mn-ea"/>
+                <a:cs typeface="+mn-cs"/>
+              </a:defRPr>
+            </a:lvl6pPr>
+            <a:lvl7pPr marL="2971800" indent="-228600" algn="l" defTabSz="914400" rtl="0" eaLnBrk="1" latinLnBrk="0" hangingPunct="1">
+              <a:lnSpc>
+                <a:spcPct val="90000"/>
+              </a:lnSpc>
+              <a:spcBef>
+                <a:spcPts val="500"/>
+              </a:spcBef>
+              <a:buFont typeface="Arial" panose="020B0604020202020204" pitchFamily="34" charset="0"/>
+              <a:buChar char="•"/>
+              <a:defRPr sz="1800" kern="1200">
+                <a:solidFill>
+                  <a:schemeClr val="tx1"/>
+                </a:solidFill>
+                <a:latin typeface="+mn-lt"/>
+                <a:ea typeface="+mn-ea"/>
+                <a:cs typeface="+mn-cs"/>
+              </a:defRPr>
+            </a:lvl7pPr>
+            <a:lvl8pPr marL="3429000" indent="-228600" algn="l" defTabSz="914400" rtl="0" eaLnBrk="1" latinLnBrk="0" hangingPunct="1">
+              <a:lnSpc>
+                <a:spcPct val="90000"/>
+              </a:lnSpc>
+              <a:spcBef>
+                <a:spcPts val="500"/>
+              </a:spcBef>
+              <a:buFont typeface="Arial" panose="020B0604020202020204" pitchFamily="34" charset="0"/>
+              <a:buChar char="•"/>
+              <a:defRPr sz="1800" kern="1200">
+                <a:solidFill>
+                  <a:schemeClr val="tx1"/>
+                </a:solidFill>
+                <a:latin typeface="+mn-lt"/>
+                <a:ea typeface="+mn-ea"/>
+                <a:cs typeface="+mn-cs"/>
+              </a:defRPr>
+            </a:lvl8pPr>
+            <a:lvl9pPr marL="3886200" indent="-228600" algn="l" defTabSz="914400" rtl="0" eaLnBrk="1" latinLnBrk="0" hangingPunct="1">
+              <a:lnSpc>
+                <a:spcPct val="90000"/>
+              </a:lnSpc>
+              <a:spcBef>
+                <a:spcPts val="500"/>
+              </a:spcBef>
+              <a:buFont typeface="Arial" panose="020B0604020202020204" pitchFamily="34" charset="0"/>
+              <a:buChar char="•"/>
+              <a:defRPr sz="1800" kern="1200">
+                <a:solidFill>
+                  <a:schemeClr val="tx1"/>
+                </a:solidFill>
+                <a:latin typeface="+mn-lt"/>
+                <a:ea typeface="+mn-ea"/>
+                <a:cs typeface="+mn-cs"/>
+              </a:defRPr>
+            </a:lvl9pPr>
+          </a:lstStyle>
+          <a:p>
+            <a:r>
+              <a:rPr lang="en-US" dirty="0"/>
+              <a:t>Limited progress in FL research on audio-related tasks.</a:t>
+            </a:r>
+          </a:p>
+          <a:p>
+            <a:r>
+              <a:rPr lang="en-US" dirty="0"/>
+              <a:t>Challenges in comparing FL methods due to private datasets and varied experimental setups.</a:t>
+            </a:r>
+          </a:p>
+          <a:p>
+            <a:r>
+              <a:rPr lang="en-US" dirty="0"/>
+              <a:t>Design considerations for </a:t>
+            </a:r>
+            <a:r>
+              <a:rPr lang="en-US" dirty="0" err="1"/>
+              <a:t>FedAudio</a:t>
+            </a:r>
+            <a:r>
+              <a:rPr lang="en-US" dirty="0"/>
+              <a:t>, including representative and diversified datasets.</a:t>
+            </a:r>
+          </a:p>
+          <a:p>
+            <a:r>
+              <a:rPr lang="en-US" dirty="0"/>
+              <a:t>Emphasis on aligning audio tasks with FL use cases.</a:t>
+            </a:r>
+          </a:p>
+          <a:p>
+            <a:r>
+              <a:rPr lang="en-US" dirty="0"/>
+              <a:t>Benchmark designed to emulate real-world scenarios for robust FL algorithm development.</a:t>
+            </a:r>
+          </a:p>
+        </p:txBody>
+      </p:sp>
+    </p:spTree>
+    <p:extLst>
+      <p:ext uri="{BB962C8B-B14F-4D97-AF65-F5344CB8AC3E}">
+        <p14:creationId xmlns:p14="http://schemas.microsoft.com/office/powerpoint/2010/main" val="249640340"/>
+      </p:ext>
+    </p:extLst>
+  </p:cSld>
+  <p:clrMapOvr>
+    <a:masterClrMapping/>
+  </p:clrMapOvr>
+</p:sld>
+</file>
+
+<file path=ppt/slides/slide5.xml><?xml version="1.0" encoding="utf-8"?>
+<p:sld xmlns:a="http://schemas.openxmlformats.org/drawingml/2006/main" xmlns:r="http://schemas.openxmlformats.org/officeDocument/2006/relationships" xmlns:p="http://schemas.openxmlformats.org/presentationml/2006/main">
+  <p:cSld>
+    <p:spTree>
+      <p:nvGrpSpPr>
+        <p:cNvPr id="1" name=""/>
+        <p:cNvGrpSpPr/>
+        <p:nvPr/>
+      </p:nvGrpSpPr>
+      <p:grpSpPr>
+        <a:xfrm>
+          <a:off x="0" y="0"/>
+          <a:ext cx="0" cy="0"/>
+          <a:chOff x="0" y="0"/>
+          <a:chExt cx="0" cy="0"/>
+        </a:xfrm>
+      </p:grpSpPr>
+      <p:sp>
+        <p:nvSpPr>
+          <p:cNvPr id="2" name="Title 1">
+            <a:extLst>
+              <a:ext uri="{FF2B5EF4-FFF2-40B4-BE49-F238E27FC236}">
                 <a16:creationId xmlns:a16="http://schemas.microsoft.com/office/drawing/2014/main" id="{8C122DF8-59D4-D94D-8ED9-F2F319899DBF}"/>
               </a:ext>
             </a:extLst>
@@ -13805,8 +15229,12 @@
           <a:lstStyle/>
           <a:p>
             <a:r>
+              <a:rPr lang="en-US" dirty="0" err="1"/>
+              <a:t>FedAudio</a:t>
+            </a:r>
+            <a:r>
               <a:rPr lang="en-US" dirty="0"/>
-              <a:t>Conclusion</a:t>
+              <a:t> Datasets</a:t>
             </a:r>
           </a:p>
         </p:txBody>
@@ -13840,7 +15268,7 @@
             <a:fld id="{294A09A9-5501-47C1-A89A-A340965A2BE2}" type="slidenum">
               <a:rPr lang="en-US" smtClean="0"/>
               <a:pPr/>
-              <a:t>12</a:t>
+              <a:t>5</a:t>
             </a:fld>
             <a:endParaRPr lang="en-US" dirty="0"/>
           </a:p>
@@ -13848,10 +15276,665 @@
       </p:sp>
       <p:sp>
         <p:nvSpPr>
-          <p:cNvPr id="3" name="Content Placeholder 4">
-            <a:extLst>
-              <a:ext uri="{FF2B5EF4-FFF2-40B4-BE49-F238E27FC236}">
-                <a16:creationId xmlns:a16="http://schemas.microsoft.com/office/drawing/2014/main" id="{822C2B95-2068-E728-40D0-1BF2030DBC99}"/>
+          <p:cNvPr id="26" name="Content Placeholder 4">
+            <a:extLst>
+              <a:ext uri="{FF2B5EF4-FFF2-40B4-BE49-F238E27FC236}">
+                <a16:creationId xmlns:a16="http://schemas.microsoft.com/office/drawing/2014/main" id="{64E8F6B0-1B5B-57F7-0463-A7ACA7B11EE9}"/>
+              </a:ext>
+            </a:extLst>
+          </p:cNvPr>
+          <p:cNvSpPr txBox="1">
+            <a:spLocks/>
+          </p:cNvSpPr>
+          <p:nvPr/>
+        </p:nvSpPr>
+        <p:spPr>
+          <a:xfrm>
+            <a:off x="843253" y="2286113"/>
+            <a:ext cx="10690264" cy="4046107"/>
+          </a:xfrm>
+          <a:prstGeom prst="rect">
+            <a:avLst/>
+          </a:prstGeom>
+        </p:spPr>
+        <p:txBody>
+          <a:bodyPr/>
+          <a:lstStyle>
+            <a:lvl1pPr marL="228600" indent="-228600" algn="l" defTabSz="914400" rtl="0" eaLnBrk="1" latinLnBrk="0" hangingPunct="1">
+              <a:lnSpc>
+                <a:spcPct val="90000"/>
+              </a:lnSpc>
+              <a:spcBef>
+                <a:spcPts val="1000"/>
+              </a:spcBef>
+              <a:buFont typeface="Arial" panose="020B0604020202020204" pitchFamily="34" charset="0"/>
+              <a:buChar char="•"/>
+              <a:defRPr sz="2800" b="0" i="0" kern="1200">
+                <a:solidFill>
+                  <a:schemeClr val="bg1"/>
+                </a:solidFill>
+                <a:latin typeface="+mn-lt"/>
+                <a:ea typeface="+mn-ea"/>
+                <a:cs typeface="+mn-cs"/>
+              </a:defRPr>
+            </a:lvl1pPr>
+            <a:lvl2pPr marL="685800" indent="-228600" algn="l" defTabSz="914400" rtl="0" eaLnBrk="1" latinLnBrk="0" hangingPunct="1">
+              <a:lnSpc>
+                <a:spcPct val="90000"/>
+              </a:lnSpc>
+              <a:spcBef>
+                <a:spcPts val="500"/>
+              </a:spcBef>
+              <a:buFont typeface="Arial" panose="020B0604020202020204" pitchFamily="34" charset="0"/>
+              <a:buChar char="•"/>
+              <a:defRPr sz="2400" b="0" i="0" kern="1200">
+                <a:solidFill>
+                  <a:schemeClr val="bg1"/>
+                </a:solidFill>
+                <a:latin typeface="+mn-lt"/>
+                <a:ea typeface="+mn-ea"/>
+                <a:cs typeface="+mn-cs"/>
+              </a:defRPr>
+            </a:lvl2pPr>
+            <a:lvl3pPr marL="1143000" indent="-228600" algn="l" defTabSz="914400" rtl="0" eaLnBrk="1" latinLnBrk="0" hangingPunct="1">
+              <a:lnSpc>
+                <a:spcPct val="90000"/>
+              </a:lnSpc>
+              <a:spcBef>
+                <a:spcPts val="500"/>
+              </a:spcBef>
+              <a:buFont typeface="Arial" panose="020B0604020202020204" pitchFamily="34" charset="0"/>
+              <a:buChar char="•"/>
+              <a:defRPr sz="2000" b="0" i="0" kern="1200">
+                <a:solidFill>
+                  <a:schemeClr val="bg1"/>
+                </a:solidFill>
+                <a:latin typeface="+mn-lt"/>
+                <a:ea typeface="+mn-ea"/>
+                <a:cs typeface="+mn-cs"/>
+              </a:defRPr>
+            </a:lvl3pPr>
+            <a:lvl4pPr marL="1600200" indent="-228600" algn="l" defTabSz="914400" rtl="0" eaLnBrk="1" latinLnBrk="0" hangingPunct="1">
+              <a:lnSpc>
+                <a:spcPct val="90000"/>
+              </a:lnSpc>
+              <a:spcBef>
+                <a:spcPts val="500"/>
+              </a:spcBef>
+              <a:buFont typeface="Arial" panose="020B0604020202020204" pitchFamily="34" charset="0"/>
+              <a:buChar char="•"/>
+              <a:defRPr sz="1800" b="0" i="0" kern="1200">
+                <a:solidFill>
+                  <a:schemeClr val="bg1"/>
+                </a:solidFill>
+                <a:latin typeface="+mn-lt"/>
+                <a:ea typeface="+mn-ea"/>
+                <a:cs typeface="+mn-cs"/>
+              </a:defRPr>
+            </a:lvl4pPr>
+            <a:lvl5pPr marL="2057400" indent="-228600" algn="l" defTabSz="914400" rtl="0" eaLnBrk="1" latinLnBrk="0" hangingPunct="1">
+              <a:lnSpc>
+                <a:spcPct val="90000"/>
+              </a:lnSpc>
+              <a:spcBef>
+                <a:spcPts val="500"/>
+              </a:spcBef>
+              <a:buFont typeface="Arial" panose="020B0604020202020204" pitchFamily="34" charset="0"/>
+              <a:buChar char="•"/>
+              <a:defRPr sz="1800" b="0" i="0" kern="1200">
+                <a:solidFill>
+                  <a:schemeClr val="bg1"/>
+                </a:solidFill>
+                <a:latin typeface="+mn-lt"/>
+                <a:ea typeface="+mn-ea"/>
+                <a:cs typeface="+mn-cs"/>
+              </a:defRPr>
+            </a:lvl5pPr>
+            <a:lvl6pPr marL="2514600" indent="-228600" algn="l" defTabSz="914400" rtl="0" eaLnBrk="1" latinLnBrk="0" hangingPunct="1">
+              <a:lnSpc>
+                <a:spcPct val="90000"/>
+              </a:lnSpc>
+              <a:spcBef>
+                <a:spcPts val="500"/>
+              </a:spcBef>
+              <a:buFont typeface="Arial" panose="020B0604020202020204" pitchFamily="34" charset="0"/>
+              <a:buChar char="•"/>
+              <a:defRPr sz="1800" kern="1200">
+                <a:solidFill>
+                  <a:schemeClr val="tx1"/>
+                </a:solidFill>
+                <a:latin typeface="+mn-lt"/>
+                <a:ea typeface="+mn-ea"/>
+                <a:cs typeface="+mn-cs"/>
+              </a:defRPr>
+            </a:lvl6pPr>
+            <a:lvl7pPr marL="2971800" indent="-228600" algn="l" defTabSz="914400" rtl="0" eaLnBrk="1" latinLnBrk="0" hangingPunct="1">
+              <a:lnSpc>
+                <a:spcPct val="90000"/>
+              </a:lnSpc>
+              <a:spcBef>
+                <a:spcPts val="500"/>
+              </a:spcBef>
+              <a:buFont typeface="Arial" panose="020B0604020202020204" pitchFamily="34" charset="0"/>
+              <a:buChar char="•"/>
+              <a:defRPr sz="1800" kern="1200">
+                <a:solidFill>
+                  <a:schemeClr val="tx1"/>
+                </a:solidFill>
+                <a:latin typeface="+mn-lt"/>
+                <a:ea typeface="+mn-ea"/>
+                <a:cs typeface="+mn-cs"/>
+              </a:defRPr>
+            </a:lvl7pPr>
+            <a:lvl8pPr marL="3429000" indent="-228600" algn="l" defTabSz="914400" rtl="0" eaLnBrk="1" latinLnBrk="0" hangingPunct="1">
+              <a:lnSpc>
+                <a:spcPct val="90000"/>
+              </a:lnSpc>
+              <a:spcBef>
+                <a:spcPts val="500"/>
+              </a:spcBef>
+              <a:buFont typeface="Arial" panose="020B0604020202020204" pitchFamily="34" charset="0"/>
+              <a:buChar char="•"/>
+              <a:defRPr sz="1800" kern="1200">
+                <a:solidFill>
+                  <a:schemeClr val="tx1"/>
+                </a:solidFill>
+                <a:latin typeface="+mn-lt"/>
+                <a:ea typeface="+mn-ea"/>
+                <a:cs typeface="+mn-cs"/>
+              </a:defRPr>
+            </a:lvl8pPr>
+            <a:lvl9pPr marL="3886200" indent="-228600" algn="l" defTabSz="914400" rtl="0" eaLnBrk="1" latinLnBrk="0" hangingPunct="1">
+              <a:lnSpc>
+                <a:spcPct val="90000"/>
+              </a:lnSpc>
+              <a:spcBef>
+                <a:spcPts val="500"/>
+              </a:spcBef>
+              <a:buFont typeface="Arial" panose="020B0604020202020204" pitchFamily="34" charset="0"/>
+              <a:buChar char="•"/>
+              <a:defRPr sz="1800" kern="1200">
+                <a:solidFill>
+                  <a:schemeClr val="tx1"/>
+                </a:solidFill>
+                <a:latin typeface="+mn-lt"/>
+                <a:ea typeface="+mn-ea"/>
+                <a:cs typeface="+mn-cs"/>
+              </a:defRPr>
+            </a:lvl9pPr>
+          </a:lstStyle>
+          <a:p>
+            <a:r>
+              <a:rPr lang="en-US" dirty="0"/>
+              <a:t>Inclusion of four audio datasets: Google Speech Commands, IEMOCAP, CREMA-D, Urban Sound.</a:t>
+            </a:r>
+          </a:p>
+          <a:p>
+            <a:r>
+              <a:rPr lang="en-US" dirty="0"/>
+              <a:t>Targeting keyword spotting, emotion recognition, and sound event classification tasks.</a:t>
+            </a:r>
+          </a:p>
+          <a:p>
+            <a:r>
+              <a:rPr lang="en-US" dirty="0"/>
+              <a:t>Datasets cover various client numbers, data samples, and class labels.</a:t>
+            </a:r>
+          </a:p>
+          <a:p>
+            <a:r>
+              <a:rPr lang="en-US" dirty="0"/>
+              <a:t>Non-IID distribution in datasets based on speaker or actor ID.</a:t>
+            </a:r>
+          </a:p>
+          <a:p>
+            <a:r>
+              <a:rPr lang="en-US" dirty="0"/>
+              <a:t>Exclusion of automatic speech recognition (ASR) task due to resource demands.</a:t>
+            </a:r>
+          </a:p>
+        </p:txBody>
+      </p:sp>
+    </p:spTree>
+    <p:extLst>
+      <p:ext uri="{BB962C8B-B14F-4D97-AF65-F5344CB8AC3E}">
+        <p14:creationId xmlns:p14="http://schemas.microsoft.com/office/powerpoint/2010/main" val="1429237271"/>
+      </p:ext>
+    </p:extLst>
+  </p:cSld>
+  <p:clrMapOvr>
+    <a:masterClrMapping/>
+  </p:clrMapOvr>
+</p:sld>
+</file>
+
+<file path=ppt/slides/slide6.xml><?xml version="1.0" encoding="utf-8"?>
+<p:sld xmlns:a="http://schemas.openxmlformats.org/drawingml/2006/main" xmlns:r="http://schemas.openxmlformats.org/officeDocument/2006/relationships" xmlns:p="http://schemas.openxmlformats.org/presentationml/2006/main">
+  <p:cSld>
+    <p:spTree>
+      <p:nvGrpSpPr>
+        <p:cNvPr id="1" name=""/>
+        <p:cNvGrpSpPr/>
+        <p:nvPr/>
+      </p:nvGrpSpPr>
+      <p:grpSpPr>
+        <a:xfrm>
+          <a:off x="0" y="0"/>
+          <a:ext cx="0" cy="0"/>
+          <a:chOff x="0" y="0"/>
+          <a:chExt cx="0" cy="0"/>
+        </a:xfrm>
+      </p:grpSpPr>
+      <p:sp>
+        <p:nvSpPr>
+          <p:cNvPr id="2" name="Title 1">
+            <a:extLst>
+              <a:ext uri="{FF2B5EF4-FFF2-40B4-BE49-F238E27FC236}">
+                <a16:creationId xmlns:a16="http://schemas.microsoft.com/office/drawing/2014/main" id="{8C122DF8-59D4-D94D-8ED9-F2F319899DBF}"/>
+              </a:ext>
+            </a:extLst>
+          </p:cNvPr>
+          <p:cNvSpPr>
+            <a:spLocks noGrp="1"/>
+          </p:cNvSpPr>
+          <p:nvPr>
+            <p:ph type="title"/>
+          </p:nvPr>
+        </p:nvSpPr>
+        <p:spPr>
+          <a:xfrm>
+            <a:off x="964023" y="879063"/>
+            <a:ext cx="9120256" cy="610863"/>
+          </a:xfrm>
+        </p:spPr>
+        <p:txBody>
+          <a:bodyPr>
+            <a:normAutofit/>
+          </a:bodyPr>
+          <a:lstStyle/>
+          <a:p>
+            <a:r>
+              <a:rPr lang="en-US" dirty="0" err="1"/>
+              <a:t>FedAudio</a:t>
+            </a:r>
+            <a:r>
+              <a:rPr lang="en-US" dirty="0"/>
+              <a:t> Design Details</a:t>
+            </a:r>
+          </a:p>
+        </p:txBody>
+      </p:sp>
+      <p:sp>
+        <p:nvSpPr>
+          <p:cNvPr id="5" name="Slide Number Placeholder 4">
+            <a:extLst>
+              <a:ext uri="{FF2B5EF4-FFF2-40B4-BE49-F238E27FC236}">
+                <a16:creationId xmlns:a16="http://schemas.microsoft.com/office/drawing/2014/main" id="{AB744071-0CE2-7746-9315-22EC28A0F462}"/>
+              </a:ext>
+            </a:extLst>
+          </p:cNvPr>
+          <p:cNvSpPr>
+            <a:spLocks noGrp="1"/>
+          </p:cNvSpPr>
+          <p:nvPr>
+            <p:ph type="sldNum" sz="quarter" idx="23"/>
+          </p:nvPr>
+        </p:nvSpPr>
+        <p:spPr>
+          <a:xfrm>
+            <a:off x="971550" y="6332220"/>
+            <a:ext cx="523240" cy="247651"/>
+          </a:xfrm>
+        </p:spPr>
+        <p:txBody>
+          <a:bodyPr/>
+          <a:lstStyle/>
+          <a:p>
+            <a:fld id="{294A09A9-5501-47C1-A89A-A340965A2BE2}" type="slidenum">
+              <a:rPr lang="en-US" smtClean="0"/>
+              <a:pPr/>
+              <a:t>6</a:t>
+            </a:fld>
+            <a:endParaRPr lang="en-US" dirty="0"/>
+          </a:p>
+        </p:txBody>
+      </p:sp>
+      <p:sp>
+        <p:nvSpPr>
+          <p:cNvPr id="26" name="Content Placeholder 4">
+            <a:extLst>
+              <a:ext uri="{FF2B5EF4-FFF2-40B4-BE49-F238E27FC236}">
+                <a16:creationId xmlns:a16="http://schemas.microsoft.com/office/drawing/2014/main" id="{64E8F6B0-1B5B-57F7-0463-A7ACA7B11EE9}"/>
+              </a:ext>
+            </a:extLst>
+          </p:cNvPr>
+          <p:cNvSpPr txBox="1">
+            <a:spLocks/>
+          </p:cNvSpPr>
+          <p:nvPr/>
+        </p:nvSpPr>
+        <p:spPr>
+          <a:xfrm>
+            <a:off x="843253" y="2286113"/>
+            <a:ext cx="10690264" cy="4046107"/>
+          </a:xfrm>
+          <a:prstGeom prst="rect">
+            <a:avLst/>
+          </a:prstGeom>
+        </p:spPr>
+        <p:txBody>
+          <a:bodyPr/>
+          <a:lstStyle>
+            <a:lvl1pPr marL="228600" indent="-228600" algn="l" defTabSz="914400" rtl="0" eaLnBrk="1" latinLnBrk="0" hangingPunct="1">
+              <a:lnSpc>
+                <a:spcPct val="90000"/>
+              </a:lnSpc>
+              <a:spcBef>
+                <a:spcPts val="1000"/>
+              </a:spcBef>
+              <a:buFont typeface="Arial" panose="020B0604020202020204" pitchFamily="34" charset="0"/>
+              <a:buChar char="•"/>
+              <a:defRPr sz="2800" b="0" i="0" kern="1200">
+                <a:solidFill>
+                  <a:schemeClr val="bg1"/>
+                </a:solidFill>
+                <a:latin typeface="+mn-lt"/>
+                <a:ea typeface="+mn-ea"/>
+                <a:cs typeface="+mn-cs"/>
+              </a:defRPr>
+            </a:lvl1pPr>
+            <a:lvl2pPr marL="685800" indent="-228600" algn="l" defTabSz="914400" rtl="0" eaLnBrk="1" latinLnBrk="0" hangingPunct="1">
+              <a:lnSpc>
+                <a:spcPct val="90000"/>
+              </a:lnSpc>
+              <a:spcBef>
+                <a:spcPts val="500"/>
+              </a:spcBef>
+              <a:buFont typeface="Arial" panose="020B0604020202020204" pitchFamily="34" charset="0"/>
+              <a:buChar char="•"/>
+              <a:defRPr sz="2400" b="0" i="0" kern="1200">
+                <a:solidFill>
+                  <a:schemeClr val="bg1"/>
+                </a:solidFill>
+                <a:latin typeface="+mn-lt"/>
+                <a:ea typeface="+mn-ea"/>
+                <a:cs typeface="+mn-cs"/>
+              </a:defRPr>
+            </a:lvl2pPr>
+            <a:lvl3pPr marL="1143000" indent="-228600" algn="l" defTabSz="914400" rtl="0" eaLnBrk="1" latinLnBrk="0" hangingPunct="1">
+              <a:lnSpc>
+                <a:spcPct val="90000"/>
+              </a:lnSpc>
+              <a:spcBef>
+                <a:spcPts val="500"/>
+              </a:spcBef>
+              <a:buFont typeface="Arial" panose="020B0604020202020204" pitchFamily="34" charset="0"/>
+              <a:buChar char="•"/>
+              <a:defRPr sz="2000" b="0" i="0" kern="1200">
+                <a:solidFill>
+                  <a:schemeClr val="bg1"/>
+                </a:solidFill>
+                <a:latin typeface="+mn-lt"/>
+                <a:ea typeface="+mn-ea"/>
+                <a:cs typeface="+mn-cs"/>
+              </a:defRPr>
+            </a:lvl3pPr>
+            <a:lvl4pPr marL="1600200" indent="-228600" algn="l" defTabSz="914400" rtl="0" eaLnBrk="1" latinLnBrk="0" hangingPunct="1">
+              <a:lnSpc>
+                <a:spcPct val="90000"/>
+              </a:lnSpc>
+              <a:spcBef>
+                <a:spcPts val="500"/>
+              </a:spcBef>
+              <a:buFont typeface="Arial" panose="020B0604020202020204" pitchFamily="34" charset="0"/>
+              <a:buChar char="•"/>
+              <a:defRPr sz="1800" b="0" i="0" kern="1200">
+                <a:solidFill>
+                  <a:schemeClr val="bg1"/>
+                </a:solidFill>
+                <a:latin typeface="+mn-lt"/>
+                <a:ea typeface="+mn-ea"/>
+                <a:cs typeface="+mn-cs"/>
+              </a:defRPr>
+            </a:lvl4pPr>
+            <a:lvl5pPr marL="2057400" indent="-228600" algn="l" defTabSz="914400" rtl="0" eaLnBrk="1" latinLnBrk="0" hangingPunct="1">
+              <a:lnSpc>
+                <a:spcPct val="90000"/>
+              </a:lnSpc>
+              <a:spcBef>
+                <a:spcPts val="500"/>
+              </a:spcBef>
+              <a:buFont typeface="Arial" panose="020B0604020202020204" pitchFamily="34" charset="0"/>
+              <a:buChar char="•"/>
+              <a:defRPr sz="1800" b="0" i="0" kern="1200">
+                <a:solidFill>
+                  <a:schemeClr val="bg1"/>
+                </a:solidFill>
+                <a:latin typeface="+mn-lt"/>
+                <a:ea typeface="+mn-ea"/>
+                <a:cs typeface="+mn-cs"/>
+              </a:defRPr>
+            </a:lvl5pPr>
+            <a:lvl6pPr marL="2514600" indent="-228600" algn="l" defTabSz="914400" rtl="0" eaLnBrk="1" latinLnBrk="0" hangingPunct="1">
+              <a:lnSpc>
+                <a:spcPct val="90000"/>
+              </a:lnSpc>
+              <a:spcBef>
+                <a:spcPts val="500"/>
+              </a:spcBef>
+              <a:buFont typeface="Arial" panose="020B0604020202020204" pitchFamily="34" charset="0"/>
+              <a:buChar char="•"/>
+              <a:defRPr sz="1800" kern="1200">
+                <a:solidFill>
+                  <a:schemeClr val="tx1"/>
+                </a:solidFill>
+                <a:latin typeface="+mn-lt"/>
+                <a:ea typeface="+mn-ea"/>
+                <a:cs typeface="+mn-cs"/>
+              </a:defRPr>
+            </a:lvl6pPr>
+            <a:lvl7pPr marL="2971800" indent="-228600" algn="l" defTabSz="914400" rtl="0" eaLnBrk="1" latinLnBrk="0" hangingPunct="1">
+              <a:lnSpc>
+                <a:spcPct val="90000"/>
+              </a:lnSpc>
+              <a:spcBef>
+                <a:spcPts val="500"/>
+              </a:spcBef>
+              <a:buFont typeface="Arial" panose="020B0604020202020204" pitchFamily="34" charset="0"/>
+              <a:buChar char="•"/>
+              <a:defRPr sz="1800" kern="1200">
+                <a:solidFill>
+                  <a:schemeClr val="tx1"/>
+                </a:solidFill>
+                <a:latin typeface="+mn-lt"/>
+                <a:ea typeface="+mn-ea"/>
+                <a:cs typeface="+mn-cs"/>
+              </a:defRPr>
+            </a:lvl7pPr>
+            <a:lvl8pPr marL="3429000" indent="-228600" algn="l" defTabSz="914400" rtl="0" eaLnBrk="1" latinLnBrk="0" hangingPunct="1">
+              <a:lnSpc>
+                <a:spcPct val="90000"/>
+              </a:lnSpc>
+              <a:spcBef>
+                <a:spcPts val="500"/>
+              </a:spcBef>
+              <a:buFont typeface="Arial" panose="020B0604020202020204" pitchFamily="34" charset="0"/>
+              <a:buChar char="•"/>
+              <a:defRPr sz="1800" kern="1200">
+                <a:solidFill>
+                  <a:schemeClr val="tx1"/>
+                </a:solidFill>
+                <a:latin typeface="+mn-lt"/>
+                <a:ea typeface="+mn-ea"/>
+                <a:cs typeface="+mn-cs"/>
+              </a:defRPr>
+            </a:lvl8pPr>
+            <a:lvl9pPr marL="3886200" indent="-228600" algn="l" defTabSz="914400" rtl="0" eaLnBrk="1" latinLnBrk="0" hangingPunct="1">
+              <a:lnSpc>
+                <a:spcPct val="90000"/>
+              </a:lnSpc>
+              <a:spcBef>
+                <a:spcPts val="500"/>
+              </a:spcBef>
+              <a:buFont typeface="Arial" panose="020B0604020202020204" pitchFamily="34" charset="0"/>
+              <a:buChar char="•"/>
+              <a:defRPr sz="1800" kern="1200">
+                <a:solidFill>
+                  <a:schemeClr val="tx1"/>
+                </a:solidFill>
+                <a:latin typeface="+mn-lt"/>
+                <a:ea typeface="+mn-ea"/>
+                <a:cs typeface="+mn-cs"/>
+              </a:defRPr>
+            </a:lvl9pPr>
+          </a:lstStyle>
+          <a:p>
+            <a:r>
+              <a:rPr lang="en-US" dirty="0"/>
+              <a:t>Google Speech Commands dataset.</a:t>
+            </a:r>
+          </a:p>
+          <a:p>
+            <a:r>
+              <a:rPr lang="en-US" dirty="0"/>
+              <a:t>IEMOCAP dataset and its multimodal nature.</a:t>
+            </a:r>
+          </a:p>
+          <a:p>
+            <a:r>
+              <a:rPr lang="en-US" dirty="0"/>
+              <a:t>CREMA-D dataset for emotion recognition.</a:t>
+            </a:r>
+          </a:p>
+          <a:p>
+            <a:r>
+              <a:rPr lang="en-US" dirty="0"/>
+              <a:t>Urban Sound dataset for sound event classification.</a:t>
+            </a:r>
+          </a:p>
+          <a:p>
+            <a:r>
+              <a:rPr lang="en-US" dirty="0"/>
+              <a:t>Selection of tasks aligning with FL.</a:t>
+            </a:r>
+          </a:p>
+        </p:txBody>
+      </p:sp>
+    </p:spTree>
+    <p:extLst>
+      <p:ext uri="{BB962C8B-B14F-4D97-AF65-F5344CB8AC3E}">
+        <p14:creationId xmlns:p14="http://schemas.microsoft.com/office/powerpoint/2010/main" val="1668786984"/>
+      </p:ext>
+    </p:extLst>
+  </p:cSld>
+  <p:clrMapOvr>
+    <a:masterClrMapping/>
+  </p:clrMapOvr>
+</p:sld>
+</file>
+
+<file path=ppt/slides/slide7.xml><?xml version="1.0" encoding="utf-8"?>
+<p:sld xmlns:a="http://schemas.openxmlformats.org/drawingml/2006/main" xmlns:r="http://schemas.openxmlformats.org/officeDocument/2006/relationships" xmlns:p="http://schemas.openxmlformats.org/presentationml/2006/main">
+  <p:cSld>
+    <p:spTree>
+      <p:nvGrpSpPr>
+        <p:cNvPr id="1" name=""/>
+        <p:cNvGrpSpPr/>
+        <p:nvPr/>
+      </p:nvGrpSpPr>
+      <p:grpSpPr>
+        <a:xfrm>
+          <a:off x="0" y="0"/>
+          <a:ext cx="0" cy="0"/>
+          <a:chOff x="0" y="0"/>
+          <a:chExt cx="0" cy="0"/>
+        </a:xfrm>
+      </p:grpSpPr>
+      <p:sp>
+        <p:nvSpPr>
+          <p:cNvPr id="2" name="Title 1">
+            <a:extLst>
+              <a:ext uri="{FF2B5EF4-FFF2-40B4-BE49-F238E27FC236}">
+                <a16:creationId xmlns:a16="http://schemas.microsoft.com/office/drawing/2014/main" id="{8C122DF8-59D4-D94D-8ED9-F2F319899DBF}"/>
+              </a:ext>
+            </a:extLst>
+          </p:cNvPr>
+          <p:cNvSpPr>
+            <a:spLocks noGrp="1"/>
+          </p:cNvSpPr>
+          <p:nvPr>
+            <p:ph type="title"/>
+          </p:nvPr>
+        </p:nvSpPr>
+        <p:spPr>
+          <a:xfrm>
+            <a:off x="964023" y="879063"/>
+            <a:ext cx="9120256" cy="610863"/>
+          </a:xfrm>
+        </p:spPr>
+        <p:txBody>
+          <a:bodyPr>
+            <a:normAutofit/>
+          </a:bodyPr>
+          <a:lstStyle/>
+          <a:p>
+            <a:r>
+              <a:rPr lang="en-US" b="1" i="0" dirty="0" err="1">
+                <a:effectLst/>
+              </a:rPr>
+              <a:t>FedAudio</a:t>
+            </a:r>
+            <a:r>
+              <a:rPr lang="en-US" b="1" i="0" dirty="0">
+                <a:effectLst/>
+              </a:rPr>
+              <a:t> New Features</a:t>
+            </a:r>
+            <a:endParaRPr lang="en-US" dirty="0"/>
+          </a:p>
+        </p:txBody>
+      </p:sp>
+      <p:sp>
+        <p:nvSpPr>
+          <p:cNvPr id="5" name="Slide Number Placeholder 4">
+            <a:extLst>
+              <a:ext uri="{FF2B5EF4-FFF2-40B4-BE49-F238E27FC236}">
+                <a16:creationId xmlns:a16="http://schemas.microsoft.com/office/drawing/2014/main" id="{AB744071-0CE2-7746-9315-22EC28A0F462}"/>
+              </a:ext>
+            </a:extLst>
+          </p:cNvPr>
+          <p:cNvSpPr>
+            <a:spLocks noGrp="1"/>
+          </p:cNvSpPr>
+          <p:nvPr>
+            <p:ph type="sldNum" sz="quarter" idx="23"/>
+          </p:nvPr>
+        </p:nvSpPr>
+        <p:spPr>
+          <a:xfrm>
+            <a:off x="971550" y="6332220"/>
+            <a:ext cx="523240" cy="247651"/>
+          </a:xfrm>
+        </p:spPr>
+        <p:txBody>
+          <a:bodyPr/>
+          <a:lstStyle/>
+          <a:p>
+            <a:fld id="{294A09A9-5501-47C1-A89A-A340965A2BE2}" type="slidenum">
+              <a:rPr lang="en-US" smtClean="0"/>
+              <a:pPr/>
+              <a:t>7</a:t>
+            </a:fld>
+            <a:endParaRPr lang="en-US" dirty="0"/>
+          </a:p>
+        </p:txBody>
+      </p:sp>
+      <p:sp>
+        <p:nvSpPr>
+          <p:cNvPr id="26" name="Content Placeholder 4">
+            <a:extLst>
+              <a:ext uri="{FF2B5EF4-FFF2-40B4-BE49-F238E27FC236}">
+                <a16:creationId xmlns:a16="http://schemas.microsoft.com/office/drawing/2014/main" id="{64E8F6B0-1B5B-57F7-0463-A7ACA7B11EE9}"/>
               </a:ext>
             </a:extLst>
           </p:cNvPr>
@@ -14038,7 +16121,31 @@
           <a:p>
             <a:r>
               <a:rPr lang="en-US" dirty="0"/>
-              <a:t>Introduction of </a:t>
+              <a:t>Introduction of data noises and label errors for real-world scenario emulation.</a:t>
+            </a:r>
+          </a:p>
+          <a:p>
+            <a:r>
+              <a:rPr lang="en-US" dirty="0"/>
+              <a:t>Addition of additive white Gaussian noises (AWGN) to audio data for studying noise impact.</a:t>
+            </a:r>
+          </a:p>
+          <a:p>
+            <a:r>
+              <a:rPr lang="en-US" dirty="0"/>
+              <a:t>Emulation of label errors using a transition matrix for ground truth label alterations.</a:t>
+            </a:r>
+          </a:p>
+          <a:p>
+            <a:r>
+              <a:rPr lang="en-US" dirty="0"/>
+              <a:t>Parameters for controlling error ratio and error sparsity in label errors.</a:t>
+            </a:r>
+          </a:p>
+          <a:p>
+            <a:r>
+              <a:rPr lang="en-US" dirty="0"/>
+              <a:t>Unique contribution of </a:t>
             </a:r>
             <a:r>
               <a:rPr lang="en-US" dirty="0" err="1"/>
@@ -14046,39 +16153,7 @@
             </a:r>
             <a:r>
               <a:rPr lang="en-US" dirty="0"/>
-              <a:t> as a benchmark for audio tasks in federated learning.</a:t>
-            </a:r>
-          </a:p>
-          <a:p>
-            <a:r>
-              <a:rPr lang="en-US" dirty="0"/>
-              <a:t>Inclusion of four datasets with non-IID distribution, data noises, and label errors for real-world scenario emulation.</a:t>
-            </a:r>
-          </a:p>
-          <a:p>
-            <a:r>
-              <a:rPr lang="en-US" dirty="0"/>
-              <a:t>Library features supporting FL algorithms and optimizers.</a:t>
-            </a:r>
-          </a:p>
-          <a:p>
-            <a:r>
-              <a:rPr lang="en-US" dirty="0"/>
-              <a:t>Summary of experiments and benchmark results.</a:t>
-            </a:r>
-          </a:p>
-          <a:p>
-            <a:r>
-              <a:rPr lang="en-US" dirty="0"/>
-              <a:t>Hope for </a:t>
-            </a:r>
-            <a:r>
-              <a:rPr lang="en-US" dirty="0" err="1"/>
-              <a:t>FedAudio</a:t>
-            </a:r>
-            <a:r>
-              <a:rPr lang="en-US" dirty="0"/>
-              <a:t> to inspire new FL research in the acoustic and speech research community.</a:t>
+              <a:t> in introducing noise and errors compared to existing benchmarks.</a:t>
             </a:r>
           </a:p>
         </p:txBody>
@@ -14086,2396 +16161,7 @@
     </p:spTree>
     <p:extLst>
       <p:ext uri="{BB962C8B-B14F-4D97-AF65-F5344CB8AC3E}">
-        <p14:creationId xmlns:p14="http://schemas.microsoft.com/office/powerpoint/2010/main" val="3974487460"/>
-      </p:ext>
-    </p:extLst>
-  </p:cSld>
-  <p:clrMapOvr>
-    <a:masterClrMapping/>
-  </p:clrMapOvr>
-</p:sld>
-</file>
-
-<file path=ppt/slides/slide13.xml><?xml version="1.0" encoding="utf-8"?>
-<p:sld xmlns:a="http://schemas.openxmlformats.org/drawingml/2006/main" xmlns:r="http://schemas.openxmlformats.org/officeDocument/2006/relationships" xmlns:p="http://schemas.openxmlformats.org/presentationml/2006/main">
-  <p:cSld>
-    <p:spTree>
-      <p:nvGrpSpPr>
-        <p:cNvPr id="1" name=""/>
-        <p:cNvGrpSpPr/>
-        <p:nvPr/>
-      </p:nvGrpSpPr>
-      <p:grpSpPr>
-        <a:xfrm>
-          <a:off x="0" y="0"/>
-          <a:ext cx="0" cy="0"/>
-          <a:chOff x="0" y="0"/>
-          <a:chExt cx="0" cy="0"/>
-        </a:xfrm>
-      </p:grpSpPr>
-      <p:sp>
-        <p:nvSpPr>
-          <p:cNvPr id="2" name="Title 1">
-            <a:extLst>
-              <a:ext uri="{FF2B5EF4-FFF2-40B4-BE49-F238E27FC236}">
-                <a16:creationId xmlns:a16="http://schemas.microsoft.com/office/drawing/2014/main" id="{1680B63E-371D-37C5-EDBC-71DE501DF161}"/>
-              </a:ext>
-            </a:extLst>
-          </p:cNvPr>
-          <p:cNvSpPr>
-            <a:spLocks noGrp="1"/>
-          </p:cNvSpPr>
-          <p:nvPr>
-            <p:ph type="title"/>
-          </p:nvPr>
-        </p:nvSpPr>
-        <p:spPr/>
-        <p:txBody>
-          <a:bodyPr>
-            <a:normAutofit/>
-          </a:bodyPr>
-          <a:lstStyle/>
-          <a:p>
-            <a:r>
-              <a:rPr lang="en-US" dirty="0"/>
-              <a:t>Review</a:t>
-            </a:r>
-          </a:p>
-        </p:txBody>
-      </p:sp>
-      <p:sp>
-        <p:nvSpPr>
-          <p:cNvPr id="3" name="Text Placeholder 2">
-            <a:extLst>
-              <a:ext uri="{FF2B5EF4-FFF2-40B4-BE49-F238E27FC236}">
-                <a16:creationId xmlns:a16="http://schemas.microsoft.com/office/drawing/2014/main" id="{02C38C95-80E3-2574-E888-32CC3A1FE235}"/>
-              </a:ext>
-            </a:extLst>
-          </p:cNvPr>
-          <p:cNvSpPr>
-            <a:spLocks noGrp="1"/>
-          </p:cNvSpPr>
-          <p:nvPr>
-            <p:ph type="body" idx="1"/>
-          </p:nvPr>
-        </p:nvSpPr>
-        <p:spPr/>
-        <p:txBody>
-          <a:bodyPr>
-            <a:normAutofit/>
-          </a:bodyPr>
-          <a:lstStyle/>
-          <a:p>
-            <a:r>
-              <a:rPr lang="en-US" dirty="0"/>
-              <a:t>Limitations</a:t>
-            </a:r>
-          </a:p>
-        </p:txBody>
-      </p:sp>
-      <p:sp>
-        <p:nvSpPr>
-          <p:cNvPr id="4" name="Content Placeholder 3">
-            <a:extLst>
-              <a:ext uri="{FF2B5EF4-FFF2-40B4-BE49-F238E27FC236}">
-                <a16:creationId xmlns:a16="http://schemas.microsoft.com/office/drawing/2014/main" id="{A1E15EB9-4E5C-2201-09AA-2FAC007682E1}"/>
-              </a:ext>
-            </a:extLst>
-          </p:cNvPr>
-          <p:cNvSpPr>
-            <a:spLocks noGrp="1"/>
-          </p:cNvSpPr>
-          <p:nvPr>
-            <p:ph sz="half" idx="2"/>
-          </p:nvPr>
-        </p:nvSpPr>
-        <p:spPr>
-          <a:xfrm>
-            <a:off x="952500" y="2799145"/>
-            <a:ext cx="3395213" cy="2318629"/>
-          </a:xfrm>
-        </p:spPr>
-        <p:txBody>
-          <a:bodyPr>
-            <a:normAutofit/>
-          </a:bodyPr>
-          <a:lstStyle/>
-          <a:p>
-            <a:r>
-              <a:rPr lang="en-US" dirty="0"/>
-              <a:t>Task-Specific Challenges.</a:t>
-            </a:r>
-          </a:p>
-          <a:p>
-            <a:r>
-              <a:rPr lang="en-US" dirty="0"/>
-              <a:t>Dataset Representativeness.</a:t>
-            </a:r>
-          </a:p>
-          <a:p>
-            <a:r>
-              <a:rPr lang="en-US" dirty="0"/>
-              <a:t>Sensitivity to FL Parameters.</a:t>
-            </a:r>
-          </a:p>
-        </p:txBody>
-      </p:sp>
-      <p:sp>
-        <p:nvSpPr>
-          <p:cNvPr id="5" name="Text Placeholder 4">
-            <a:extLst>
-              <a:ext uri="{FF2B5EF4-FFF2-40B4-BE49-F238E27FC236}">
-                <a16:creationId xmlns:a16="http://schemas.microsoft.com/office/drawing/2014/main" id="{170E1D29-5C84-457C-ABD9-F84D7AA328D7}"/>
-              </a:ext>
-            </a:extLst>
-          </p:cNvPr>
-          <p:cNvSpPr>
-            <a:spLocks noGrp="1"/>
-          </p:cNvSpPr>
-          <p:nvPr>
-            <p:ph type="body" idx="10"/>
-          </p:nvPr>
-        </p:nvSpPr>
-        <p:spPr/>
-        <p:txBody>
-          <a:bodyPr>
-            <a:normAutofit/>
-          </a:bodyPr>
-          <a:lstStyle/>
-          <a:p>
-            <a:r>
-              <a:rPr lang="en-US" dirty="0"/>
-              <a:t>Contributions</a:t>
-            </a:r>
-          </a:p>
-        </p:txBody>
-      </p:sp>
-      <p:sp>
-        <p:nvSpPr>
-          <p:cNvPr id="6" name="Content Placeholder 5">
-            <a:extLst>
-              <a:ext uri="{FF2B5EF4-FFF2-40B4-BE49-F238E27FC236}">
-                <a16:creationId xmlns:a16="http://schemas.microsoft.com/office/drawing/2014/main" id="{FCE2BC40-963D-B96A-5F2E-95ADB8B7A22F}"/>
-              </a:ext>
-            </a:extLst>
-          </p:cNvPr>
-          <p:cNvSpPr>
-            <a:spLocks noGrp="1"/>
-          </p:cNvSpPr>
-          <p:nvPr>
-            <p:ph sz="half" idx="11"/>
-          </p:nvPr>
-        </p:nvSpPr>
-        <p:spPr>
-          <a:xfrm>
-            <a:off x="4569371" y="2799144"/>
-            <a:ext cx="3395213" cy="2318629"/>
-          </a:xfrm>
-        </p:spPr>
-        <p:txBody>
-          <a:bodyPr>
-            <a:noAutofit/>
-          </a:bodyPr>
-          <a:lstStyle/>
-          <a:p>
-            <a:r>
-              <a:rPr lang="en-US" dirty="0"/>
-              <a:t>Real-World Emulation.</a:t>
-            </a:r>
-          </a:p>
-          <a:p>
-            <a:r>
-              <a:rPr lang="en-US" dirty="0"/>
-              <a:t>Unique Dataset Characteristics.</a:t>
-            </a:r>
-          </a:p>
-          <a:p>
-            <a:r>
-              <a:rPr lang="en-US" dirty="0"/>
-              <a:t>Open-Source Library.</a:t>
-            </a:r>
-          </a:p>
-        </p:txBody>
-      </p:sp>
-      <p:sp>
-        <p:nvSpPr>
-          <p:cNvPr id="7" name="Text Placeholder 6">
-            <a:extLst>
-              <a:ext uri="{FF2B5EF4-FFF2-40B4-BE49-F238E27FC236}">
-                <a16:creationId xmlns:a16="http://schemas.microsoft.com/office/drawing/2014/main" id="{D01DA83B-5FD4-583E-1BEF-67E9E077B75E}"/>
-              </a:ext>
-            </a:extLst>
-          </p:cNvPr>
-          <p:cNvSpPr>
-            <a:spLocks noGrp="1"/>
-          </p:cNvSpPr>
-          <p:nvPr>
-            <p:ph type="body" idx="12"/>
-          </p:nvPr>
-        </p:nvSpPr>
-        <p:spPr/>
-        <p:txBody>
-          <a:bodyPr>
-            <a:normAutofit/>
-          </a:bodyPr>
-          <a:lstStyle/>
-          <a:p>
-            <a:r>
-              <a:rPr lang="en-US" dirty="0"/>
-              <a:t>Synthesis</a:t>
-            </a:r>
-          </a:p>
-        </p:txBody>
-      </p:sp>
-      <p:sp>
-        <p:nvSpPr>
-          <p:cNvPr id="8" name="Content Placeholder 7">
-            <a:extLst>
-              <a:ext uri="{FF2B5EF4-FFF2-40B4-BE49-F238E27FC236}">
-                <a16:creationId xmlns:a16="http://schemas.microsoft.com/office/drawing/2014/main" id="{4021C536-C238-BDB1-AD94-65321CAEDF88}"/>
-              </a:ext>
-            </a:extLst>
-          </p:cNvPr>
-          <p:cNvSpPr>
-            <a:spLocks noGrp="1"/>
-          </p:cNvSpPr>
-          <p:nvPr>
-            <p:ph sz="half" idx="13"/>
-          </p:nvPr>
-        </p:nvSpPr>
-        <p:spPr>
-          <a:xfrm>
-            <a:off x="8187017" y="2799145"/>
-            <a:ext cx="3395214" cy="2318628"/>
-          </a:xfrm>
-        </p:spPr>
-        <p:txBody>
-          <a:bodyPr>
-            <a:normAutofit/>
-          </a:bodyPr>
-          <a:lstStyle/>
-          <a:p>
-            <a:r>
-              <a:rPr lang="en-US" dirty="0"/>
-              <a:t>Bridging Privacy and Acoustic Research.</a:t>
-            </a:r>
-          </a:p>
-          <a:p>
-            <a:r>
-              <a:rPr lang="en-US" dirty="0"/>
-              <a:t>Inspiring Further FL Research.</a:t>
-            </a:r>
-          </a:p>
-          <a:p>
-            <a:r>
-              <a:rPr lang="en-US" dirty="0"/>
-              <a:t>Potential Applications.</a:t>
-            </a:r>
-          </a:p>
-        </p:txBody>
-      </p:sp>
-      <p:sp>
-        <p:nvSpPr>
-          <p:cNvPr id="10" name="Slide Number Placeholder 9">
-            <a:extLst>
-              <a:ext uri="{FF2B5EF4-FFF2-40B4-BE49-F238E27FC236}">
-                <a16:creationId xmlns:a16="http://schemas.microsoft.com/office/drawing/2014/main" id="{5470218A-898F-180B-D5EF-867D4D6892BA}"/>
-              </a:ext>
-            </a:extLst>
-          </p:cNvPr>
-          <p:cNvSpPr>
-            <a:spLocks noGrp="1"/>
-          </p:cNvSpPr>
-          <p:nvPr>
-            <p:ph type="sldNum" sz="quarter" idx="16"/>
-          </p:nvPr>
-        </p:nvSpPr>
-        <p:spPr/>
-        <p:txBody>
-          <a:bodyPr/>
-          <a:lstStyle/>
-          <a:p>
-            <a:fld id="{294A09A9-5501-47C1-A89A-A340965A2BE2}" type="slidenum">
-              <a:rPr lang="en-US" smtClean="0"/>
-              <a:pPr/>
-              <a:t>13</a:t>
-            </a:fld>
-            <a:endParaRPr lang="en-US" dirty="0">
-              <a:latin typeface="+mn-lt"/>
-            </a:endParaRPr>
-          </a:p>
-        </p:txBody>
-      </p:sp>
-    </p:spTree>
-    <p:extLst>
-      <p:ext uri="{BB962C8B-B14F-4D97-AF65-F5344CB8AC3E}">
-        <p14:creationId xmlns:p14="http://schemas.microsoft.com/office/powerpoint/2010/main" val="3360222047"/>
-      </p:ext>
-    </p:extLst>
-  </p:cSld>
-  <p:clrMapOvr>
-    <a:masterClrMapping/>
-  </p:clrMapOvr>
-</p:sld>
-</file>
-
-<file path=ppt/slides/slide14.xml><?xml version="1.0" encoding="utf-8"?>
-<p:sld xmlns:a="http://schemas.openxmlformats.org/drawingml/2006/main" xmlns:r="http://schemas.openxmlformats.org/officeDocument/2006/relationships" xmlns:p="http://schemas.openxmlformats.org/presentationml/2006/main">
-  <p:cSld>
-    <p:spTree>
-      <p:nvGrpSpPr>
-        <p:cNvPr id="1" name=""/>
-        <p:cNvGrpSpPr/>
-        <p:nvPr/>
-      </p:nvGrpSpPr>
-      <p:grpSpPr>
-        <a:xfrm>
-          <a:off x="0" y="0"/>
-          <a:ext cx="0" cy="0"/>
-          <a:chOff x="0" y="0"/>
-          <a:chExt cx="0" cy="0"/>
-        </a:xfrm>
-      </p:grpSpPr>
-      <p:sp>
-        <p:nvSpPr>
-          <p:cNvPr id="2" name="Title 1">
-            <a:extLst>
-              <a:ext uri="{FF2B5EF4-FFF2-40B4-BE49-F238E27FC236}">
-                <a16:creationId xmlns:a16="http://schemas.microsoft.com/office/drawing/2014/main" id="{51DF3D98-3C30-4CFC-8643-C81E829C8C25}"/>
-              </a:ext>
-            </a:extLst>
-          </p:cNvPr>
-          <p:cNvSpPr>
-            <a:spLocks noGrp="1"/>
-          </p:cNvSpPr>
-          <p:nvPr>
-            <p:ph type="title"/>
-          </p:nvPr>
-        </p:nvSpPr>
-        <p:spPr/>
-        <p:txBody>
-          <a:bodyPr/>
-          <a:lstStyle/>
-          <a:p>
-            <a:r>
-              <a:rPr lang="en-US" dirty="0"/>
-              <a:t>Thank you</a:t>
-            </a:r>
-          </a:p>
-        </p:txBody>
-      </p:sp>
-      <p:pic>
-        <p:nvPicPr>
-          <p:cNvPr id="13" name="Picture Placeholder 12">
-            <a:extLst>
-              <a:ext uri="{FF2B5EF4-FFF2-40B4-BE49-F238E27FC236}">
-                <a16:creationId xmlns:a16="http://schemas.microsoft.com/office/drawing/2014/main" id="{EC944911-7CDD-41CC-A7F0-5B0CF85D545C}"/>
-              </a:ext>
-              <a:ext uri="{C183D7F6-B498-43B3-948B-1728B52AA6E4}">
-                <adec:decorative xmlns:adec="http://schemas.microsoft.com/office/drawing/2017/decorative" val="0"/>
-              </a:ext>
-            </a:extLst>
-          </p:cNvPr>
-          <p:cNvPicPr>
-            <a:picLocks noGrp="1" noChangeAspect="1"/>
-          </p:cNvPicPr>
-          <p:nvPr>
-            <p:ph type="pic" sz="quarter" idx="13"/>
-          </p:nvPr>
-        </p:nvPicPr>
-        <p:blipFill>
-          <a:blip r:embed="rId3">
-            <a:extLst>
-              <a:ext uri="{28A0092B-C50C-407E-A947-70E740481C1C}">
-                <a14:useLocalDpi xmlns:a14="http://schemas.microsoft.com/office/drawing/2010/main" val="0"/>
-              </a:ext>
-              <a:ext uri="{837473B0-CC2E-450A-ABE3-18F120FF3D39}">
-                <a1611:picAttrSrcUrl xmlns:a1611="http://schemas.microsoft.com/office/drawing/2016/11/main" r:id="rId4"/>
-              </a:ext>
-            </a:extLst>
-          </a:blip>
-          <a:srcRect/>
-          <a:stretch/>
-        </p:blipFill>
-        <p:spPr/>
-      </p:pic>
-    </p:spTree>
-    <p:extLst>
-      <p:ext uri="{BB962C8B-B14F-4D97-AF65-F5344CB8AC3E}">
-        <p14:creationId xmlns:p14="http://schemas.microsoft.com/office/powerpoint/2010/main" val="2336677316"/>
-      </p:ext>
-    </p:extLst>
-  </p:cSld>
-  <p:clrMapOvr>
-    <a:masterClrMapping/>
-  </p:clrMapOvr>
-</p:sld>
-</file>
-
-<file path=ppt/slides/slide2.xml><?xml version="1.0" encoding="utf-8"?>
-<p:sld xmlns:a="http://schemas.openxmlformats.org/drawingml/2006/main" xmlns:r="http://schemas.openxmlformats.org/officeDocument/2006/relationships" xmlns:p="http://schemas.openxmlformats.org/presentationml/2006/main">
-  <p:cSld>
-    <p:spTree>
-      <p:nvGrpSpPr>
-        <p:cNvPr id="1" name=""/>
-        <p:cNvGrpSpPr/>
-        <p:nvPr/>
-      </p:nvGrpSpPr>
-      <p:grpSpPr>
-        <a:xfrm>
-          <a:off x="0" y="0"/>
-          <a:ext cx="0" cy="0"/>
-          <a:chOff x="0" y="0"/>
-          <a:chExt cx="0" cy="0"/>
-        </a:xfrm>
-      </p:grpSpPr>
-      <p:sp>
-        <p:nvSpPr>
-          <p:cNvPr id="2" name="Title 1">
-            <a:extLst>
-              <a:ext uri="{FF2B5EF4-FFF2-40B4-BE49-F238E27FC236}">
-                <a16:creationId xmlns:a16="http://schemas.microsoft.com/office/drawing/2014/main" id="{8C122DF8-59D4-D94D-8ED9-F2F319899DBF}"/>
-              </a:ext>
-            </a:extLst>
-          </p:cNvPr>
-          <p:cNvSpPr>
-            <a:spLocks noGrp="1"/>
-          </p:cNvSpPr>
-          <p:nvPr>
-            <p:ph type="title"/>
-          </p:nvPr>
-        </p:nvSpPr>
-        <p:spPr/>
-        <p:txBody>
-          <a:bodyPr/>
-          <a:lstStyle/>
-          <a:p>
-            <a:r>
-              <a:rPr lang="en-US" dirty="0"/>
-              <a:t>Abstract</a:t>
-            </a:r>
-          </a:p>
-        </p:txBody>
-      </p:sp>
-      <p:sp>
-        <p:nvSpPr>
-          <p:cNvPr id="5" name="Slide Number Placeholder 4">
-            <a:extLst>
-              <a:ext uri="{FF2B5EF4-FFF2-40B4-BE49-F238E27FC236}">
-                <a16:creationId xmlns:a16="http://schemas.microsoft.com/office/drawing/2014/main" id="{AB744071-0CE2-7746-9315-22EC28A0F462}"/>
-              </a:ext>
-            </a:extLst>
-          </p:cNvPr>
-          <p:cNvSpPr>
-            <a:spLocks noGrp="1"/>
-          </p:cNvSpPr>
-          <p:nvPr>
-            <p:ph type="sldNum" sz="quarter" idx="23"/>
-          </p:nvPr>
-        </p:nvSpPr>
-        <p:spPr>
-          <a:xfrm>
-            <a:off x="971550" y="6332220"/>
-            <a:ext cx="523240" cy="247651"/>
-          </a:xfrm>
-        </p:spPr>
-        <p:txBody>
-          <a:bodyPr/>
-          <a:lstStyle/>
-          <a:p>
-            <a:fld id="{294A09A9-5501-47C1-A89A-A340965A2BE2}" type="slidenum">
-              <a:rPr lang="en-US" smtClean="0"/>
-              <a:pPr/>
-              <a:t>2</a:t>
-            </a:fld>
-            <a:endParaRPr lang="en-US" dirty="0"/>
-          </a:p>
-        </p:txBody>
-      </p:sp>
-      <p:sp>
-        <p:nvSpPr>
-          <p:cNvPr id="26" name="Content Placeholder 4">
-            <a:extLst>
-              <a:ext uri="{FF2B5EF4-FFF2-40B4-BE49-F238E27FC236}">
-                <a16:creationId xmlns:a16="http://schemas.microsoft.com/office/drawing/2014/main" id="{64E8F6B0-1B5B-57F7-0463-A7ACA7B11EE9}"/>
-              </a:ext>
-            </a:extLst>
-          </p:cNvPr>
-          <p:cNvSpPr txBox="1">
-            <a:spLocks/>
-          </p:cNvSpPr>
-          <p:nvPr/>
-        </p:nvSpPr>
-        <p:spPr>
-          <a:xfrm>
-            <a:off x="843253" y="2286113"/>
-            <a:ext cx="10690264" cy="3622981"/>
-          </a:xfrm>
-          <a:prstGeom prst="rect">
-            <a:avLst/>
-          </a:prstGeom>
-        </p:spPr>
-        <p:txBody>
-          <a:bodyPr/>
-          <a:lstStyle>
-            <a:lvl1pPr marL="228600" indent="-228600" algn="l" defTabSz="914400" rtl="0" eaLnBrk="1" latinLnBrk="0" hangingPunct="1">
-              <a:lnSpc>
-                <a:spcPct val="90000"/>
-              </a:lnSpc>
-              <a:spcBef>
-                <a:spcPts val="1000"/>
-              </a:spcBef>
-              <a:buFont typeface="Arial" panose="020B0604020202020204" pitchFamily="34" charset="0"/>
-              <a:buChar char="•"/>
-              <a:defRPr sz="2800" b="0" i="0" kern="1200">
-                <a:solidFill>
-                  <a:schemeClr val="bg1"/>
-                </a:solidFill>
-                <a:latin typeface="+mn-lt"/>
-                <a:ea typeface="+mn-ea"/>
-                <a:cs typeface="+mn-cs"/>
-              </a:defRPr>
-            </a:lvl1pPr>
-            <a:lvl2pPr marL="685800" indent="-228600" algn="l" defTabSz="914400" rtl="0" eaLnBrk="1" latinLnBrk="0" hangingPunct="1">
-              <a:lnSpc>
-                <a:spcPct val="90000"/>
-              </a:lnSpc>
-              <a:spcBef>
-                <a:spcPts val="500"/>
-              </a:spcBef>
-              <a:buFont typeface="Arial" panose="020B0604020202020204" pitchFamily="34" charset="0"/>
-              <a:buChar char="•"/>
-              <a:defRPr sz="2400" b="0" i="0" kern="1200">
-                <a:solidFill>
-                  <a:schemeClr val="bg1"/>
-                </a:solidFill>
-                <a:latin typeface="+mn-lt"/>
-                <a:ea typeface="+mn-ea"/>
-                <a:cs typeface="+mn-cs"/>
-              </a:defRPr>
-            </a:lvl2pPr>
-            <a:lvl3pPr marL="1143000" indent="-228600" algn="l" defTabSz="914400" rtl="0" eaLnBrk="1" latinLnBrk="0" hangingPunct="1">
-              <a:lnSpc>
-                <a:spcPct val="90000"/>
-              </a:lnSpc>
-              <a:spcBef>
-                <a:spcPts val="500"/>
-              </a:spcBef>
-              <a:buFont typeface="Arial" panose="020B0604020202020204" pitchFamily="34" charset="0"/>
-              <a:buChar char="•"/>
-              <a:defRPr sz="2000" b="0" i="0" kern="1200">
-                <a:solidFill>
-                  <a:schemeClr val="bg1"/>
-                </a:solidFill>
-                <a:latin typeface="+mn-lt"/>
-                <a:ea typeface="+mn-ea"/>
-                <a:cs typeface="+mn-cs"/>
-              </a:defRPr>
-            </a:lvl3pPr>
-            <a:lvl4pPr marL="1600200" indent="-228600" algn="l" defTabSz="914400" rtl="0" eaLnBrk="1" latinLnBrk="0" hangingPunct="1">
-              <a:lnSpc>
-                <a:spcPct val="90000"/>
-              </a:lnSpc>
-              <a:spcBef>
-                <a:spcPts val="500"/>
-              </a:spcBef>
-              <a:buFont typeface="Arial" panose="020B0604020202020204" pitchFamily="34" charset="0"/>
-              <a:buChar char="•"/>
-              <a:defRPr sz="1800" b="0" i="0" kern="1200">
-                <a:solidFill>
-                  <a:schemeClr val="bg1"/>
-                </a:solidFill>
-                <a:latin typeface="+mn-lt"/>
-                <a:ea typeface="+mn-ea"/>
-                <a:cs typeface="+mn-cs"/>
-              </a:defRPr>
-            </a:lvl4pPr>
-            <a:lvl5pPr marL="2057400" indent="-228600" algn="l" defTabSz="914400" rtl="0" eaLnBrk="1" latinLnBrk="0" hangingPunct="1">
-              <a:lnSpc>
-                <a:spcPct val="90000"/>
-              </a:lnSpc>
-              <a:spcBef>
-                <a:spcPts val="500"/>
-              </a:spcBef>
-              <a:buFont typeface="Arial" panose="020B0604020202020204" pitchFamily="34" charset="0"/>
-              <a:buChar char="•"/>
-              <a:defRPr sz="1800" b="0" i="0" kern="1200">
-                <a:solidFill>
-                  <a:schemeClr val="bg1"/>
-                </a:solidFill>
-                <a:latin typeface="+mn-lt"/>
-                <a:ea typeface="+mn-ea"/>
-                <a:cs typeface="+mn-cs"/>
-              </a:defRPr>
-            </a:lvl5pPr>
-            <a:lvl6pPr marL="2514600" indent="-228600" algn="l" defTabSz="914400" rtl="0" eaLnBrk="1" latinLnBrk="0" hangingPunct="1">
-              <a:lnSpc>
-                <a:spcPct val="90000"/>
-              </a:lnSpc>
-              <a:spcBef>
-                <a:spcPts val="500"/>
-              </a:spcBef>
-              <a:buFont typeface="Arial" panose="020B0604020202020204" pitchFamily="34" charset="0"/>
-              <a:buChar char="•"/>
-              <a:defRPr sz="1800" kern="1200">
-                <a:solidFill>
-                  <a:schemeClr val="tx1"/>
-                </a:solidFill>
-                <a:latin typeface="+mn-lt"/>
-                <a:ea typeface="+mn-ea"/>
-                <a:cs typeface="+mn-cs"/>
-              </a:defRPr>
-            </a:lvl6pPr>
-            <a:lvl7pPr marL="2971800" indent="-228600" algn="l" defTabSz="914400" rtl="0" eaLnBrk="1" latinLnBrk="0" hangingPunct="1">
-              <a:lnSpc>
-                <a:spcPct val="90000"/>
-              </a:lnSpc>
-              <a:spcBef>
-                <a:spcPts val="500"/>
-              </a:spcBef>
-              <a:buFont typeface="Arial" panose="020B0604020202020204" pitchFamily="34" charset="0"/>
-              <a:buChar char="•"/>
-              <a:defRPr sz="1800" kern="1200">
-                <a:solidFill>
-                  <a:schemeClr val="tx1"/>
-                </a:solidFill>
-                <a:latin typeface="+mn-lt"/>
-                <a:ea typeface="+mn-ea"/>
-                <a:cs typeface="+mn-cs"/>
-              </a:defRPr>
-            </a:lvl7pPr>
-            <a:lvl8pPr marL="3429000" indent="-228600" algn="l" defTabSz="914400" rtl="0" eaLnBrk="1" latinLnBrk="0" hangingPunct="1">
-              <a:lnSpc>
-                <a:spcPct val="90000"/>
-              </a:lnSpc>
-              <a:spcBef>
-                <a:spcPts val="500"/>
-              </a:spcBef>
-              <a:buFont typeface="Arial" panose="020B0604020202020204" pitchFamily="34" charset="0"/>
-              <a:buChar char="•"/>
-              <a:defRPr sz="1800" kern="1200">
-                <a:solidFill>
-                  <a:schemeClr val="tx1"/>
-                </a:solidFill>
-                <a:latin typeface="+mn-lt"/>
-                <a:ea typeface="+mn-ea"/>
-                <a:cs typeface="+mn-cs"/>
-              </a:defRPr>
-            </a:lvl8pPr>
-            <a:lvl9pPr marL="3886200" indent="-228600" algn="l" defTabSz="914400" rtl="0" eaLnBrk="1" latinLnBrk="0" hangingPunct="1">
-              <a:lnSpc>
-                <a:spcPct val="90000"/>
-              </a:lnSpc>
-              <a:spcBef>
-                <a:spcPts val="500"/>
-              </a:spcBef>
-              <a:buFont typeface="Arial" panose="020B0604020202020204" pitchFamily="34" charset="0"/>
-              <a:buChar char="•"/>
-              <a:defRPr sz="1800" kern="1200">
-                <a:solidFill>
-                  <a:schemeClr val="tx1"/>
-                </a:solidFill>
-                <a:latin typeface="+mn-lt"/>
-                <a:ea typeface="+mn-ea"/>
-                <a:cs typeface="+mn-cs"/>
-              </a:defRPr>
-            </a:lvl9pPr>
-          </a:lstStyle>
-          <a:p>
-            <a:r>
-              <a:rPr lang="en-US" dirty="0"/>
-              <a:t>Introduction to federated learning and data privacy concerns in audio tasks.</a:t>
-            </a:r>
-          </a:p>
-          <a:p>
-            <a:r>
-              <a:rPr lang="en-US" dirty="0"/>
-              <a:t>Overview of existing FL benchmarks and their limitations.</a:t>
-            </a:r>
-          </a:p>
-          <a:p>
-            <a:r>
-              <a:rPr lang="en-US" dirty="0"/>
-              <a:t>Introduction of </a:t>
-            </a:r>
-            <a:r>
-              <a:rPr lang="en-US" dirty="0" err="1"/>
-              <a:t>FedAudio</a:t>
-            </a:r>
-            <a:r>
-              <a:rPr lang="en-US" dirty="0"/>
-              <a:t> as a benchmark for audio tasks with unique features.</a:t>
-            </a:r>
-          </a:p>
-          <a:p>
-            <a:r>
-              <a:rPr lang="en-US" dirty="0"/>
-              <a:t>Description of </a:t>
-            </a:r>
-            <a:r>
-              <a:rPr lang="en-US" dirty="0" err="1"/>
-              <a:t>FedAudio</a:t>
-            </a:r>
-            <a:r>
-              <a:rPr lang="en-US" dirty="0"/>
-              <a:t> datasets and their alignment with FL.</a:t>
-            </a:r>
-          </a:p>
-          <a:p>
-            <a:r>
-              <a:rPr lang="en-US" dirty="0"/>
-              <a:t>The inclusion of data noises and label errors for real-world scenario emulation.</a:t>
-            </a:r>
-          </a:p>
-        </p:txBody>
-      </p:sp>
-    </p:spTree>
-    <p:extLst>
-      <p:ext uri="{BB962C8B-B14F-4D97-AF65-F5344CB8AC3E}">
-        <p14:creationId xmlns:p14="http://schemas.microsoft.com/office/powerpoint/2010/main" val="643842168"/>
-      </p:ext>
-    </p:extLst>
-  </p:cSld>
-  <p:clrMapOvr>
-    <a:masterClrMapping/>
-  </p:clrMapOvr>
-</p:sld>
-</file>
-
-<file path=ppt/slides/slide3.xml><?xml version="1.0" encoding="utf-8"?>
-<p:sld xmlns:a="http://schemas.openxmlformats.org/drawingml/2006/main" xmlns:r="http://schemas.openxmlformats.org/officeDocument/2006/relationships" xmlns:p="http://schemas.openxmlformats.org/presentationml/2006/main">
-  <p:cSld>
-    <p:spTree>
-      <p:nvGrpSpPr>
-        <p:cNvPr id="1" name=""/>
-        <p:cNvGrpSpPr/>
-        <p:nvPr/>
-      </p:nvGrpSpPr>
-      <p:grpSpPr>
-        <a:xfrm>
-          <a:off x="0" y="0"/>
-          <a:ext cx="0" cy="0"/>
-          <a:chOff x="0" y="0"/>
-          <a:chExt cx="0" cy="0"/>
-        </a:xfrm>
-      </p:grpSpPr>
-      <p:sp>
-        <p:nvSpPr>
-          <p:cNvPr id="2" name="Title 1">
-            <a:extLst>
-              <a:ext uri="{FF2B5EF4-FFF2-40B4-BE49-F238E27FC236}">
-                <a16:creationId xmlns:a16="http://schemas.microsoft.com/office/drawing/2014/main" id="{8C122DF8-59D4-D94D-8ED9-F2F319899DBF}"/>
-              </a:ext>
-            </a:extLst>
-          </p:cNvPr>
-          <p:cNvSpPr>
-            <a:spLocks noGrp="1"/>
-          </p:cNvSpPr>
-          <p:nvPr>
-            <p:ph type="title"/>
-          </p:nvPr>
-        </p:nvSpPr>
-        <p:spPr/>
-        <p:txBody>
-          <a:bodyPr/>
-          <a:lstStyle/>
-          <a:p>
-            <a:r>
-              <a:rPr lang="en-US" dirty="0"/>
-              <a:t>Introduction</a:t>
-            </a:r>
-          </a:p>
-        </p:txBody>
-      </p:sp>
-      <p:sp>
-        <p:nvSpPr>
-          <p:cNvPr id="5" name="Slide Number Placeholder 4">
-            <a:extLst>
-              <a:ext uri="{FF2B5EF4-FFF2-40B4-BE49-F238E27FC236}">
-                <a16:creationId xmlns:a16="http://schemas.microsoft.com/office/drawing/2014/main" id="{AB744071-0CE2-7746-9315-22EC28A0F462}"/>
-              </a:ext>
-            </a:extLst>
-          </p:cNvPr>
-          <p:cNvSpPr>
-            <a:spLocks noGrp="1"/>
-          </p:cNvSpPr>
-          <p:nvPr>
-            <p:ph type="sldNum" sz="quarter" idx="23"/>
-          </p:nvPr>
-        </p:nvSpPr>
-        <p:spPr>
-          <a:xfrm>
-            <a:off x="971550" y="6332220"/>
-            <a:ext cx="523240" cy="247651"/>
-          </a:xfrm>
-        </p:spPr>
-        <p:txBody>
-          <a:bodyPr/>
-          <a:lstStyle/>
-          <a:p>
-            <a:fld id="{294A09A9-5501-47C1-A89A-A340965A2BE2}" type="slidenum">
-              <a:rPr lang="en-US" smtClean="0"/>
-              <a:pPr/>
-              <a:t>3</a:t>
-            </a:fld>
-            <a:endParaRPr lang="en-US" dirty="0"/>
-          </a:p>
-        </p:txBody>
-      </p:sp>
-      <p:sp>
-        <p:nvSpPr>
-          <p:cNvPr id="26" name="Content Placeholder 4">
-            <a:extLst>
-              <a:ext uri="{FF2B5EF4-FFF2-40B4-BE49-F238E27FC236}">
-                <a16:creationId xmlns:a16="http://schemas.microsoft.com/office/drawing/2014/main" id="{64E8F6B0-1B5B-57F7-0463-A7ACA7B11EE9}"/>
-              </a:ext>
-            </a:extLst>
-          </p:cNvPr>
-          <p:cNvSpPr txBox="1">
-            <a:spLocks/>
-          </p:cNvSpPr>
-          <p:nvPr/>
-        </p:nvSpPr>
-        <p:spPr>
-          <a:xfrm>
-            <a:off x="843253" y="2286113"/>
-            <a:ext cx="10690264" cy="3622981"/>
-          </a:xfrm>
-          <a:prstGeom prst="rect">
-            <a:avLst/>
-          </a:prstGeom>
-        </p:spPr>
-        <p:txBody>
-          <a:bodyPr/>
-          <a:lstStyle>
-            <a:lvl1pPr marL="228600" indent="-228600" algn="l" defTabSz="914400" rtl="0" eaLnBrk="1" latinLnBrk="0" hangingPunct="1">
-              <a:lnSpc>
-                <a:spcPct val="90000"/>
-              </a:lnSpc>
-              <a:spcBef>
-                <a:spcPts val="1000"/>
-              </a:spcBef>
-              <a:buFont typeface="Arial" panose="020B0604020202020204" pitchFamily="34" charset="0"/>
-              <a:buChar char="•"/>
-              <a:defRPr sz="2800" b="0" i="0" kern="1200">
-                <a:solidFill>
-                  <a:schemeClr val="bg1"/>
-                </a:solidFill>
-                <a:latin typeface="+mn-lt"/>
-                <a:ea typeface="+mn-ea"/>
-                <a:cs typeface="+mn-cs"/>
-              </a:defRPr>
-            </a:lvl1pPr>
-            <a:lvl2pPr marL="685800" indent="-228600" algn="l" defTabSz="914400" rtl="0" eaLnBrk="1" latinLnBrk="0" hangingPunct="1">
-              <a:lnSpc>
-                <a:spcPct val="90000"/>
-              </a:lnSpc>
-              <a:spcBef>
-                <a:spcPts val="500"/>
-              </a:spcBef>
-              <a:buFont typeface="Arial" panose="020B0604020202020204" pitchFamily="34" charset="0"/>
-              <a:buChar char="•"/>
-              <a:defRPr sz="2400" b="0" i="0" kern="1200">
-                <a:solidFill>
-                  <a:schemeClr val="bg1"/>
-                </a:solidFill>
-                <a:latin typeface="+mn-lt"/>
-                <a:ea typeface="+mn-ea"/>
-                <a:cs typeface="+mn-cs"/>
-              </a:defRPr>
-            </a:lvl2pPr>
-            <a:lvl3pPr marL="1143000" indent="-228600" algn="l" defTabSz="914400" rtl="0" eaLnBrk="1" latinLnBrk="0" hangingPunct="1">
-              <a:lnSpc>
-                <a:spcPct val="90000"/>
-              </a:lnSpc>
-              <a:spcBef>
-                <a:spcPts val="500"/>
-              </a:spcBef>
-              <a:buFont typeface="Arial" panose="020B0604020202020204" pitchFamily="34" charset="0"/>
-              <a:buChar char="•"/>
-              <a:defRPr sz="2000" b="0" i="0" kern="1200">
-                <a:solidFill>
-                  <a:schemeClr val="bg1"/>
-                </a:solidFill>
-                <a:latin typeface="+mn-lt"/>
-                <a:ea typeface="+mn-ea"/>
-                <a:cs typeface="+mn-cs"/>
-              </a:defRPr>
-            </a:lvl3pPr>
-            <a:lvl4pPr marL="1600200" indent="-228600" algn="l" defTabSz="914400" rtl="0" eaLnBrk="1" latinLnBrk="0" hangingPunct="1">
-              <a:lnSpc>
-                <a:spcPct val="90000"/>
-              </a:lnSpc>
-              <a:spcBef>
-                <a:spcPts val="500"/>
-              </a:spcBef>
-              <a:buFont typeface="Arial" panose="020B0604020202020204" pitchFamily="34" charset="0"/>
-              <a:buChar char="•"/>
-              <a:defRPr sz="1800" b="0" i="0" kern="1200">
-                <a:solidFill>
-                  <a:schemeClr val="bg1"/>
-                </a:solidFill>
-                <a:latin typeface="+mn-lt"/>
-                <a:ea typeface="+mn-ea"/>
-                <a:cs typeface="+mn-cs"/>
-              </a:defRPr>
-            </a:lvl4pPr>
-            <a:lvl5pPr marL="2057400" indent="-228600" algn="l" defTabSz="914400" rtl="0" eaLnBrk="1" latinLnBrk="0" hangingPunct="1">
-              <a:lnSpc>
-                <a:spcPct val="90000"/>
-              </a:lnSpc>
-              <a:spcBef>
-                <a:spcPts val="500"/>
-              </a:spcBef>
-              <a:buFont typeface="Arial" panose="020B0604020202020204" pitchFamily="34" charset="0"/>
-              <a:buChar char="•"/>
-              <a:defRPr sz="1800" b="0" i="0" kern="1200">
-                <a:solidFill>
-                  <a:schemeClr val="bg1"/>
-                </a:solidFill>
-                <a:latin typeface="+mn-lt"/>
-                <a:ea typeface="+mn-ea"/>
-                <a:cs typeface="+mn-cs"/>
-              </a:defRPr>
-            </a:lvl5pPr>
-            <a:lvl6pPr marL="2514600" indent="-228600" algn="l" defTabSz="914400" rtl="0" eaLnBrk="1" latinLnBrk="0" hangingPunct="1">
-              <a:lnSpc>
-                <a:spcPct val="90000"/>
-              </a:lnSpc>
-              <a:spcBef>
-                <a:spcPts val="500"/>
-              </a:spcBef>
-              <a:buFont typeface="Arial" panose="020B0604020202020204" pitchFamily="34" charset="0"/>
-              <a:buChar char="•"/>
-              <a:defRPr sz="1800" kern="1200">
-                <a:solidFill>
-                  <a:schemeClr val="tx1"/>
-                </a:solidFill>
-                <a:latin typeface="+mn-lt"/>
-                <a:ea typeface="+mn-ea"/>
-                <a:cs typeface="+mn-cs"/>
-              </a:defRPr>
-            </a:lvl6pPr>
-            <a:lvl7pPr marL="2971800" indent="-228600" algn="l" defTabSz="914400" rtl="0" eaLnBrk="1" latinLnBrk="0" hangingPunct="1">
-              <a:lnSpc>
-                <a:spcPct val="90000"/>
-              </a:lnSpc>
-              <a:spcBef>
-                <a:spcPts val="500"/>
-              </a:spcBef>
-              <a:buFont typeface="Arial" panose="020B0604020202020204" pitchFamily="34" charset="0"/>
-              <a:buChar char="•"/>
-              <a:defRPr sz="1800" kern="1200">
-                <a:solidFill>
-                  <a:schemeClr val="tx1"/>
-                </a:solidFill>
-                <a:latin typeface="+mn-lt"/>
-                <a:ea typeface="+mn-ea"/>
-                <a:cs typeface="+mn-cs"/>
-              </a:defRPr>
-            </a:lvl7pPr>
-            <a:lvl8pPr marL="3429000" indent="-228600" algn="l" defTabSz="914400" rtl="0" eaLnBrk="1" latinLnBrk="0" hangingPunct="1">
-              <a:lnSpc>
-                <a:spcPct val="90000"/>
-              </a:lnSpc>
-              <a:spcBef>
-                <a:spcPts val="500"/>
-              </a:spcBef>
-              <a:buFont typeface="Arial" panose="020B0604020202020204" pitchFamily="34" charset="0"/>
-              <a:buChar char="•"/>
-              <a:defRPr sz="1800" kern="1200">
-                <a:solidFill>
-                  <a:schemeClr val="tx1"/>
-                </a:solidFill>
-                <a:latin typeface="+mn-lt"/>
-                <a:ea typeface="+mn-ea"/>
-                <a:cs typeface="+mn-cs"/>
-              </a:defRPr>
-            </a:lvl8pPr>
-            <a:lvl9pPr marL="3886200" indent="-228600" algn="l" defTabSz="914400" rtl="0" eaLnBrk="1" latinLnBrk="0" hangingPunct="1">
-              <a:lnSpc>
-                <a:spcPct val="90000"/>
-              </a:lnSpc>
-              <a:spcBef>
-                <a:spcPts val="500"/>
-              </a:spcBef>
-              <a:buFont typeface="Arial" panose="020B0604020202020204" pitchFamily="34" charset="0"/>
-              <a:buChar char="•"/>
-              <a:defRPr sz="1800" kern="1200">
-                <a:solidFill>
-                  <a:schemeClr val="tx1"/>
-                </a:solidFill>
-                <a:latin typeface="+mn-lt"/>
-                <a:ea typeface="+mn-ea"/>
-                <a:cs typeface="+mn-cs"/>
-              </a:defRPr>
-            </a:lvl9pPr>
-          </a:lstStyle>
-          <a:p>
-            <a:r>
-              <a:rPr lang="en-US" dirty="0"/>
-              <a:t>Data privacy challenges in handling personal audio data.</a:t>
-            </a:r>
-          </a:p>
-          <a:p>
-            <a:r>
-              <a:rPr lang="en-US" dirty="0"/>
-              <a:t>Emergence of federated learning as a privacy-preserving solution.</a:t>
-            </a:r>
-          </a:p>
-          <a:p>
-            <a:r>
-              <a:rPr lang="en-US" dirty="0"/>
-              <a:t>Overview of existing FL benchmarks and their coverage.</a:t>
-            </a:r>
-          </a:p>
-          <a:p>
-            <a:r>
-              <a:rPr lang="en-US" dirty="0"/>
-              <a:t>The motivation behind </a:t>
-            </a:r>
-            <a:r>
-              <a:rPr lang="en-US" dirty="0" err="1"/>
-              <a:t>FedAudio</a:t>
-            </a:r>
-            <a:r>
-              <a:rPr lang="en-US" dirty="0"/>
-              <a:t> to address the gap in audio-related tasks.</a:t>
-            </a:r>
-          </a:p>
-          <a:p>
-            <a:r>
-              <a:rPr lang="en-US" dirty="0"/>
-              <a:t>Brief comparison of </a:t>
-            </a:r>
-            <a:r>
-              <a:rPr lang="en-US" dirty="0" err="1"/>
-              <a:t>FedAudio</a:t>
-            </a:r>
-            <a:r>
-              <a:rPr lang="en-US" dirty="0"/>
-              <a:t> with other FL benchmarks.</a:t>
-            </a:r>
-          </a:p>
-        </p:txBody>
-      </p:sp>
-    </p:spTree>
-    <p:extLst>
-      <p:ext uri="{BB962C8B-B14F-4D97-AF65-F5344CB8AC3E}">
-        <p14:creationId xmlns:p14="http://schemas.microsoft.com/office/powerpoint/2010/main" val="1788111566"/>
-      </p:ext>
-    </p:extLst>
-  </p:cSld>
-  <p:clrMapOvr>
-    <a:masterClrMapping/>
-  </p:clrMapOvr>
-</p:sld>
-</file>
-
-<file path=ppt/slides/slide4.xml><?xml version="1.0" encoding="utf-8"?>
-<p:sld xmlns:a="http://schemas.openxmlformats.org/drawingml/2006/main" xmlns:r="http://schemas.openxmlformats.org/officeDocument/2006/relationships" xmlns:p="http://schemas.openxmlformats.org/presentationml/2006/main">
-  <p:cSld>
-    <p:spTree>
-      <p:nvGrpSpPr>
-        <p:cNvPr id="1" name=""/>
-        <p:cNvGrpSpPr/>
-        <p:nvPr/>
-      </p:nvGrpSpPr>
-      <p:grpSpPr>
-        <a:xfrm>
-          <a:off x="0" y="0"/>
-          <a:ext cx="0" cy="0"/>
-          <a:chOff x="0" y="0"/>
-          <a:chExt cx="0" cy="0"/>
-        </a:xfrm>
-      </p:grpSpPr>
-      <p:sp>
-        <p:nvSpPr>
-          <p:cNvPr id="2" name="Title 1">
-            <a:extLst>
-              <a:ext uri="{FF2B5EF4-FFF2-40B4-BE49-F238E27FC236}">
-                <a16:creationId xmlns:a16="http://schemas.microsoft.com/office/drawing/2014/main" id="{8C122DF8-59D4-D94D-8ED9-F2F319899DBF}"/>
-              </a:ext>
-            </a:extLst>
-          </p:cNvPr>
-          <p:cNvSpPr>
-            <a:spLocks noGrp="1"/>
-          </p:cNvSpPr>
-          <p:nvPr>
-            <p:ph type="title"/>
-          </p:nvPr>
-        </p:nvSpPr>
-        <p:spPr/>
-        <p:txBody>
-          <a:bodyPr/>
-          <a:lstStyle/>
-          <a:p>
-            <a:r>
-              <a:rPr lang="en-US" dirty="0" err="1"/>
-              <a:t>FedAudio</a:t>
-            </a:r>
-            <a:r>
-              <a:rPr lang="en-US" dirty="0"/>
-              <a:t> Design</a:t>
-            </a:r>
-          </a:p>
-        </p:txBody>
-      </p:sp>
-      <p:sp>
-        <p:nvSpPr>
-          <p:cNvPr id="5" name="Slide Number Placeholder 4">
-            <a:extLst>
-              <a:ext uri="{FF2B5EF4-FFF2-40B4-BE49-F238E27FC236}">
-                <a16:creationId xmlns:a16="http://schemas.microsoft.com/office/drawing/2014/main" id="{AB744071-0CE2-7746-9315-22EC28A0F462}"/>
-              </a:ext>
-            </a:extLst>
-          </p:cNvPr>
-          <p:cNvSpPr>
-            <a:spLocks noGrp="1"/>
-          </p:cNvSpPr>
-          <p:nvPr>
-            <p:ph type="sldNum" sz="quarter" idx="23"/>
-          </p:nvPr>
-        </p:nvSpPr>
-        <p:spPr>
-          <a:xfrm>
-            <a:off x="971550" y="6332220"/>
-            <a:ext cx="523240" cy="247651"/>
-          </a:xfrm>
-        </p:spPr>
-        <p:txBody>
-          <a:bodyPr/>
-          <a:lstStyle/>
-          <a:p>
-            <a:fld id="{294A09A9-5501-47C1-A89A-A340965A2BE2}" type="slidenum">
-              <a:rPr lang="en-US" smtClean="0"/>
-              <a:pPr/>
-              <a:t>4</a:t>
-            </a:fld>
-            <a:endParaRPr lang="en-US" dirty="0"/>
-          </a:p>
-        </p:txBody>
-      </p:sp>
-      <p:sp>
-        <p:nvSpPr>
-          <p:cNvPr id="26" name="Content Placeholder 4">
-            <a:extLst>
-              <a:ext uri="{FF2B5EF4-FFF2-40B4-BE49-F238E27FC236}">
-                <a16:creationId xmlns:a16="http://schemas.microsoft.com/office/drawing/2014/main" id="{64E8F6B0-1B5B-57F7-0463-A7ACA7B11EE9}"/>
-              </a:ext>
-            </a:extLst>
-          </p:cNvPr>
-          <p:cNvSpPr txBox="1">
-            <a:spLocks/>
-          </p:cNvSpPr>
-          <p:nvPr/>
-        </p:nvSpPr>
-        <p:spPr>
-          <a:xfrm>
-            <a:off x="843253" y="2286113"/>
-            <a:ext cx="10690264" cy="3622981"/>
-          </a:xfrm>
-          <a:prstGeom prst="rect">
-            <a:avLst/>
-          </a:prstGeom>
-        </p:spPr>
-        <p:txBody>
-          <a:bodyPr/>
-          <a:lstStyle>
-            <a:lvl1pPr marL="228600" indent="-228600" algn="l" defTabSz="914400" rtl="0" eaLnBrk="1" latinLnBrk="0" hangingPunct="1">
-              <a:lnSpc>
-                <a:spcPct val="90000"/>
-              </a:lnSpc>
-              <a:spcBef>
-                <a:spcPts val="1000"/>
-              </a:spcBef>
-              <a:buFont typeface="Arial" panose="020B0604020202020204" pitchFamily="34" charset="0"/>
-              <a:buChar char="•"/>
-              <a:defRPr sz="2800" b="0" i="0" kern="1200">
-                <a:solidFill>
-                  <a:schemeClr val="bg1"/>
-                </a:solidFill>
-                <a:latin typeface="+mn-lt"/>
-                <a:ea typeface="+mn-ea"/>
-                <a:cs typeface="+mn-cs"/>
-              </a:defRPr>
-            </a:lvl1pPr>
-            <a:lvl2pPr marL="685800" indent="-228600" algn="l" defTabSz="914400" rtl="0" eaLnBrk="1" latinLnBrk="0" hangingPunct="1">
-              <a:lnSpc>
-                <a:spcPct val="90000"/>
-              </a:lnSpc>
-              <a:spcBef>
-                <a:spcPts val="500"/>
-              </a:spcBef>
-              <a:buFont typeface="Arial" panose="020B0604020202020204" pitchFamily="34" charset="0"/>
-              <a:buChar char="•"/>
-              <a:defRPr sz="2400" b="0" i="0" kern="1200">
-                <a:solidFill>
-                  <a:schemeClr val="bg1"/>
-                </a:solidFill>
-                <a:latin typeface="+mn-lt"/>
-                <a:ea typeface="+mn-ea"/>
-                <a:cs typeface="+mn-cs"/>
-              </a:defRPr>
-            </a:lvl2pPr>
-            <a:lvl3pPr marL="1143000" indent="-228600" algn="l" defTabSz="914400" rtl="0" eaLnBrk="1" latinLnBrk="0" hangingPunct="1">
-              <a:lnSpc>
-                <a:spcPct val="90000"/>
-              </a:lnSpc>
-              <a:spcBef>
-                <a:spcPts val="500"/>
-              </a:spcBef>
-              <a:buFont typeface="Arial" panose="020B0604020202020204" pitchFamily="34" charset="0"/>
-              <a:buChar char="•"/>
-              <a:defRPr sz="2000" b="0" i="0" kern="1200">
-                <a:solidFill>
-                  <a:schemeClr val="bg1"/>
-                </a:solidFill>
-                <a:latin typeface="+mn-lt"/>
-                <a:ea typeface="+mn-ea"/>
-                <a:cs typeface="+mn-cs"/>
-              </a:defRPr>
-            </a:lvl3pPr>
-            <a:lvl4pPr marL="1600200" indent="-228600" algn="l" defTabSz="914400" rtl="0" eaLnBrk="1" latinLnBrk="0" hangingPunct="1">
-              <a:lnSpc>
-                <a:spcPct val="90000"/>
-              </a:lnSpc>
-              <a:spcBef>
-                <a:spcPts val="500"/>
-              </a:spcBef>
-              <a:buFont typeface="Arial" panose="020B0604020202020204" pitchFamily="34" charset="0"/>
-              <a:buChar char="•"/>
-              <a:defRPr sz="1800" b="0" i="0" kern="1200">
-                <a:solidFill>
-                  <a:schemeClr val="bg1"/>
-                </a:solidFill>
-                <a:latin typeface="+mn-lt"/>
-                <a:ea typeface="+mn-ea"/>
-                <a:cs typeface="+mn-cs"/>
-              </a:defRPr>
-            </a:lvl4pPr>
-            <a:lvl5pPr marL="2057400" indent="-228600" algn="l" defTabSz="914400" rtl="0" eaLnBrk="1" latinLnBrk="0" hangingPunct="1">
-              <a:lnSpc>
-                <a:spcPct val="90000"/>
-              </a:lnSpc>
-              <a:spcBef>
-                <a:spcPts val="500"/>
-              </a:spcBef>
-              <a:buFont typeface="Arial" panose="020B0604020202020204" pitchFamily="34" charset="0"/>
-              <a:buChar char="•"/>
-              <a:defRPr sz="1800" b="0" i="0" kern="1200">
-                <a:solidFill>
-                  <a:schemeClr val="bg1"/>
-                </a:solidFill>
-                <a:latin typeface="+mn-lt"/>
-                <a:ea typeface="+mn-ea"/>
-                <a:cs typeface="+mn-cs"/>
-              </a:defRPr>
-            </a:lvl5pPr>
-            <a:lvl6pPr marL="2514600" indent="-228600" algn="l" defTabSz="914400" rtl="0" eaLnBrk="1" latinLnBrk="0" hangingPunct="1">
-              <a:lnSpc>
-                <a:spcPct val="90000"/>
-              </a:lnSpc>
-              <a:spcBef>
-                <a:spcPts val="500"/>
-              </a:spcBef>
-              <a:buFont typeface="Arial" panose="020B0604020202020204" pitchFamily="34" charset="0"/>
-              <a:buChar char="•"/>
-              <a:defRPr sz="1800" kern="1200">
-                <a:solidFill>
-                  <a:schemeClr val="tx1"/>
-                </a:solidFill>
-                <a:latin typeface="+mn-lt"/>
-                <a:ea typeface="+mn-ea"/>
-                <a:cs typeface="+mn-cs"/>
-              </a:defRPr>
-            </a:lvl6pPr>
-            <a:lvl7pPr marL="2971800" indent="-228600" algn="l" defTabSz="914400" rtl="0" eaLnBrk="1" latinLnBrk="0" hangingPunct="1">
-              <a:lnSpc>
-                <a:spcPct val="90000"/>
-              </a:lnSpc>
-              <a:spcBef>
-                <a:spcPts val="500"/>
-              </a:spcBef>
-              <a:buFont typeface="Arial" panose="020B0604020202020204" pitchFamily="34" charset="0"/>
-              <a:buChar char="•"/>
-              <a:defRPr sz="1800" kern="1200">
-                <a:solidFill>
-                  <a:schemeClr val="tx1"/>
-                </a:solidFill>
-                <a:latin typeface="+mn-lt"/>
-                <a:ea typeface="+mn-ea"/>
-                <a:cs typeface="+mn-cs"/>
-              </a:defRPr>
-            </a:lvl7pPr>
-            <a:lvl8pPr marL="3429000" indent="-228600" algn="l" defTabSz="914400" rtl="0" eaLnBrk="1" latinLnBrk="0" hangingPunct="1">
-              <a:lnSpc>
-                <a:spcPct val="90000"/>
-              </a:lnSpc>
-              <a:spcBef>
-                <a:spcPts val="500"/>
-              </a:spcBef>
-              <a:buFont typeface="Arial" panose="020B0604020202020204" pitchFamily="34" charset="0"/>
-              <a:buChar char="•"/>
-              <a:defRPr sz="1800" kern="1200">
-                <a:solidFill>
-                  <a:schemeClr val="tx1"/>
-                </a:solidFill>
-                <a:latin typeface="+mn-lt"/>
-                <a:ea typeface="+mn-ea"/>
-                <a:cs typeface="+mn-cs"/>
-              </a:defRPr>
-            </a:lvl8pPr>
-            <a:lvl9pPr marL="3886200" indent="-228600" algn="l" defTabSz="914400" rtl="0" eaLnBrk="1" latinLnBrk="0" hangingPunct="1">
-              <a:lnSpc>
-                <a:spcPct val="90000"/>
-              </a:lnSpc>
-              <a:spcBef>
-                <a:spcPts val="500"/>
-              </a:spcBef>
-              <a:buFont typeface="Arial" panose="020B0604020202020204" pitchFamily="34" charset="0"/>
-              <a:buChar char="•"/>
-              <a:defRPr sz="1800" kern="1200">
-                <a:solidFill>
-                  <a:schemeClr val="tx1"/>
-                </a:solidFill>
-                <a:latin typeface="+mn-lt"/>
-                <a:ea typeface="+mn-ea"/>
-                <a:cs typeface="+mn-cs"/>
-              </a:defRPr>
-            </a:lvl9pPr>
-          </a:lstStyle>
-          <a:p>
-            <a:r>
-              <a:rPr lang="en-US" dirty="0"/>
-              <a:t>Selection of four audio datasets for keyword spotting, emotion recognition, and sound event classification.</a:t>
-            </a:r>
-          </a:p>
-          <a:p>
-            <a:r>
-              <a:rPr lang="en-US" dirty="0"/>
-              <a:t>Non-IID distribution of datasets based on speaker or actor ID.</a:t>
-            </a:r>
-          </a:p>
-          <a:p>
-            <a:r>
-              <a:rPr lang="en-US" dirty="0"/>
-              <a:t>Introduction of data noises and label errors for real-world scenario emulation.</a:t>
-            </a:r>
-          </a:p>
-          <a:p>
-            <a:r>
-              <a:rPr lang="en-US" dirty="0"/>
-              <a:t>Unique contribution of </a:t>
-            </a:r>
-            <a:r>
-              <a:rPr lang="en-US" dirty="0" err="1"/>
-              <a:t>FedAudio</a:t>
-            </a:r>
-            <a:r>
-              <a:rPr lang="en-US" dirty="0"/>
-              <a:t> compared to existing FL benchmarks.</a:t>
-            </a:r>
-          </a:p>
-          <a:p>
-            <a:r>
-              <a:rPr lang="en-US" dirty="0"/>
-              <a:t>Creation of a </a:t>
-            </a:r>
-            <a:r>
-              <a:rPr lang="en-US" dirty="0" err="1"/>
-              <a:t>PyTorch</a:t>
-            </a:r>
-            <a:r>
-              <a:rPr lang="en-US" dirty="0"/>
-              <a:t> library to facilitate fair algorithm comparison.</a:t>
-            </a:r>
-          </a:p>
-        </p:txBody>
-      </p:sp>
-    </p:spTree>
-    <p:extLst>
-      <p:ext uri="{BB962C8B-B14F-4D97-AF65-F5344CB8AC3E}">
-        <p14:creationId xmlns:p14="http://schemas.microsoft.com/office/powerpoint/2010/main" val="890144056"/>
-      </p:ext>
-    </p:extLst>
-  </p:cSld>
-  <p:clrMapOvr>
-    <a:masterClrMapping/>
-  </p:clrMapOvr>
-</p:sld>
-</file>
-
-<file path=ppt/slides/slide5.xml><?xml version="1.0" encoding="utf-8"?>
-<p:sld xmlns:a="http://schemas.openxmlformats.org/drawingml/2006/main" xmlns:r="http://schemas.openxmlformats.org/officeDocument/2006/relationships" xmlns:p="http://schemas.openxmlformats.org/presentationml/2006/main">
-  <p:cSld>
-    <p:spTree>
-      <p:nvGrpSpPr>
-        <p:cNvPr id="1" name=""/>
-        <p:cNvGrpSpPr/>
-        <p:nvPr/>
-      </p:nvGrpSpPr>
-      <p:grpSpPr>
-        <a:xfrm>
-          <a:off x="0" y="0"/>
-          <a:ext cx="0" cy="0"/>
-          <a:chOff x="0" y="0"/>
-          <a:chExt cx="0" cy="0"/>
-        </a:xfrm>
-      </p:grpSpPr>
-      <p:sp>
-        <p:nvSpPr>
-          <p:cNvPr id="2" name="Title 1">
-            <a:extLst>
-              <a:ext uri="{FF2B5EF4-FFF2-40B4-BE49-F238E27FC236}">
-                <a16:creationId xmlns:a16="http://schemas.microsoft.com/office/drawing/2014/main" id="{8C122DF8-59D4-D94D-8ED9-F2F319899DBF}"/>
-              </a:ext>
-            </a:extLst>
-          </p:cNvPr>
-          <p:cNvSpPr>
-            <a:spLocks noGrp="1"/>
-          </p:cNvSpPr>
-          <p:nvPr>
-            <p:ph type="title"/>
-          </p:nvPr>
-        </p:nvSpPr>
-        <p:spPr>
-          <a:xfrm>
-            <a:off x="964023" y="879063"/>
-            <a:ext cx="9120256" cy="610863"/>
-          </a:xfrm>
-        </p:spPr>
-        <p:txBody>
-          <a:bodyPr>
-            <a:normAutofit fontScale="90000"/>
-          </a:bodyPr>
-          <a:lstStyle/>
-          <a:p>
-            <a:r>
-              <a:rPr lang="en-US" dirty="0"/>
-              <a:t>Motivation and Design Considerations</a:t>
-            </a:r>
-          </a:p>
-        </p:txBody>
-      </p:sp>
-      <p:sp>
-        <p:nvSpPr>
-          <p:cNvPr id="5" name="Slide Number Placeholder 4">
-            <a:extLst>
-              <a:ext uri="{FF2B5EF4-FFF2-40B4-BE49-F238E27FC236}">
-                <a16:creationId xmlns:a16="http://schemas.microsoft.com/office/drawing/2014/main" id="{AB744071-0CE2-7746-9315-22EC28A0F462}"/>
-              </a:ext>
-            </a:extLst>
-          </p:cNvPr>
-          <p:cNvSpPr>
-            <a:spLocks noGrp="1"/>
-          </p:cNvSpPr>
-          <p:nvPr>
-            <p:ph type="sldNum" sz="quarter" idx="23"/>
-          </p:nvPr>
-        </p:nvSpPr>
-        <p:spPr>
-          <a:xfrm>
-            <a:off x="971550" y="6332220"/>
-            <a:ext cx="523240" cy="247651"/>
-          </a:xfrm>
-        </p:spPr>
-        <p:txBody>
-          <a:bodyPr/>
-          <a:lstStyle/>
-          <a:p>
-            <a:fld id="{294A09A9-5501-47C1-A89A-A340965A2BE2}" type="slidenum">
-              <a:rPr lang="en-US" smtClean="0"/>
-              <a:pPr/>
-              <a:t>5</a:t>
-            </a:fld>
-            <a:endParaRPr lang="en-US" dirty="0"/>
-          </a:p>
-        </p:txBody>
-      </p:sp>
-      <p:sp>
-        <p:nvSpPr>
-          <p:cNvPr id="26" name="Content Placeholder 4">
-            <a:extLst>
-              <a:ext uri="{FF2B5EF4-FFF2-40B4-BE49-F238E27FC236}">
-                <a16:creationId xmlns:a16="http://schemas.microsoft.com/office/drawing/2014/main" id="{64E8F6B0-1B5B-57F7-0463-A7ACA7B11EE9}"/>
-              </a:ext>
-            </a:extLst>
-          </p:cNvPr>
-          <p:cNvSpPr txBox="1">
-            <a:spLocks/>
-          </p:cNvSpPr>
-          <p:nvPr/>
-        </p:nvSpPr>
-        <p:spPr>
-          <a:xfrm>
-            <a:off x="843253" y="2286113"/>
-            <a:ext cx="10690264" cy="3622981"/>
-          </a:xfrm>
-          <a:prstGeom prst="rect">
-            <a:avLst/>
-          </a:prstGeom>
-        </p:spPr>
-        <p:txBody>
-          <a:bodyPr/>
-          <a:lstStyle>
-            <a:lvl1pPr marL="228600" indent="-228600" algn="l" defTabSz="914400" rtl="0" eaLnBrk="1" latinLnBrk="0" hangingPunct="1">
-              <a:lnSpc>
-                <a:spcPct val="90000"/>
-              </a:lnSpc>
-              <a:spcBef>
-                <a:spcPts val="1000"/>
-              </a:spcBef>
-              <a:buFont typeface="Arial" panose="020B0604020202020204" pitchFamily="34" charset="0"/>
-              <a:buChar char="•"/>
-              <a:defRPr sz="2800" b="0" i="0" kern="1200">
-                <a:solidFill>
-                  <a:schemeClr val="bg1"/>
-                </a:solidFill>
-                <a:latin typeface="+mn-lt"/>
-                <a:ea typeface="+mn-ea"/>
-                <a:cs typeface="+mn-cs"/>
-              </a:defRPr>
-            </a:lvl1pPr>
-            <a:lvl2pPr marL="685800" indent="-228600" algn="l" defTabSz="914400" rtl="0" eaLnBrk="1" latinLnBrk="0" hangingPunct="1">
-              <a:lnSpc>
-                <a:spcPct val="90000"/>
-              </a:lnSpc>
-              <a:spcBef>
-                <a:spcPts val="500"/>
-              </a:spcBef>
-              <a:buFont typeface="Arial" panose="020B0604020202020204" pitchFamily="34" charset="0"/>
-              <a:buChar char="•"/>
-              <a:defRPr sz="2400" b="0" i="0" kern="1200">
-                <a:solidFill>
-                  <a:schemeClr val="bg1"/>
-                </a:solidFill>
-                <a:latin typeface="+mn-lt"/>
-                <a:ea typeface="+mn-ea"/>
-                <a:cs typeface="+mn-cs"/>
-              </a:defRPr>
-            </a:lvl2pPr>
-            <a:lvl3pPr marL="1143000" indent="-228600" algn="l" defTabSz="914400" rtl="0" eaLnBrk="1" latinLnBrk="0" hangingPunct="1">
-              <a:lnSpc>
-                <a:spcPct val="90000"/>
-              </a:lnSpc>
-              <a:spcBef>
-                <a:spcPts val="500"/>
-              </a:spcBef>
-              <a:buFont typeface="Arial" panose="020B0604020202020204" pitchFamily="34" charset="0"/>
-              <a:buChar char="•"/>
-              <a:defRPr sz="2000" b="0" i="0" kern="1200">
-                <a:solidFill>
-                  <a:schemeClr val="bg1"/>
-                </a:solidFill>
-                <a:latin typeface="+mn-lt"/>
-                <a:ea typeface="+mn-ea"/>
-                <a:cs typeface="+mn-cs"/>
-              </a:defRPr>
-            </a:lvl3pPr>
-            <a:lvl4pPr marL="1600200" indent="-228600" algn="l" defTabSz="914400" rtl="0" eaLnBrk="1" latinLnBrk="0" hangingPunct="1">
-              <a:lnSpc>
-                <a:spcPct val="90000"/>
-              </a:lnSpc>
-              <a:spcBef>
-                <a:spcPts val="500"/>
-              </a:spcBef>
-              <a:buFont typeface="Arial" panose="020B0604020202020204" pitchFamily="34" charset="0"/>
-              <a:buChar char="•"/>
-              <a:defRPr sz="1800" b="0" i="0" kern="1200">
-                <a:solidFill>
-                  <a:schemeClr val="bg1"/>
-                </a:solidFill>
-                <a:latin typeface="+mn-lt"/>
-                <a:ea typeface="+mn-ea"/>
-                <a:cs typeface="+mn-cs"/>
-              </a:defRPr>
-            </a:lvl4pPr>
-            <a:lvl5pPr marL="2057400" indent="-228600" algn="l" defTabSz="914400" rtl="0" eaLnBrk="1" latinLnBrk="0" hangingPunct="1">
-              <a:lnSpc>
-                <a:spcPct val="90000"/>
-              </a:lnSpc>
-              <a:spcBef>
-                <a:spcPts val="500"/>
-              </a:spcBef>
-              <a:buFont typeface="Arial" panose="020B0604020202020204" pitchFamily="34" charset="0"/>
-              <a:buChar char="•"/>
-              <a:defRPr sz="1800" b="0" i="0" kern="1200">
-                <a:solidFill>
-                  <a:schemeClr val="bg1"/>
-                </a:solidFill>
-                <a:latin typeface="+mn-lt"/>
-                <a:ea typeface="+mn-ea"/>
-                <a:cs typeface="+mn-cs"/>
-              </a:defRPr>
-            </a:lvl5pPr>
-            <a:lvl6pPr marL="2514600" indent="-228600" algn="l" defTabSz="914400" rtl="0" eaLnBrk="1" latinLnBrk="0" hangingPunct="1">
-              <a:lnSpc>
-                <a:spcPct val="90000"/>
-              </a:lnSpc>
-              <a:spcBef>
-                <a:spcPts val="500"/>
-              </a:spcBef>
-              <a:buFont typeface="Arial" panose="020B0604020202020204" pitchFamily="34" charset="0"/>
-              <a:buChar char="•"/>
-              <a:defRPr sz="1800" kern="1200">
-                <a:solidFill>
-                  <a:schemeClr val="tx1"/>
-                </a:solidFill>
-                <a:latin typeface="+mn-lt"/>
-                <a:ea typeface="+mn-ea"/>
-                <a:cs typeface="+mn-cs"/>
-              </a:defRPr>
-            </a:lvl6pPr>
-            <a:lvl7pPr marL="2971800" indent="-228600" algn="l" defTabSz="914400" rtl="0" eaLnBrk="1" latinLnBrk="0" hangingPunct="1">
-              <a:lnSpc>
-                <a:spcPct val="90000"/>
-              </a:lnSpc>
-              <a:spcBef>
-                <a:spcPts val="500"/>
-              </a:spcBef>
-              <a:buFont typeface="Arial" panose="020B0604020202020204" pitchFamily="34" charset="0"/>
-              <a:buChar char="•"/>
-              <a:defRPr sz="1800" kern="1200">
-                <a:solidFill>
-                  <a:schemeClr val="tx1"/>
-                </a:solidFill>
-                <a:latin typeface="+mn-lt"/>
-                <a:ea typeface="+mn-ea"/>
-                <a:cs typeface="+mn-cs"/>
-              </a:defRPr>
-            </a:lvl7pPr>
-            <a:lvl8pPr marL="3429000" indent="-228600" algn="l" defTabSz="914400" rtl="0" eaLnBrk="1" latinLnBrk="0" hangingPunct="1">
-              <a:lnSpc>
-                <a:spcPct val="90000"/>
-              </a:lnSpc>
-              <a:spcBef>
-                <a:spcPts val="500"/>
-              </a:spcBef>
-              <a:buFont typeface="Arial" panose="020B0604020202020204" pitchFamily="34" charset="0"/>
-              <a:buChar char="•"/>
-              <a:defRPr sz="1800" kern="1200">
-                <a:solidFill>
-                  <a:schemeClr val="tx1"/>
-                </a:solidFill>
-                <a:latin typeface="+mn-lt"/>
-                <a:ea typeface="+mn-ea"/>
-                <a:cs typeface="+mn-cs"/>
-              </a:defRPr>
-            </a:lvl8pPr>
-            <a:lvl9pPr marL="3886200" indent="-228600" algn="l" defTabSz="914400" rtl="0" eaLnBrk="1" latinLnBrk="0" hangingPunct="1">
-              <a:lnSpc>
-                <a:spcPct val="90000"/>
-              </a:lnSpc>
-              <a:spcBef>
-                <a:spcPts val="500"/>
-              </a:spcBef>
-              <a:buFont typeface="Arial" panose="020B0604020202020204" pitchFamily="34" charset="0"/>
-              <a:buChar char="•"/>
-              <a:defRPr sz="1800" kern="1200">
-                <a:solidFill>
-                  <a:schemeClr val="tx1"/>
-                </a:solidFill>
-                <a:latin typeface="+mn-lt"/>
-                <a:ea typeface="+mn-ea"/>
-                <a:cs typeface="+mn-cs"/>
-              </a:defRPr>
-            </a:lvl9pPr>
-          </a:lstStyle>
-          <a:p>
-            <a:r>
-              <a:rPr lang="en-US" dirty="0"/>
-              <a:t>Limited progress in FL research on audio-related tasks.</a:t>
-            </a:r>
-          </a:p>
-          <a:p>
-            <a:r>
-              <a:rPr lang="en-US" dirty="0"/>
-              <a:t>Challenges in comparing FL methods due to private datasets and varied experimental setups.</a:t>
-            </a:r>
-          </a:p>
-          <a:p>
-            <a:r>
-              <a:rPr lang="en-US" dirty="0"/>
-              <a:t>Design considerations for </a:t>
-            </a:r>
-            <a:r>
-              <a:rPr lang="en-US" dirty="0" err="1"/>
-              <a:t>FedAudio</a:t>
-            </a:r>
-            <a:r>
-              <a:rPr lang="en-US" dirty="0"/>
-              <a:t>, including representative and diversified datasets.</a:t>
-            </a:r>
-          </a:p>
-          <a:p>
-            <a:r>
-              <a:rPr lang="en-US" dirty="0"/>
-              <a:t>Emphasis on aligning audio tasks with FL use cases.</a:t>
-            </a:r>
-          </a:p>
-          <a:p>
-            <a:r>
-              <a:rPr lang="en-US" dirty="0"/>
-              <a:t>Benchmark designed to emulate real-world scenarios for robust FL algorithm development.</a:t>
-            </a:r>
-          </a:p>
-        </p:txBody>
-      </p:sp>
-    </p:spTree>
-    <p:extLst>
-      <p:ext uri="{BB962C8B-B14F-4D97-AF65-F5344CB8AC3E}">
-        <p14:creationId xmlns:p14="http://schemas.microsoft.com/office/powerpoint/2010/main" val="249640340"/>
-      </p:ext>
-    </p:extLst>
-  </p:cSld>
-  <p:clrMapOvr>
-    <a:masterClrMapping/>
-  </p:clrMapOvr>
-</p:sld>
-</file>
-
-<file path=ppt/slides/slide6.xml><?xml version="1.0" encoding="utf-8"?>
-<p:sld xmlns:a="http://schemas.openxmlformats.org/drawingml/2006/main" xmlns:r="http://schemas.openxmlformats.org/officeDocument/2006/relationships" xmlns:p="http://schemas.openxmlformats.org/presentationml/2006/main">
-  <p:cSld>
-    <p:spTree>
-      <p:nvGrpSpPr>
-        <p:cNvPr id="1" name=""/>
-        <p:cNvGrpSpPr/>
-        <p:nvPr/>
-      </p:nvGrpSpPr>
-      <p:grpSpPr>
-        <a:xfrm>
-          <a:off x="0" y="0"/>
-          <a:ext cx="0" cy="0"/>
-          <a:chOff x="0" y="0"/>
-          <a:chExt cx="0" cy="0"/>
-        </a:xfrm>
-      </p:grpSpPr>
-      <p:sp>
-        <p:nvSpPr>
-          <p:cNvPr id="2" name="Title 1">
-            <a:extLst>
-              <a:ext uri="{FF2B5EF4-FFF2-40B4-BE49-F238E27FC236}">
-                <a16:creationId xmlns:a16="http://schemas.microsoft.com/office/drawing/2014/main" id="{8C122DF8-59D4-D94D-8ED9-F2F319899DBF}"/>
-              </a:ext>
-            </a:extLst>
-          </p:cNvPr>
-          <p:cNvSpPr>
-            <a:spLocks noGrp="1"/>
-          </p:cNvSpPr>
-          <p:nvPr>
-            <p:ph type="title"/>
-          </p:nvPr>
-        </p:nvSpPr>
-        <p:spPr>
-          <a:xfrm>
-            <a:off x="964023" y="879063"/>
-            <a:ext cx="9120256" cy="610863"/>
-          </a:xfrm>
-        </p:spPr>
-        <p:txBody>
-          <a:bodyPr>
-            <a:normAutofit/>
-          </a:bodyPr>
-          <a:lstStyle/>
-          <a:p>
-            <a:r>
-              <a:rPr lang="en-US" dirty="0" err="1"/>
-              <a:t>FedAudio</a:t>
-            </a:r>
-            <a:r>
-              <a:rPr lang="en-US" dirty="0"/>
-              <a:t> Datasets</a:t>
-            </a:r>
-          </a:p>
-        </p:txBody>
-      </p:sp>
-      <p:sp>
-        <p:nvSpPr>
-          <p:cNvPr id="5" name="Slide Number Placeholder 4">
-            <a:extLst>
-              <a:ext uri="{FF2B5EF4-FFF2-40B4-BE49-F238E27FC236}">
-                <a16:creationId xmlns:a16="http://schemas.microsoft.com/office/drawing/2014/main" id="{AB744071-0CE2-7746-9315-22EC28A0F462}"/>
-              </a:ext>
-            </a:extLst>
-          </p:cNvPr>
-          <p:cNvSpPr>
-            <a:spLocks noGrp="1"/>
-          </p:cNvSpPr>
-          <p:nvPr>
-            <p:ph type="sldNum" sz="quarter" idx="23"/>
-          </p:nvPr>
-        </p:nvSpPr>
-        <p:spPr>
-          <a:xfrm>
-            <a:off x="971550" y="6332220"/>
-            <a:ext cx="523240" cy="247651"/>
-          </a:xfrm>
-        </p:spPr>
-        <p:txBody>
-          <a:bodyPr/>
-          <a:lstStyle/>
-          <a:p>
-            <a:fld id="{294A09A9-5501-47C1-A89A-A340965A2BE2}" type="slidenum">
-              <a:rPr lang="en-US" smtClean="0"/>
-              <a:pPr/>
-              <a:t>6</a:t>
-            </a:fld>
-            <a:endParaRPr lang="en-US" dirty="0"/>
-          </a:p>
-        </p:txBody>
-      </p:sp>
-      <p:sp>
-        <p:nvSpPr>
-          <p:cNvPr id="26" name="Content Placeholder 4">
-            <a:extLst>
-              <a:ext uri="{FF2B5EF4-FFF2-40B4-BE49-F238E27FC236}">
-                <a16:creationId xmlns:a16="http://schemas.microsoft.com/office/drawing/2014/main" id="{64E8F6B0-1B5B-57F7-0463-A7ACA7B11EE9}"/>
-              </a:ext>
-            </a:extLst>
-          </p:cNvPr>
-          <p:cNvSpPr txBox="1">
-            <a:spLocks/>
-          </p:cNvSpPr>
-          <p:nvPr/>
-        </p:nvSpPr>
-        <p:spPr>
-          <a:xfrm>
-            <a:off x="843253" y="2286113"/>
-            <a:ext cx="10690264" cy="4046107"/>
-          </a:xfrm>
-          <a:prstGeom prst="rect">
-            <a:avLst/>
-          </a:prstGeom>
-        </p:spPr>
-        <p:txBody>
-          <a:bodyPr/>
-          <a:lstStyle>
-            <a:lvl1pPr marL="228600" indent="-228600" algn="l" defTabSz="914400" rtl="0" eaLnBrk="1" latinLnBrk="0" hangingPunct="1">
-              <a:lnSpc>
-                <a:spcPct val="90000"/>
-              </a:lnSpc>
-              <a:spcBef>
-                <a:spcPts val="1000"/>
-              </a:spcBef>
-              <a:buFont typeface="Arial" panose="020B0604020202020204" pitchFamily="34" charset="0"/>
-              <a:buChar char="•"/>
-              <a:defRPr sz="2800" b="0" i="0" kern="1200">
-                <a:solidFill>
-                  <a:schemeClr val="bg1"/>
-                </a:solidFill>
-                <a:latin typeface="+mn-lt"/>
-                <a:ea typeface="+mn-ea"/>
-                <a:cs typeface="+mn-cs"/>
-              </a:defRPr>
-            </a:lvl1pPr>
-            <a:lvl2pPr marL="685800" indent="-228600" algn="l" defTabSz="914400" rtl="0" eaLnBrk="1" latinLnBrk="0" hangingPunct="1">
-              <a:lnSpc>
-                <a:spcPct val="90000"/>
-              </a:lnSpc>
-              <a:spcBef>
-                <a:spcPts val="500"/>
-              </a:spcBef>
-              <a:buFont typeface="Arial" panose="020B0604020202020204" pitchFamily="34" charset="0"/>
-              <a:buChar char="•"/>
-              <a:defRPr sz="2400" b="0" i="0" kern="1200">
-                <a:solidFill>
-                  <a:schemeClr val="bg1"/>
-                </a:solidFill>
-                <a:latin typeface="+mn-lt"/>
-                <a:ea typeface="+mn-ea"/>
-                <a:cs typeface="+mn-cs"/>
-              </a:defRPr>
-            </a:lvl2pPr>
-            <a:lvl3pPr marL="1143000" indent="-228600" algn="l" defTabSz="914400" rtl="0" eaLnBrk="1" latinLnBrk="0" hangingPunct="1">
-              <a:lnSpc>
-                <a:spcPct val="90000"/>
-              </a:lnSpc>
-              <a:spcBef>
-                <a:spcPts val="500"/>
-              </a:spcBef>
-              <a:buFont typeface="Arial" panose="020B0604020202020204" pitchFamily="34" charset="0"/>
-              <a:buChar char="•"/>
-              <a:defRPr sz="2000" b="0" i="0" kern="1200">
-                <a:solidFill>
-                  <a:schemeClr val="bg1"/>
-                </a:solidFill>
-                <a:latin typeface="+mn-lt"/>
-                <a:ea typeface="+mn-ea"/>
-                <a:cs typeface="+mn-cs"/>
-              </a:defRPr>
-            </a:lvl3pPr>
-            <a:lvl4pPr marL="1600200" indent="-228600" algn="l" defTabSz="914400" rtl="0" eaLnBrk="1" latinLnBrk="0" hangingPunct="1">
-              <a:lnSpc>
-                <a:spcPct val="90000"/>
-              </a:lnSpc>
-              <a:spcBef>
-                <a:spcPts val="500"/>
-              </a:spcBef>
-              <a:buFont typeface="Arial" panose="020B0604020202020204" pitchFamily="34" charset="0"/>
-              <a:buChar char="•"/>
-              <a:defRPr sz="1800" b="0" i="0" kern="1200">
-                <a:solidFill>
-                  <a:schemeClr val="bg1"/>
-                </a:solidFill>
-                <a:latin typeface="+mn-lt"/>
-                <a:ea typeface="+mn-ea"/>
-                <a:cs typeface="+mn-cs"/>
-              </a:defRPr>
-            </a:lvl4pPr>
-            <a:lvl5pPr marL="2057400" indent="-228600" algn="l" defTabSz="914400" rtl="0" eaLnBrk="1" latinLnBrk="0" hangingPunct="1">
-              <a:lnSpc>
-                <a:spcPct val="90000"/>
-              </a:lnSpc>
-              <a:spcBef>
-                <a:spcPts val="500"/>
-              </a:spcBef>
-              <a:buFont typeface="Arial" panose="020B0604020202020204" pitchFamily="34" charset="0"/>
-              <a:buChar char="•"/>
-              <a:defRPr sz="1800" b="0" i="0" kern="1200">
-                <a:solidFill>
-                  <a:schemeClr val="bg1"/>
-                </a:solidFill>
-                <a:latin typeface="+mn-lt"/>
-                <a:ea typeface="+mn-ea"/>
-                <a:cs typeface="+mn-cs"/>
-              </a:defRPr>
-            </a:lvl5pPr>
-            <a:lvl6pPr marL="2514600" indent="-228600" algn="l" defTabSz="914400" rtl="0" eaLnBrk="1" latinLnBrk="0" hangingPunct="1">
-              <a:lnSpc>
-                <a:spcPct val="90000"/>
-              </a:lnSpc>
-              <a:spcBef>
-                <a:spcPts val="500"/>
-              </a:spcBef>
-              <a:buFont typeface="Arial" panose="020B0604020202020204" pitchFamily="34" charset="0"/>
-              <a:buChar char="•"/>
-              <a:defRPr sz="1800" kern="1200">
-                <a:solidFill>
-                  <a:schemeClr val="tx1"/>
-                </a:solidFill>
-                <a:latin typeface="+mn-lt"/>
-                <a:ea typeface="+mn-ea"/>
-                <a:cs typeface="+mn-cs"/>
-              </a:defRPr>
-            </a:lvl6pPr>
-            <a:lvl7pPr marL="2971800" indent="-228600" algn="l" defTabSz="914400" rtl="0" eaLnBrk="1" latinLnBrk="0" hangingPunct="1">
-              <a:lnSpc>
-                <a:spcPct val="90000"/>
-              </a:lnSpc>
-              <a:spcBef>
-                <a:spcPts val="500"/>
-              </a:spcBef>
-              <a:buFont typeface="Arial" panose="020B0604020202020204" pitchFamily="34" charset="0"/>
-              <a:buChar char="•"/>
-              <a:defRPr sz="1800" kern="1200">
-                <a:solidFill>
-                  <a:schemeClr val="tx1"/>
-                </a:solidFill>
-                <a:latin typeface="+mn-lt"/>
-                <a:ea typeface="+mn-ea"/>
-                <a:cs typeface="+mn-cs"/>
-              </a:defRPr>
-            </a:lvl7pPr>
-            <a:lvl8pPr marL="3429000" indent="-228600" algn="l" defTabSz="914400" rtl="0" eaLnBrk="1" latinLnBrk="0" hangingPunct="1">
-              <a:lnSpc>
-                <a:spcPct val="90000"/>
-              </a:lnSpc>
-              <a:spcBef>
-                <a:spcPts val="500"/>
-              </a:spcBef>
-              <a:buFont typeface="Arial" panose="020B0604020202020204" pitchFamily="34" charset="0"/>
-              <a:buChar char="•"/>
-              <a:defRPr sz="1800" kern="1200">
-                <a:solidFill>
-                  <a:schemeClr val="tx1"/>
-                </a:solidFill>
-                <a:latin typeface="+mn-lt"/>
-                <a:ea typeface="+mn-ea"/>
-                <a:cs typeface="+mn-cs"/>
-              </a:defRPr>
-            </a:lvl8pPr>
-            <a:lvl9pPr marL="3886200" indent="-228600" algn="l" defTabSz="914400" rtl="0" eaLnBrk="1" latinLnBrk="0" hangingPunct="1">
-              <a:lnSpc>
-                <a:spcPct val="90000"/>
-              </a:lnSpc>
-              <a:spcBef>
-                <a:spcPts val="500"/>
-              </a:spcBef>
-              <a:buFont typeface="Arial" panose="020B0604020202020204" pitchFamily="34" charset="0"/>
-              <a:buChar char="•"/>
-              <a:defRPr sz="1800" kern="1200">
-                <a:solidFill>
-                  <a:schemeClr val="tx1"/>
-                </a:solidFill>
-                <a:latin typeface="+mn-lt"/>
-                <a:ea typeface="+mn-ea"/>
-                <a:cs typeface="+mn-cs"/>
-              </a:defRPr>
-            </a:lvl9pPr>
-          </a:lstStyle>
-          <a:p>
-            <a:r>
-              <a:rPr lang="en-US" dirty="0"/>
-              <a:t>Inclusion of four audio datasets: Google Speech Commands, IEMOCAP, CREMA-D, Urban Sound.</a:t>
-            </a:r>
-          </a:p>
-          <a:p>
-            <a:r>
-              <a:rPr lang="en-US" dirty="0"/>
-              <a:t>Targeting keyword spotting, emotion recognition, and sound event classification tasks.</a:t>
-            </a:r>
-          </a:p>
-          <a:p>
-            <a:r>
-              <a:rPr lang="en-US" dirty="0"/>
-              <a:t>Datasets cover various client numbers, data samples, and class labels.</a:t>
-            </a:r>
-          </a:p>
-          <a:p>
-            <a:r>
-              <a:rPr lang="en-US" dirty="0"/>
-              <a:t>Non-IID distribution in datasets based on speaker or actor ID.</a:t>
-            </a:r>
-          </a:p>
-          <a:p>
-            <a:r>
-              <a:rPr lang="en-US" dirty="0"/>
-              <a:t>Exclusion of automatic speech recognition (ASR) task due to resource demands.</a:t>
-            </a:r>
-          </a:p>
-        </p:txBody>
-      </p:sp>
-    </p:spTree>
-    <p:extLst>
-      <p:ext uri="{BB962C8B-B14F-4D97-AF65-F5344CB8AC3E}">
-        <p14:creationId xmlns:p14="http://schemas.microsoft.com/office/powerpoint/2010/main" val="1429237271"/>
-      </p:ext>
-    </p:extLst>
-  </p:cSld>
-  <p:clrMapOvr>
-    <a:masterClrMapping/>
-  </p:clrMapOvr>
-</p:sld>
-</file>
-
-<file path=ppt/slides/slide7.xml><?xml version="1.0" encoding="utf-8"?>
-<p:sld xmlns:a="http://schemas.openxmlformats.org/drawingml/2006/main" xmlns:r="http://schemas.openxmlformats.org/officeDocument/2006/relationships" xmlns:p="http://schemas.openxmlformats.org/presentationml/2006/main">
-  <p:cSld>
-    <p:spTree>
-      <p:nvGrpSpPr>
-        <p:cNvPr id="1" name=""/>
-        <p:cNvGrpSpPr/>
-        <p:nvPr/>
-      </p:nvGrpSpPr>
-      <p:grpSpPr>
-        <a:xfrm>
-          <a:off x="0" y="0"/>
-          <a:ext cx="0" cy="0"/>
-          <a:chOff x="0" y="0"/>
-          <a:chExt cx="0" cy="0"/>
-        </a:xfrm>
-      </p:grpSpPr>
-      <p:sp>
-        <p:nvSpPr>
-          <p:cNvPr id="2" name="Title 1">
-            <a:extLst>
-              <a:ext uri="{FF2B5EF4-FFF2-40B4-BE49-F238E27FC236}">
-                <a16:creationId xmlns:a16="http://schemas.microsoft.com/office/drawing/2014/main" id="{8C122DF8-59D4-D94D-8ED9-F2F319899DBF}"/>
-              </a:ext>
-            </a:extLst>
-          </p:cNvPr>
-          <p:cNvSpPr>
-            <a:spLocks noGrp="1"/>
-          </p:cNvSpPr>
-          <p:nvPr>
-            <p:ph type="title"/>
-          </p:nvPr>
-        </p:nvSpPr>
-        <p:spPr>
-          <a:xfrm>
-            <a:off x="964023" y="879063"/>
-            <a:ext cx="9120256" cy="610863"/>
-          </a:xfrm>
-        </p:spPr>
-        <p:txBody>
-          <a:bodyPr>
-            <a:normAutofit/>
-          </a:bodyPr>
-          <a:lstStyle/>
-          <a:p>
-            <a:r>
-              <a:rPr lang="en-US" dirty="0" err="1"/>
-              <a:t>FedAudio</a:t>
-            </a:r>
-            <a:r>
-              <a:rPr lang="en-US" dirty="0"/>
-              <a:t> Design Details</a:t>
-            </a:r>
-          </a:p>
-        </p:txBody>
-      </p:sp>
-      <p:sp>
-        <p:nvSpPr>
-          <p:cNvPr id="5" name="Slide Number Placeholder 4">
-            <a:extLst>
-              <a:ext uri="{FF2B5EF4-FFF2-40B4-BE49-F238E27FC236}">
-                <a16:creationId xmlns:a16="http://schemas.microsoft.com/office/drawing/2014/main" id="{AB744071-0CE2-7746-9315-22EC28A0F462}"/>
-              </a:ext>
-            </a:extLst>
-          </p:cNvPr>
-          <p:cNvSpPr>
-            <a:spLocks noGrp="1"/>
-          </p:cNvSpPr>
-          <p:nvPr>
-            <p:ph type="sldNum" sz="quarter" idx="23"/>
-          </p:nvPr>
-        </p:nvSpPr>
-        <p:spPr>
-          <a:xfrm>
-            <a:off x="971550" y="6332220"/>
-            <a:ext cx="523240" cy="247651"/>
-          </a:xfrm>
-        </p:spPr>
-        <p:txBody>
-          <a:bodyPr/>
-          <a:lstStyle/>
-          <a:p>
-            <a:fld id="{294A09A9-5501-47C1-A89A-A340965A2BE2}" type="slidenum">
-              <a:rPr lang="en-US" smtClean="0"/>
-              <a:pPr/>
-              <a:t>7</a:t>
-            </a:fld>
-            <a:endParaRPr lang="en-US" dirty="0"/>
-          </a:p>
-        </p:txBody>
-      </p:sp>
-      <p:sp>
-        <p:nvSpPr>
-          <p:cNvPr id="26" name="Content Placeholder 4">
-            <a:extLst>
-              <a:ext uri="{FF2B5EF4-FFF2-40B4-BE49-F238E27FC236}">
-                <a16:creationId xmlns:a16="http://schemas.microsoft.com/office/drawing/2014/main" id="{64E8F6B0-1B5B-57F7-0463-A7ACA7B11EE9}"/>
-              </a:ext>
-            </a:extLst>
-          </p:cNvPr>
-          <p:cNvSpPr txBox="1">
-            <a:spLocks/>
-          </p:cNvSpPr>
-          <p:nvPr/>
-        </p:nvSpPr>
-        <p:spPr>
-          <a:xfrm>
-            <a:off x="843253" y="2286113"/>
-            <a:ext cx="10690264" cy="4046107"/>
-          </a:xfrm>
-          <a:prstGeom prst="rect">
-            <a:avLst/>
-          </a:prstGeom>
-        </p:spPr>
-        <p:txBody>
-          <a:bodyPr/>
-          <a:lstStyle>
-            <a:lvl1pPr marL="228600" indent="-228600" algn="l" defTabSz="914400" rtl="0" eaLnBrk="1" latinLnBrk="0" hangingPunct="1">
-              <a:lnSpc>
-                <a:spcPct val="90000"/>
-              </a:lnSpc>
-              <a:spcBef>
-                <a:spcPts val="1000"/>
-              </a:spcBef>
-              <a:buFont typeface="Arial" panose="020B0604020202020204" pitchFamily="34" charset="0"/>
-              <a:buChar char="•"/>
-              <a:defRPr sz="2800" b="0" i="0" kern="1200">
-                <a:solidFill>
-                  <a:schemeClr val="bg1"/>
-                </a:solidFill>
-                <a:latin typeface="+mn-lt"/>
-                <a:ea typeface="+mn-ea"/>
-                <a:cs typeface="+mn-cs"/>
-              </a:defRPr>
-            </a:lvl1pPr>
-            <a:lvl2pPr marL="685800" indent="-228600" algn="l" defTabSz="914400" rtl="0" eaLnBrk="1" latinLnBrk="0" hangingPunct="1">
-              <a:lnSpc>
-                <a:spcPct val="90000"/>
-              </a:lnSpc>
-              <a:spcBef>
-                <a:spcPts val="500"/>
-              </a:spcBef>
-              <a:buFont typeface="Arial" panose="020B0604020202020204" pitchFamily="34" charset="0"/>
-              <a:buChar char="•"/>
-              <a:defRPr sz="2400" b="0" i="0" kern="1200">
-                <a:solidFill>
-                  <a:schemeClr val="bg1"/>
-                </a:solidFill>
-                <a:latin typeface="+mn-lt"/>
-                <a:ea typeface="+mn-ea"/>
-                <a:cs typeface="+mn-cs"/>
-              </a:defRPr>
-            </a:lvl2pPr>
-            <a:lvl3pPr marL="1143000" indent="-228600" algn="l" defTabSz="914400" rtl="0" eaLnBrk="1" latinLnBrk="0" hangingPunct="1">
-              <a:lnSpc>
-                <a:spcPct val="90000"/>
-              </a:lnSpc>
-              <a:spcBef>
-                <a:spcPts val="500"/>
-              </a:spcBef>
-              <a:buFont typeface="Arial" panose="020B0604020202020204" pitchFamily="34" charset="0"/>
-              <a:buChar char="•"/>
-              <a:defRPr sz="2000" b="0" i="0" kern="1200">
-                <a:solidFill>
-                  <a:schemeClr val="bg1"/>
-                </a:solidFill>
-                <a:latin typeface="+mn-lt"/>
-                <a:ea typeface="+mn-ea"/>
-                <a:cs typeface="+mn-cs"/>
-              </a:defRPr>
-            </a:lvl3pPr>
-            <a:lvl4pPr marL="1600200" indent="-228600" algn="l" defTabSz="914400" rtl="0" eaLnBrk="1" latinLnBrk="0" hangingPunct="1">
-              <a:lnSpc>
-                <a:spcPct val="90000"/>
-              </a:lnSpc>
-              <a:spcBef>
-                <a:spcPts val="500"/>
-              </a:spcBef>
-              <a:buFont typeface="Arial" panose="020B0604020202020204" pitchFamily="34" charset="0"/>
-              <a:buChar char="•"/>
-              <a:defRPr sz="1800" b="0" i="0" kern="1200">
-                <a:solidFill>
-                  <a:schemeClr val="bg1"/>
-                </a:solidFill>
-                <a:latin typeface="+mn-lt"/>
-                <a:ea typeface="+mn-ea"/>
-                <a:cs typeface="+mn-cs"/>
-              </a:defRPr>
-            </a:lvl4pPr>
-            <a:lvl5pPr marL="2057400" indent="-228600" algn="l" defTabSz="914400" rtl="0" eaLnBrk="1" latinLnBrk="0" hangingPunct="1">
-              <a:lnSpc>
-                <a:spcPct val="90000"/>
-              </a:lnSpc>
-              <a:spcBef>
-                <a:spcPts val="500"/>
-              </a:spcBef>
-              <a:buFont typeface="Arial" panose="020B0604020202020204" pitchFamily="34" charset="0"/>
-              <a:buChar char="•"/>
-              <a:defRPr sz="1800" b="0" i="0" kern="1200">
-                <a:solidFill>
-                  <a:schemeClr val="bg1"/>
-                </a:solidFill>
-                <a:latin typeface="+mn-lt"/>
-                <a:ea typeface="+mn-ea"/>
-                <a:cs typeface="+mn-cs"/>
-              </a:defRPr>
-            </a:lvl5pPr>
-            <a:lvl6pPr marL="2514600" indent="-228600" algn="l" defTabSz="914400" rtl="0" eaLnBrk="1" latinLnBrk="0" hangingPunct="1">
-              <a:lnSpc>
-                <a:spcPct val="90000"/>
-              </a:lnSpc>
-              <a:spcBef>
-                <a:spcPts val="500"/>
-              </a:spcBef>
-              <a:buFont typeface="Arial" panose="020B0604020202020204" pitchFamily="34" charset="0"/>
-              <a:buChar char="•"/>
-              <a:defRPr sz="1800" kern="1200">
-                <a:solidFill>
-                  <a:schemeClr val="tx1"/>
-                </a:solidFill>
-                <a:latin typeface="+mn-lt"/>
-                <a:ea typeface="+mn-ea"/>
-                <a:cs typeface="+mn-cs"/>
-              </a:defRPr>
-            </a:lvl6pPr>
-            <a:lvl7pPr marL="2971800" indent="-228600" algn="l" defTabSz="914400" rtl="0" eaLnBrk="1" latinLnBrk="0" hangingPunct="1">
-              <a:lnSpc>
-                <a:spcPct val="90000"/>
-              </a:lnSpc>
-              <a:spcBef>
-                <a:spcPts val="500"/>
-              </a:spcBef>
-              <a:buFont typeface="Arial" panose="020B0604020202020204" pitchFamily="34" charset="0"/>
-              <a:buChar char="•"/>
-              <a:defRPr sz="1800" kern="1200">
-                <a:solidFill>
-                  <a:schemeClr val="tx1"/>
-                </a:solidFill>
-                <a:latin typeface="+mn-lt"/>
-                <a:ea typeface="+mn-ea"/>
-                <a:cs typeface="+mn-cs"/>
-              </a:defRPr>
-            </a:lvl7pPr>
-            <a:lvl8pPr marL="3429000" indent="-228600" algn="l" defTabSz="914400" rtl="0" eaLnBrk="1" latinLnBrk="0" hangingPunct="1">
-              <a:lnSpc>
-                <a:spcPct val="90000"/>
-              </a:lnSpc>
-              <a:spcBef>
-                <a:spcPts val="500"/>
-              </a:spcBef>
-              <a:buFont typeface="Arial" panose="020B0604020202020204" pitchFamily="34" charset="0"/>
-              <a:buChar char="•"/>
-              <a:defRPr sz="1800" kern="1200">
-                <a:solidFill>
-                  <a:schemeClr val="tx1"/>
-                </a:solidFill>
-                <a:latin typeface="+mn-lt"/>
-                <a:ea typeface="+mn-ea"/>
-                <a:cs typeface="+mn-cs"/>
-              </a:defRPr>
-            </a:lvl8pPr>
-            <a:lvl9pPr marL="3886200" indent="-228600" algn="l" defTabSz="914400" rtl="0" eaLnBrk="1" latinLnBrk="0" hangingPunct="1">
-              <a:lnSpc>
-                <a:spcPct val="90000"/>
-              </a:lnSpc>
-              <a:spcBef>
-                <a:spcPts val="500"/>
-              </a:spcBef>
-              <a:buFont typeface="Arial" panose="020B0604020202020204" pitchFamily="34" charset="0"/>
-              <a:buChar char="•"/>
-              <a:defRPr sz="1800" kern="1200">
-                <a:solidFill>
-                  <a:schemeClr val="tx1"/>
-                </a:solidFill>
-                <a:latin typeface="+mn-lt"/>
-                <a:ea typeface="+mn-ea"/>
-                <a:cs typeface="+mn-cs"/>
-              </a:defRPr>
-            </a:lvl9pPr>
-          </a:lstStyle>
-          <a:p>
-            <a:r>
-              <a:rPr lang="en-US" dirty="0"/>
-              <a:t>Google Speech Commands dataset.</a:t>
-            </a:r>
-          </a:p>
-          <a:p>
-            <a:r>
-              <a:rPr lang="en-US" dirty="0"/>
-              <a:t>IEMOCAP dataset and its multimodal nature.</a:t>
-            </a:r>
-          </a:p>
-          <a:p>
-            <a:r>
-              <a:rPr lang="en-US" dirty="0"/>
-              <a:t>CREMA-D dataset for emotion recognition.</a:t>
-            </a:r>
-          </a:p>
-          <a:p>
-            <a:r>
-              <a:rPr lang="en-US" dirty="0"/>
-              <a:t>Urban Sound dataset for sound event classification.</a:t>
-            </a:r>
-          </a:p>
-          <a:p>
-            <a:r>
-              <a:rPr lang="en-US" dirty="0"/>
-              <a:t>Selection of tasks aligning with FL.</a:t>
-            </a:r>
-          </a:p>
-        </p:txBody>
-      </p:sp>
-    </p:spTree>
-    <p:extLst>
-      <p:ext uri="{BB962C8B-B14F-4D97-AF65-F5344CB8AC3E}">
-        <p14:creationId xmlns:p14="http://schemas.microsoft.com/office/powerpoint/2010/main" val="1668786984"/>
+        <p14:creationId xmlns:p14="http://schemas.microsoft.com/office/powerpoint/2010/main" val="826481093"/>
       </p:ext>
     </p:extLst>
   </p:cSld>
@@ -16531,18 +16217,13 @@
           <a:lstStyle/>
           <a:p>
             <a:r>
-              <a:rPr lang="en-US" b="1" i="0" dirty="0" err="1">
-                <a:effectLst/>
-              </a:rPr>
+              <a:rPr lang="en-US" dirty="0" err="1"/>
               <a:t>FedAudio</a:t>
             </a:r>
             <a:r>
-              <a:rPr lang="en-US" b="1" i="0" dirty="0">
-                <a:effectLst/>
-              </a:rPr>
-              <a:t> New Features</a:t>
-            </a:r>
-            <a:endParaRPr lang="en-US" dirty="0"/>
+              <a:rPr lang="en-US" dirty="0"/>
+              <a:t> Library</a:t>
+            </a:r>
           </a:p>
         </p:txBody>
       </p:sp>
@@ -16583,10 +16264,10 @@
       </p:sp>
       <p:sp>
         <p:nvSpPr>
-          <p:cNvPr id="26" name="Content Placeholder 4">
-            <a:extLst>
-              <a:ext uri="{FF2B5EF4-FFF2-40B4-BE49-F238E27FC236}">
-                <a16:creationId xmlns:a16="http://schemas.microsoft.com/office/drawing/2014/main" id="{64E8F6B0-1B5B-57F7-0463-A7ACA7B11EE9}"/>
+          <p:cNvPr id="3" name="Content Placeholder 4">
+            <a:extLst>
+              <a:ext uri="{FF2B5EF4-FFF2-40B4-BE49-F238E27FC236}">
+                <a16:creationId xmlns:a16="http://schemas.microsoft.com/office/drawing/2014/main" id="{822C2B95-2068-E728-40D0-1BF2030DBC99}"/>
               </a:ext>
             </a:extLst>
           </p:cNvPr>
@@ -16773,31 +16454,7 @@
           <a:p>
             <a:r>
               <a:rPr lang="en-US" dirty="0"/>
-              <a:t>Introduction of data noises and label errors for real-world scenario emulation.</a:t>
-            </a:r>
-          </a:p>
-          <a:p>
-            <a:r>
-              <a:rPr lang="en-US" dirty="0"/>
-              <a:t>Addition of additive white Gaussian noises (AWGN) to audio data for studying noise impact.</a:t>
-            </a:r>
-          </a:p>
-          <a:p>
-            <a:r>
-              <a:rPr lang="en-US" dirty="0"/>
-              <a:t>Emulation of label errors using a transition matrix for ground truth label alterations.</a:t>
-            </a:r>
-          </a:p>
-          <a:p>
-            <a:r>
-              <a:rPr lang="en-US" dirty="0"/>
-              <a:t>Parameters for controlling error ratio and error sparsity in label errors.</a:t>
-            </a:r>
-          </a:p>
-          <a:p>
-            <a:r>
-              <a:rPr lang="en-US" dirty="0"/>
-              <a:t>Unique contribution of </a:t>
+              <a:t>Creation of a library to facilitate </a:t>
             </a:r>
             <a:r>
               <a:rPr lang="en-US" dirty="0" err="1"/>
@@ -16805,7 +16462,47 @@
             </a:r>
             <a:r>
               <a:rPr lang="en-US" dirty="0"/>
-              <a:t> in introducing noise and errors compared to existing benchmarks.</a:t>
+              <a:t> benchmarks.</a:t>
+            </a:r>
+          </a:p>
+          <a:p>
+            <a:r>
+              <a:rPr lang="en-US" dirty="0"/>
+              <a:t>Inclusion of FL Feature Manager for noise and label emulation.</a:t>
+            </a:r>
+          </a:p>
+          <a:p>
+            <a:r>
+              <a:rPr lang="en-US" dirty="0"/>
+              <a:t>Support for conventional and knowledge-based speech features in Pre-processing Manager.</a:t>
+            </a:r>
+          </a:p>
+          <a:p>
+            <a:r>
+              <a:rPr lang="en-US" dirty="0"/>
+              <a:t>Data Splitter for partitioning datasets into non-IID distribution.</a:t>
+            </a:r>
+          </a:p>
+          <a:p>
+            <a:r>
+              <a:rPr lang="en-US" dirty="0"/>
+              <a:t>Integration with common FL optimizers such as </a:t>
+            </a:r>
+            <a:r>
+              <a:rPr lang="en-US" dirty="0" err="1"/>
+              <a:t>FedAvg</a:t>
+            </a:r>
+            <a:r>
+              <a:rPr lang="en-US" dirty="0"/>
+              <a:t> and </a:t>
+            </a:r>
+            <a:r>
+              <a:rPr lang="en-US" dirty="0" err="1"/>
+              <a:t>FedOPT</a:t>
+            </a:r>
+            <a:r>
+              <a:rPr lang="en-US" dirty="0"/>
+              <a:t>.</a:t>
             </a:r>
           </a:p>
         </p:txBody>
@@ -16813,7 +16510,7 @@
     </p:spTree>
     <p:extLst>
       <p:ext uri="{BB962C8B-B14F-4D97-AF65-F5344CB8AC3E}">
-        <p14:creationId xmlns:p14="http://schemas.microsoft.com/office/powerpoint/2010/main" val="826481093"/>
+        <p14:creationId xmlns:p14="http://schemas.microsoft.com/office/powerpoint/2010/main" val="3548639186"/>
       </p:ext>
     </p:extLst>
   </p:cSld>
@@ -16869,12 +16566,8 @@
           <a:lstStyle/>
           <a:p>
             <a:r>
-              <a:rPr lang="en-US" dirty="0" err="1"/>
-              <a:t>FedAudio</a:t>
-            </a:r>
-            <a:r>
               <a:rPr lang="en-US" dirty="0"/>
-              <a:t> Library</a:t>
+              <a:t>Experiments Overview</a:t>
             </a:r>
           </a:p>
         </p:txBody>
@@ -17106,55 +16799,31 @@
           <a:p>
             <a:r>
               <a:rPr lang="en-US" dirty="0"/>
-              <a:t>Creation of a library to facilitate </a:t>
-            </a:r>
-            <a:r>
-              <a:rPr lang="en-US" dirty="0" err="1"/>
-              <a:t>FedAudio</a:t>
-            </a:r>
+              <a:t>Model architecture with two convolution layers, one GRU layer, average pooling, and two dense layers.</a:t>
+            </a:r>
+          </a:p>
+          <a:p>
             <a:r>
               <a:rPr lang="en-US" dirty="0"/>
-              <a:t> benchmarks.</a:t>
+              <a:t>Hyperparameter settings detailed in Appendix A.</a:t>
             </a:r>
           </a:p>
           <a:p>
             <a:r>
               <a:rPr lang="en-US" dirty="0"/>
-              <a:t>Inclusion of FL Feature Manager for noise and label emulation.</a:t>
+              <a:t>Experiments conducted through CPU/GPU simulation on a specific server.</a:t>
             </a:r>
           </a:p>
           <a:p>
             <a:r>
               <a:rPr lang="en-US" dirty="0"/>
-              <a:t>Support for conventional and knowledge-based speech features in Pre-processing Manager.</a:t>
+              <a:t>Benchmark results reported for clean audio data, noisy audio data, and audio data with label errors.</a:t>
             </a:r>
           </a:p>
           <a:p>
             <a:r>
               <a:rPr lang="en-US" dirty="0"/>
-              <a:t>Data Splitter for partitioning datasets into non-IID distribution.</a:t>
-            </a:r>
-          </a:p>
-          <a:p>
-            <a:r>
-              <a:rPr lang="en-US" dirty="0"/>
-              <a:t>Integration with common FL optimizers such as </a:t>
-            </a:r>
-            <a:r>
-              <a:rPr lang="en-US" dirty="0" err="1"/>
-              <a:t>FedAvg</a:t>
-            </a:r>
-            <a:r>
-              <a:rPr lang="en-US" dirty="0"/>
-              <a:t> and </a:t>
-            </a:r>
-            <a:r>
-              <a:rPr lang="en-US" dirty="0" err="1"/>
-              <a:t>FedOPT</a:t>
-            </a:r>
-            <a:r>
-              <a:rPr lang="en-US" dirty="0"/>
-              <a:t>.</a:t>
+              <a:t>Detailed discussion on the impact of client sample ratio, FL optimizers, and data heterogeneity.</a:t>
             </a:r>
           </a:p>
         </p:txBody>
@@ -17162,7 +16831,7 @@
     </p:spTree>
     <p:extLst>
       <p:ext uri="{BB962C8B-B14F-4D97-AF65-F5344CB8AC3E}">
-        <p14:creationId xmlns:p14="http://schemas.microsoft.com/office/powerpoint/2010/main" val="3548639186"/>
+        <p14:creationId xmlns:p14="http://schemas.microsoft.com/office/powerpoint/2010/main" val="3007184357"/>
       </p:ext>
     </p:extLst>
   </p:cSld>
@@ -17964,23 +17633,12 @@
 </file>
 
 <file path=customXml/item1.xml><?xml version="1.0" encoding="utf-8"?>
-<p:properties xmlns:p="http://schemas.microsoft.com/office/2006/metadata/properties" xmlns:xsi="http://www.w3.org/2001/XMLSchema-instance" xmlns:pc="http://schemas.microsoft.com/office/infopath/2007/PartnerControls">
-  <documentManagement>
-    <Status xmlns="71af3243-3dd4-4a8d-8c0d-dd76da1f02a5">Not started</Status>
-    <MediaServiceKeyPoints xmlns="71af3243-3dd4-4a8d-8c0d-dd76da1f02a5" xsi:nil="true"/>
-    <_ip_UnifiedCompliancePolicyUIAction xmlns="http://schemas.microsoft.com/sharepoint/v3" xsi:nil="true"/>
-    <Image xmlns="71af3243-3dd4-4a8d-8c0d-dd76da1f02a5">
-      <Url xsi:nil="true"/>
-      <Description xsi:nil="true"/>
-    </Image>
-    <Background xmlns="71af3243-3dd4-4a8d-8c0d-dd76da1f02a5">false</Background>
-    <_ip_UnifiedCompliancePolicyProperties xmlns="http://schemas.microsoft.com/sharepoint/v3" xsi:nil="true"/>
-    <ImageTagsTaxHTField xmlns="71af3243-3dd4-4a8d-8c0d-dd76da1f02a5">
-      <Terms xmlns="http://schemas.microsoft.com/office/infopath/2007/PartnerControls"/>
-    </ImageTagsTaxHTField>
-    <TaxCatchAll xmlns="230e9df3-be65-4c73-a93b-d1236ebd677e" xsi:nil="true"/>
-  </documentManagement>
-</p:properties>
+<?mso-contentType ?>
+<FormTemplates xmlns="http://schemas.microsoft.com/sharepoint/v3/contenttype/forms">
+  <Display>DocumentLibraryForm</Display>
+  <Edit>DocumentLibraryForm</Edit>
+  <New>DocumentLibraryForm</New>
+</FormTemplates>
 </file>
 
 <file path=customXml/item2.xml><?xml version="1.0" encoding="utf-8"?>
@@ -18296,22 +17954,29 @@
 </file>
 
 <file path=customXml/item3.xml><?xml version="1.0" encoding="utf-8"?>
-<?mso-contentType ?>
-<FormTemplates xmlns="http://schemas.microsoft.com/sharepoint/v3/contenttype/forms">
-  <Display>DocumentLibraryForm</Display>
-  <Edit>DocumentLibraryForm</Edit>
-  <New>DocumentLibraryForm</New>
-</FormTemplates>
+<p:properties xmlns:p="http://schemas.microsoft.com/office/2006/metadata/properties" xmlns:xsi="http://www.w3.org/2001/XMLSchema-instance" xmlns:pc="http://schemas.microsoft.com/office/infopath/2007/PartnerControls">
+  <documentManagement>
+    <Status xmlns="71af3243-3dd4-4a8d-8c0d-dd76da1f02a5">Not started</Status>
+    <MediaServiceKeyPoints xmlns="71af3243-3dd4-4a8d-8c0d-dd76da1f02a5" xsi:nil="true"/>
+    <_ip_UnifiedCompliancePolicyUIAction xmlns="http://schemas.microsoft.com/sharepoint/v3" xsi:nil="true"/>
+    <Image xmlns="71af3243-3dd4-4a8d-8c0d-dd76da1f02a5">
+      <Url xsi:nil="true"/>
+      <Description xsi:nil="true"/>
+    </Image>
+    <Background xmlns="71af3243-3dd4-4a8d-8c0d-dd76da1f02a5">false</Background>
+    <_ip_UnifiedCompliancePolicyProperties xmlns="http://schemas.microsoft.com/sharepoint/v3" xsi:nil="true"/>
+    <ImageTagsTaxHTField xmlns="71af3243-3dd4-4a8d-8c0d-dd76da1f02a5">
+      <Terms xmlns="http://schemas.microsoft.com/office/infopath/2007/PartnerControls"/>
+    </ImageTagsTaxHTField>
+    <TaxCatchAll xmlns="230e9df3-be65-4c73-a93b-d1236ebd677e" xsi:nil="true"/>
+  </documentManagement>
+</p:properties>
 </file>
 
 <file path=customXml/itemProps1.xml><?xml version="1.0" encoding="utf-8"?>
-<ds:datastoreItem xmlns:ds="http://schemas.openxmlformats.org/officeDocument/2006/customXml" ds:itemID="{6CC8E66C-AC30-44BA-8882-3290DF968F1F}">
+<ds:datastoreItem xmlns:ds="http://schemas.openxmlformats.org/officeDocument/2006/customXml" ds:itemID="{F1446DA3-37A7-4516-A4F6-8B99D0D312BF}">
   <ds:schemaRefs>
-    <ds:schemaRef ds:uri="http://schemas.microsoft.com/office/2006/metadata/properties"/>
-    <ds:schemaRef ds:uri="http://schemas.microsoft.com/office/infopath/2007/PartnerControls"/>
-    <ds:schemaRef ds:uri="71af3243-3dd4-4a8d-8c0d-dd76da1f02a5"/>
-    <ds:schemaRef ds:uri="http://schemas.microsoft.com/sharepoint/v3"/>
-    <ds:schemaRef ds:uri="230e9df3-be65-4c73-a93b-d1236ebd677e"/>
+    <ds:schemaRef ds:uri="http://schemas.microsoft.com/sharepoint/v3/contenttype/forms"/>
   </ds:schemaRefs>
 </ds:datastoreItem>
 </file>
@@ -18338,9 +18003,13 @@
 </file>
 
 <file path=customXml/itemProps3.xml><?xml version="1.0" encoding="utf-8"?>
-<ds:datastoreItem xmlns:ds="http://schemas.openxmlformats.org/officeDocument/2006/customXml" ds:itemID="{F1446DA3-37A7-4516-A4F6-8B99D0D312BF}">
+<ds:datastoreItem xmlns:ds="http://schemas.openxmlformats.org/officeDocument/2006/customXml" ds:itemID="{6CC8E66C-AC30-44BA-8882-3290DF968F1F}">
   <ds:schemaRefs>
-    <ds:schemaRef ds:uri="http://schemas.microsoft.com/sharepoint/v3/contenttype/forms"/>
+    <ds:schemaRef ds:uri="http://schemas.microsoft.com/office/2006/metadata/properties"/>
+    <ds:schemaRef ds:uri="http://schemas.microsoft.com/office/infopath/2007/PartnerControls"/>
+    <ds:schemaRef ds:uri="71af3243-3dd4-4a8d-8c0d-dd76da1f02a5"/>
+    <ds:schemaRef ds:uri="http://schemas.microsoft.com/sharepoint/v3"/>
+    <ds:schemaRef ds:uri="230e9df3-be65-4c73-a93b-d1236ebd677e"/>
   </ds:schemaRefs>
 </ds:datastoreItem>
 </file>
